--- a/hw02.pptx
+++ b/hw02.pptx
@@ -1,26 +1,27 @@
 
 <file path=ppt/presentation.xml><?xml version="1.0" encoding="utf-8"?>
-<p:presentation xmlns:a="http://schemas.openxmlformats.org/drawingml/2006/main" xmlns:r="http://schemas.openxmlformats.org/officeDocument/2006/relationships" xmlns:mc="http://schemas.openxmlformats.org/markup-compatibility/2006" xmlns:mv="urn:schemas-microsoft-com:mac:vml" xmlns:p="http://schemas.openxmlformats.org/presentationml/2006/main" xmlns:c="http://schemas.openxmlformats.org/drawingml/2006/chart" xmlns:dgm="http://schemas.openxmlformats.org/drawingml/2006/diagram" xmlns:o="urn:schemas-microsoft-com:office:office" xmlns:v="urn:schemas-microsoft-com:vml" xmlns:pvml="urn:schemas-microsoft-com:office:powerpoint" xmlns:com="http://schemas.openxmlformats.org/drawingml/2006/compatibility" xmlns:p14="http://schemas.microsoft.com/office/powerpoint/2010/main" xmlns:p15="http://schemas.microsoft.com/office/powerpoint/2012/main" xmlns:ahyp="http://schemas.microsoft.com/office/drawing/2018/hyperlinkcolor" autoCompressPictures="0" strictFirstAndLastChars="0" saveSubsetFonts="1">
+<p:presentation xmlns:a="http://schemas.openxmlformats.org/drawingml/2006/main" xmlns:r="http://schemas.openxmlformats.org/officeDocument/2006/relationships" xmlns:p="http://schemas.openxmlformats.org/presentationml/2006/main" strictFirstAndLastChars="0" saveSubsetFonts="1" autoCompressPictures="0">
   <p:sldMasterIdLst>
-    <p:sldMasterId id="2147483659" r:id="rId4"/>
+    <p:sldMasterId id="2147483659" r:id="rId1"/>
   </p:sldMasterIdLst>
   <p:notesMasterIdLst>
-    <p:notesMasterId r:id="rId5"/>
+    <p:notesMasterId r:id="rId11"/>
   </p:notesMasterIdLst>
   <p:sldIdLst>
-    <p:sldId id="256" r:id="rId6"/>
-    <p:sldId id="257" r:id="rId7"/>
-    <p:sldId id="258" r:id="rId8"/>
-    <p:sldId id="259" r:id="rId9"/>
-    <p:sldId id="260" r:id="rId10"/>
-    <p:sldId id="261" r:id="rId11"/>
-    <p:sldId id="262" r:id="rId12"/>
-    <p:sldId id="263" r:id="rId13"/>
+    <p:sldId id="256" r:id="rId2"/>
+    <p:sldId id="257" r:id="rId3"/>
+    <p:sldId id="258" r:id="rId4"/>
+    <p:sldId id="259" r:id="rId5"/>
+    <p:sldId id="260" r:id="rId6"/>
+    <p:sldId id="261" r:id="rId7"/>
+    <p:sldId id="262" r:id="rId8"/>
+    <p:sldId id="263" r:id="rId9"/>
+    <p:sldId id="264" r:id="rId10"/>
   </p:sldIdLst>
-  <p:sldSz cy="5143500" cx="9144000"/>
+  <p:sldSz cx="9144000" cy="5143500" type="screen16x9"/>
   <p:notesSz cx="6858000" cy="9144000"/>
   <p:defaultTextStyle>
-    <a:defPPr lvl="0" marR="0" rtl="0" algn="l">
+    <a:defPPr marR="0" lvl="0" algn="l" rtl="0">
       <a:lnSpc>
         <a:spcPct val="100000"/>
       </a:lnSpc>
@@ -31,7 +32,7 @@
         <a:spcPts val="0"/>
       </a:spcAft>
     </a:defPPr>
-    <a:lvl1pPr lvl="0" marR="0" rtl="0" algn="l">
+    <a:lvl1pPr marR="0" lvl="0" algn="l" rtl="0">
       <a:lnSpc>
         <a:spcPct val="100000"/>
       </a:lnSpc>
@@ -45,7 +46,7 @@
         <a:srgbClr val="000000"/>
       </a:buClr>
       <a:buFont typeface="Arial"/>
-      <a:defRPr b="0" i="0" sz="1400" u="none" cap="none" strike="noStrike">
+      <a:defRPr sz="1400" b="0" i="0" u="none" strike="noStrike" cap="none">
         <a:solidFill>
           <a:srgbClr val="000000"/>
         </a:solidFill>
@@ -55,7 +56,7 @@
         <a:sym typeface="Arial"/>
       </a:defRPr>
     </a:lvl1pPr>
-    <a:lvl2pPr lvl="1" marR="0" rtl="0" algn="l">
+    <a:lvl2pPr marR="0" lvl="1" algn="l" rtl="0">
       <a:lnSpc>
         <a:spcPct val="100000"/>
       </a:lnSpc>
@@ -69,7 +70,7 @@
         <a:srgbClr val="000000"/>
       </a:buClr>
       <a:buFont typeface="Arial"/>
-      <a:defRPr b="0" i="0" sz="1400" u="none" cap="none" strike="noStrike">
+      <a:defRPr sz="1400" b="0" i="0" u="none" strike="noStrike" cap="none">
         <a:solidFill>
           <a:srgbClr val="000000"/>
         </a:solidFill>
@@ -79,7 +80,7 @@
         <a:sym typeface="Arial"/>
       </a:defRPr>
     </a:lvl2pPr>
-    <a:lvl3pPr lvl="2" marR="0" rtl="0" algn="l">
+    <a:lvl3pPr marR="0" lvl="2" algn="l" rtl="0">
       <a:lnSpc>
         <a:spcPct val="100000"/>
       </a:lnSpc>
@@ -93,7 +94,7 @@
         <a:srgbClr val="000000"/>
       </a:buClr>
       <a:buFont typeface="Arial"/>
-      <a:defRPr b="0" i="0" sz="1400" u="none" cap="none" strike="noStrike">
+      <a:defRPr sz="1400" b="0" i="0" u="none" strike="noStrike" cap="none">
         <a:solidFill>
           <a:srgbClr val="000000"/>
         </a:solidFill>
@@ -103,7 +104,7 @@
         <a:sym typeface="Arial"/>
       </a:defRPr>
     </a:lvl3pPr>
-    <a:lvl4pPr lvl="3" marR="0" rtl="0" algn="l">
+    <a:lvl4pPr marR="0" lvl="3" algn="l" rtl="0">
       <a:lnSpc>
         <a:spcPct val="100000"/>
       </a:lnSpc>
@@ -117,7 +118,7 @@
         <a:srgbClr val="000000"/>
       </a:buClr>
       <a:buFont typeface="Arial"/>
-      <a:defRPr b="0" i="0" sz="1400" u="none" cap="none" strike="noStrike">
+      <a:defRPr sz="1400" b="0" i="0" u="none" strike="noStrike" cap="none">
         <a:solidFill>
           <a:srgbClr val="000000"/>
         </a:solidFill>
@@ -127,7 +128,7 @@
         <a:sym typeface="Arial"/>
       </a:defRPr>
     </a:lvl4pPr>
-    <a:lvl5pPr lvl="4" marR="0" rtl="0" algn="l">
+    <a:lvl5pPr marR="0" lvl="4" algn="l" rtl="0">
       <a:lnSpc>
         <a:spcPct val="100000"/>
       </a:lnSpc>
@@ -141,7 +142,7 @@
         <a:srgbClr val="000000"/>
       </a:buClr>
       <a:buFont typeface="Arial"/>
-      <a:defRPr b="0" i="0" sz="1400" u="none" cap="none" strike="noStrike">
+      <a:defRPr sz="1400" b="0" i="0" u="none" strike="noStrike" cap="none">
         <a:solidFill>
           <a:srgbClr val="000000"/>
         </a:solidFill>
@@ -151,7 +152,7 @@
         <a:sym typeface="Arial"/>
       </a:defRPr>
     </a:lvl5pPr>
-    <a:lvl6pPr lvl="5" marR="0" rtl="0" algn="l">
+    <a:lvl6pPr marR="0" lvl="5" algn="l" rtl="0">
       <a:lnSpc>
         <a:spcPct val="100000"/>
       </a:lnSpc>
@@ -165,7 +166,7 @@
         <a:srgbClr val="000000"/>
       </a:buClr>
       <a:buFont typeface="Arial"/>
-      <a:defRPr b="0" i="0" sz="1400" u="none" cap="none" strike="noStrike">
+      <a:defRPr sz="1400" b="0" i="0" u="none" strike="noStrike" cap="none">
         <a:solidFill>
           <a:srgbClr val="000000"/>
         </a:solidFill>
@@ -175,7 +176,7 @@
         <a:sym typeface="Arial"/>
       </a:defRPr>
     </a:lvl6pPr>
-    <a:lvl7pPr lvl="6" marR="0" rtl="0" algn="l">
+    <a:lvl7pPr marR="0" lvl="6" algn="l" rtl="0">
       <a:lnSpc>
         <a:spcPct val="100000"/>
       </a:lnSpc>
@@ -189,7 +190,7 @@
         <a:srgbClr val="000000"/>
       </a:buClr>
       <a:buFont typeface="Arial"/>
-      <a:defRPr b="0" i="0" sz="1400" u="none" cap="none" strike="noStrike">
+      <a:defRPr sz="1400" b="0" i="0" u="none" strike="noStrike" cap="none">
         <a:solidFill>
           <a:srgbClr val="000000"/>
         </a:solidFill>
@@ -199,7 +200,7 @@
         <a:sym typeface="Arial"/>
       </a:defRPr>
     </a:lvl7pPr>
-    <a:lvl8pPr lvl="7" marR="0" rtl="0" algn="l">
+    <a:lvl8pPr marR="0" lvl="7" algn="l" rtl="0">
       <a:lnSpc>
         <a:spcPct val="100000"/>
       </a:lnSpc>
@@ -213,7 +214,7 @@
         <a:srgbClr val="000000"/>
       </a:buClr>
       <a:buFont typeface="Arial"/>
-      <a:defRPr b="0" i="0" sz="1400" u="none" cap="none" strike="noStrike">
+      <a:defRPr sz="1400" b="0" i="0" u="none" strike="noStrike" cap="none">
         <a:solidFill>
           <a:srgbClr val="000000"/>
         </a:solidFill>
@@ -223,7 +224,7 @@
         <a:sym typeface="Arial"/>
       </a:defRPr>
     </a:lvl8pPr>
-    <a:lvl9pPr lvl="8" marR="0" rtl="0" algn="l">
+    <a:lvl9pPr marR="0" lvl="8" algn="l" rtl="0">
       <a:lnSpc>
         <a:spcPct val="100000"/>
       </a:lnSpc>
@@ -237,7 +238,7 @@
         <a:srgbClr val="000000"/>
       </a:buClr>
       <a:buFont typeface="Arial"/>
-      <a:defRPr b="0" i="0" sz="1400" u="none" cap="none" strike="noStrike">
+      <a:defRPr sz="1400" b="0" i="0" u="none" strike="noStrike" cap="none">
         <a:solidFill>
           <a:srgbClr val="000000"/>
         </a:solidFill>
@@ -250,7 +251,7 @@
   </p:defaultTextStyle>
   <p:extLst>
     <p:ext uri="{EFAFB233-063F-42B5-8137-9DF3F51BA10A}">
-      <p15:sldGuideLst>
+      <p15:sldGuideLst xmlns:p15="http://schemas.microsoft.com/office/powerpoint/2012/main">
         <p15:guide id="1" orient="horz" pos="1620">
           <p15:clr>
             <a:srgbClr val="747775"/>
@@ -268,11 +269,16 @@
 </file>
 
 <file path=ppt/notesMasters/notesMaster1.xml><?xml version="1.0" encoding="utf-8"?>
-<p:notesMaster xmlns:a="http://schemas.openxmlformats.org/drawingml/2006/main" xmlns:r="http://schemas.openxmlformats.org/officeDocument/2006/relationships" xmlns:mc="http://schemas.openxmlformats.org/markup-compatibility/2006" xmlns:mv="urn:schemas-microsoft-com:mac:vml" xmlns:p="http://schemas.openxmlformats.org/presentationml/2006/main" xmlns:c="http://schemas.openxmlformats.org/drawingml/2006/chart" xmlns:dgm="http://schemas.openxmlformats.org/drawingml/2006/diagram" xmlns:o="urn:schemas-microsoft-com:office:office" xmlns:v="urn:schemas-microsoft-com:vml" xmlns:pvml="urn:schemas-microsoft-com:office:powerpoint" xmlns:com="http://schemas.openxmlformats.org/drawingml/2006/compatibility" xmlns:p14="http://schemas.microsoft.com/office/powerpoint/2010/main" xmlns:p15="http://schemas.microsoft.com/office/powerpoint/2012/main" xmlns:ahyp="http://schemas.microsoft.com/office/drawing/2018/hyperlinkcolor">
+<p:notesMaster xmlns:a="http://schemas.openxmlformats.org/drawingml/2006/main" xmlns:r="http://schemas.openxmlformats.org/officeDocument/2006/relationships" xmlns:p="http://schemas.openxmlformats.org/presentationml/2006/main">
   <p:cSld>
+    <p:bg>
+      <p:bgRef idx="1001">
+        <a:schemeClr val="bg1"/>
+      </p:bgRef>
+    </p:bg>
     <p:spTree>
       <p:nvGrpSpPr>
-        <p:cNvPr id="2" name="Shape 2"/>
+        <p:cNvPr id="1" name="Shape 2"/>
         <p:cNvGrpSpPr/>
         <p:nvPr/>
       </p:nvGrpSpPr>
@@ -287,9 +293,11 @@
       <p:sp>
         <p:nvSpPr>
           <p:cNvPr id="3" name="Google Shape;3;n"/>
-          <p:cNvSpPr/>
+          <p:cNvSpPr>
+            <a:spLocks noGrp="1" noRot="1" noChangeAspect="1"/>
+          </p:cNvSpPr>
           <p:nvPr>
-            <p:ph idx="2" type="sldImg"/>
+            <p:ph type="sldImg" idx="2"/>
           </p:nvPr>
         </p:nvSpPr>
         <p:spPr>
@@ -298,9 +306,13 @@
             <a:ext cx="6096075" cy="3429000"/>
           </a:xfrm>
           <a:custGeom>
-            <a:rect b="b" l="l" r="r" t="t"/>
+            <a:avLst/>
+            <a:gdLst/>
+            <a:ahLst/>
+            <a:cxnLst/>
+            <a:rect l="l" t="t" r="r" b="b"/>
             <a:pathLst>
-              <a:path extrusionOk="0" h="120000" w="120000">
+              <a:path w="120000" h="120000" extrusionOk="0">
                 <a:moveTo>
                   <a:pt x="0" y="0"/>
                 </a:moveTo>
@@ -318,23 +330,25 @@
             </a:pathLst>
           </a:custGeom>
           <a:noFill/>
-          <a:ln cap="flat" cmpd="sng" w="9525">
+          <a:ln w="9525" cap="flat" cmpd="sng">
             <a:solidFill>
               <a:srgbClr val="000000"/>
             </a:solidFill>
             <a:prstDash val="solid"/>
             <a:round/>
-            <a:headEnd len="sm" w="sm" type="none"/>
-            <a:tailEnd len="sm" w="sm" type="none"/>
+            <a:headEnd type="none" w="sm" len="sm"/>
+            <a:tailEnd type="none" w="sm" len="sm"/>
           </a:ln>
         </p:spPr>
       </p:sp>
       <p:sp>
         <p:nvSpPr>
           <p:cNvPr id="4" name="Google Shape;4;n"/>
-          <p:cNvSpPr txBox="1"/>
+          <p:cNvSpPr txBox="1">
+            <a:spLocks noGrp="1"/>
+          </p:cNvSpPr>
           <p:nvPr>
-            <p:ph idx="1" type="body"/>
+            <p:ph type="body" idx="1"/>
           </p:nvPr>
         </p:nvSpPr>
         <p:spPr>
@@ -351,11 +365,11 @@
           </a:ln>
         </p:spPr>
         <p:txBody>
-          <a:bodyPr anchorCtr="0" anchor="t" bIns="91425" lIns="91425" spcFirstLastPara="1" rIns="91425" wrap="square" tIns="91425">
+          <a:bodyPr spcFirstLastPara="1" wrap="square" lIns="91425" tIns="91425" rIns="91425" bIns="91425" anchor="t" anchorCtr="0">
             <a:noAutofit/>
           </a:bodyPr>
           <a:lstStyle>
-            <a:lvl1pPr indent="-298450" lvl="0" marL="457200">
+            <a:lvl1pPr marL="457200" lvl="0" indent="-298450">
               <a:spcBef>
                 <a:spcPts val="0"/>
               </a:spcBef>
@@ -366,7 +380,7 @@
               <a:buChar char="●"/>
               <a:defRPr sz="1100"/>
             </a:lvl1pPr>
-            <a:lvl2pPr indent="-298450" lvl="1" marL="914400">
+            <a:lvl2pPr marL="914400" lvl="1" indent="-298450">
               <a:spcBef>
                 <a:spcPts val="0"/>
               </a:spcBef>
@@ -377,7 +391,7 @@
               <a:buChar char="○"/>
               <a:defRPr sz="1100"/>
             </a:lvl2pPr>
-            <a:lvl3pPr indent="-298450" lvl="2" marL="1371600">
+            <a:lvl3pPr marL="1371600" lvl="2" indent="-298450">
               <a:spcBef>
                 <a:spcPts val="0"/>
               </a:spcBef>
@@ -388,7 +402,7 @@
               <a:buChar char="■"/>
               <a:defRPr sz="1100"/>
             </a:lvl3pPr>
-            <a:lvl4pPr indent="-298450" lvl="3" marL="1828800">
+            <a:lvl4pPr marL="1828800" lvl="3" indent="-298450">
               <a:spcBef>
                 <a:spcPts val="0"/>
               </a:spcBef>
@@ -399,7 +413,7 @@
               <a:buChar char="●"/>
               <a:defRPr sz="1100"/>
             </a:lvl4pPr>
-            <a:lvl5pPr indent="-298450" lvl="4" marL="2286000">
+            <a:lvl5pPr marL="2286000" lvl="4" indent="-298450">
               <a:spcBef>
                 <a:spcPts val="0"/>
               </a:spcBef>
@@ -410,7 +424,7 @@
               <a:buChar char="○"/>
               <a:defRPr sz="1100"/>
             </a:lvl5pPr>
-            <a:lvl6pPr indent="-298450" lvl="5" marL="2743200">
+            <a:lvl6pPr marL="2743200" lvl="5" indent="-298450">
               <a:spcBef>
                 <a:spcPts val="0"/>
               </a:spcBef>
@@ -421,7 +435,7 @@
               <a:buChar char="■"/>
               <a:defRPr sz="1100"/>
             </a:lvl6pPr>
-            <a:lvl7pPr indent="-298450" lvl="6" marL="3200400">
+            <a:lvl7pPr marL="3200400" lvl="6" indent="-298450">
               <a:spcBef>
                 <a:spcPts val="0"/>
               </a:spcBef>
@@ -432,7 +446,7 @@
               <a:buChar char="●"/>
               <a:defRPr sz="1100"/>
             </a:lvl7pPr>
-            <a:lvl8pPr indent="-298450" lvl="7" marL="3657600">
+            <a:lvl8pPr marL="3657600" lvl="7" indent="-298450">
               <a:spcBef>
                 <a:spcPts val="0"/>
               </a:spcBef>
@@ -443,7 +457,7 @@
               <a:buChar char="○"/>
               <a:defRPr sz="1100"/>
             </a:lvl8pPr>
-            <a:lvl9pPr indent="-298450" lvl="8" marL="4114800">
+            <a:lvl9pPr marL="4114800" lvl="8" indent="-298450">
               <a:spcBef>
                 <a:spcPts val="0"/>
               </a:spcBef>
@@ -455,14 +469,16 @@
               <a:defRPr sz="1100"/>
             </a:lvl9pPr>
           </a:lstStyle>
-          <a:p/>
+          <a:p>
+            <a:endParaRPr/>
+          </a:p>
         </p:txBody>
       </p:sp>
     </p:spTree>
   </p:cSld>
-  <p:clrMap accent1="accent1" accent2="accent2" accent3="accent3" accent4="accent4" accent5="accent5" accent6="accent6" bg1="lt1" bg2="dk2" tx1="dk1" tx2="lt2" folHlink="folHlink" hlink="hlink"/>
+  <p:clrMap bg1="lt1" tx1="dk1" bg2="dk2" tx2="lt2" accent1="accent1" accent2="accent2" accent3="accent3" accent4="accent4" accent5="accent5" accent6="accent6" hlink="hlink" folHlink="folHlink"/>
   <p:notesStyle>
-    <a:defPPr lvl="0" marR="0" rtl="0" algn="l">
+    <a:defPPr marR="0" lvl="0" algn="l" rtl="0">
       <a:lnSpc>
         <a:spcPct val="100000"/>
       </a:lnSpc>
@@ -473,7 +489,7 @@
         <a:spcPts val="0"/>
       </a:spcAft>
     </a:defPPr>
-    <a:lvl1pPr lvl="0" marR="0" rtl="0" algn="l">
+    <a:lvl1pPr marR="0" lvl="0" algn="l" rtl="0">
       <a:lnSpc>
         <a:spcPct val="100000"/>
       </a:lnSpc>
@@ -487,7 +503,7 @@
         <a:srgbClr val="000000"/>
       </a:buClr>
       <a:buFont typeface="Arial"/>
-      <a:defRPr b="0" i="0" sz="1400" u="none" cap="none" strike="noStrike">
+      <a:defRPr sz="1400" b="0" i="0" u="none" strike="noStrike" cap="none">
         <a:solidFill>
           <a:srgbClr val="000000"/>
         </a:solidFill>
@@ -497,7 +513,7 @@
         <a:sym typeface="Arial"/>
       </a:defRPr>
     </a:lvl1pPr>
-    <a:lvl2pPr lvl="1" marR="0" rtl="0" algn="l">
+    <a:lvl2pPr marR="0" lvl="1" algn="l" rtl="0">
       <a:lnSpc>
         <a:spcPct val="100000"/>
       </a:lnSpc>
@@ -511,7 +527,7 @@
         <a:srgbClr val="000000"/>
       </a:buClr>
       <a:buFont typeface="Arial"/>
-      <a:defRPr b="0" i="0" sz="1400" u="none" cap="none" strike="noStrike">
+      <a:defRPr sz="1400" b="0" i="0" u="none" strike="noStrike" cap="none">
         <a:solidFill>
           <a:srgbClr val="000000"/>
         </a:solidFill>
@@ -521,7 +537,7 @@
         <a:sym typeface="Arial"/>
       </a:defRPr>
     </a:lvl2pPr>
-    <a:lvl3pPr lvl="2" marR="0" rtl="0" algn="l">
+    <a:lvl3pPr marR="0" lvl="2" algn="l" rtl="0">
       <a:lnSpc>
         <a:spcPct val="100000"/>
       </a:lnSpc>
@@ -535,7 +551,7 @@
         <a:srgbClr val="000000"/>
       </a:buClr>
       <a:buFont typeface="Arial"/>
-      <a:defRPr b="0" i="0" sz="1400" u="none" cap="none" strike="noStrike">
+      <a:defRPr sz="1400" b="0" i="0" u="none" strike="noStrike" cap="none">
         <a:solidFill>
           <a:srgbClr val="000000"/>
         </a:solidFill>
@@ -545,7 +561,7 @@
         <a:sym typeface="Arial"/>
       </a:defRPr>
     </a:lvl3pPr>
-    <a:lvl4pPr lvl="3" marR="0" rtl="0" algn="l">
+    <a:lvl4pPr marR="0" lvl="3" algn="l" rtl="0">
       <a:lnSpc>
         <a:spcPct val="100000"/>
       </a:lnSpc>
@@ -559,7 +575,7 @@
         <a:srgbClr val="000000"/>
       </a:buClr>
       <a:buFont typeface="Arial"/>
-      <a:defRPr b="0" i="0" sz="1400" u="none" cap="none" strike="noStrike">
+      <a:defRPr sz="1400" b="0" i="0" u="none" strike="noStrike" cap="none">
         <a:solidFill>
           <a:srgbClr val="000000"/>
         </a:solidFill>
@@ -569,7 +585,7 @@
         <a:sym typeface="Arial"/>
       </a:defRPr>
     </a:lvl4pPr>
-    <a:lvl5pPr lvl="4" marR="0" rtl="0" algn="l">
+    <a:lvl5pPr marR="0" lvl="4" algn="l" rtl="0">
       <a:lnSpc>
         <a:spcPct val="100000"/>
       </a:lnSpc>
@@ -583,7 +599,7 @@
         <a:srgbClr val="000000"/>
       </a:buClr>
       <a:buFont typeface="Arial"/>
-      <a:defRPr b="0" i="0" sz="1400" u="none" cap="none" strike="noStrike">
+      <a:defRPr sz="1400" b="0" i="0" u="none" strike="noStrike" cap="none">
         <a:solidFill>
           <a:srgbClr val="000000"/>
         </a:solidFill>
@@ -593,7 +609,7 @@
         <a:sym typeface="Arial"/>
       </a:defRPr>
     </a:lvl5pPr>
-    <a:lvl6pPr lvl="5" marR="0" rtl="0" algn="l">
+    <a:lvl6pPr marR="0" lvl="5" algn="l" rtl="0">
       <a:lnSpc>
         <a:spcPct val="100000"/>
       </a:lnSpc>
@@ -607,7 +623,7 @@
         <a:srgbClr val="000000"/>
       </a:buClr>
       <a:buFont typeface="Arial"/>
-      <a:defRPr b="0" i="0" sz="1400" u="none" cap="none" strike="noStrike">
+      <a:defRPr sz="1400" b="0" i="0" u="none" strike="noStrike" cap="none">
         <a:solidFill>
           <a:srgbClr val="000000"/>
         </a:solidFill>
@@ -617,7 +633,7 @@
         <a:sym typeface="Arial"/>
       </a:defRPr>
     </a:lvl6pPr>
-    <a:lvl7pPr lvl="6" marR="0" rtl="0" algn="l">
+    <a:lvl7pPr marR="0" lvl="6" algn="l" rtl="0">
       <a:lnSpc>
         <a:spcPct val="100000"/>
       </a:lnSpc>
@@ -631,7 +647,7 @@
         <a:srgbClr val="000000"/>
       </a:buClr>
       <a:buFont typeface="Arial"/>
-      <a:defRPr b="0" i="0" sz="1400" u="none" cap="none" strike="noStrike">
+      <a:defRPr sz="1400" b="0" i="0" u="none" strike="noStrike" cap="none">
         <a:solidFill>
           <a:srgbClr val="000000"/>
         </a:solidFill>
@@ -641,7 +657,7 @@
         <a:sym typeface="Arial"/>
       </a:defRPr>
     </a:lvl7pPr>
-    <a:lvl8pPr lvl="7" marR="0" rtl="0" algn="l">
+    <a:lvl8pPr marR="0" lvl="7" algn="l" rtl="0">
       <a:lnSpc>
         <a:spcPct val="100000"/>
       </a:lnSpc>
@@ -655,7 +671,7 @@
         <a:srgbClr val="000000"/>
       </a:buClr>
       <a:buFont typeface="Arial"/>
-      <a:defRPr b="0" i="0" sz="1400" u="none" cap="none" strike="noStrike">
+      <a:defRPr sz="1400" b="0" i="0" u="none" strike="noStrike" cap="none">
         <a:solidFill>
           <a:srgbClr val="000000"/>
         </a:solidFill>
@@ -665,7 +681,7 @@
         <a:sym typeface="Arial"/>
       </a:defRPr>
     </a:lvl8pPr>
-    <a:lvl9pPr lvl="8" marR="0" rtl="0" algn="l">
+    <a:lvl9pPr marR="0" lvl="8" algn="l" rtl="0">
       <a:lnSpc>
         <a:spcPct val="100000"/>
       </a:lnSpc>
@@ -679,7 +695,7 @@
         <a:srgbClr val="000000"/>
       </a:buClr>
       <a:buFont typeface="Arial"/>
-      <a:defRPr b="0" i="0" sz="1400" u="none" cap="none" strike="noStrike">
+      <a:defRPr sz="1400" b="0" i="0" u="none" strike="noStrike" cap="none">
         <a:solidFill>
           <a:srgbClr val="000000"/>
         </a:solidFill>
@@ -694,11 +710,11 @@
 </file>
 
 <file path=ppt/notesSlides/notesSlide1.xml><?xml version="1.0" encoding="utf-8"?>
-<p:notes xmlns:a="http://schemas.openxmlformats.org/drawingml/2006/main" xmlns:r="http://schemas.openxmlformats.org/officeDocument/2006/relationships" xmlns:mc="http://schemas.openxmlformats.org/markup-compatibility/2006" xmlns:mv="urn:schemas-microsoft-com:mac:vml" xmlns:p="http://schemas.openxmlformats.org/presentationml/2006/main" xmlns:c="http://schemas.openxmlformats.org/drawingml/2006/chart" xmlns:dgm="http://schemas.openxmlformats.org/drawingml/2006/diagram" xmlns:o="urn:schemas-microsoft-com:office:office" xmlns:v="urn:schemas-microsoft-com:vml" xmlns:pvml="urn:schemas-microsoft-com:office:powerpoint" xmlns:com="http://schemas.openxmlformats.org/drawingml/2006/compatibility" xmlns:p14="http://schemas.microsoft.com/office/powerpoint/2010/main" xmlns:p15="http://schemas.microsoft.com/office/powerpoint/2012/main" xmlns:ahyp="http://schemas.microsoft.com/office/drawing/2018/hyperlinkcolor" showMasterPhAnim="0" showMasterSp="0">
+<p:notes xmlns:a="http://schemas.openxmlformats.org/drawingml/2006/main" xmlns:r="http://schemas.openxmlformats.org/officeDocument/2006/relationships" xmlns:p="http://schemas.openxmlformats.org/presentationml/2006/main" showMasterSp="0" showMasterPhAnim="0">
   <p:cSld>
     <p:spTree>
       <p:nvGrpSpPr>
-        <p:cNvPr id="50" name="Shape 50"/>
+        <p:cNvPr id="1" name="Shape 50"/>
         <p:cNvGrpSpPr/>
         <p:nvPr/>
       </p:nvGrpSpPr>
@@ -713,20 +729,26 @@
       <p:sp>
         <p:nvSpPr>
           <p:cNvPr id="51" name="Google Shape;51;g2ff0a15cf10_0_45:notes"/>
-          <p:cNvSpPr/>
+          <p:cNvSpPr>
+            <a:spLocks noGrp="1" noRot="1" noChangeAspect="1"/>
+          </p:cNvSpPr>
           <p:nvPr>
-            <p:ph idx="2" type="sldImg"/>
+            <p:ph type="sldImg" idx="2"/>
           </p:nvPr>
         </p:nvSpPr>
         <p:spPr>
           <a:xfrm>
-            <a:off x="381300" y="685800"/>
+            <a:off x="381000" y="685800"/>
             <a:ext cx="6096000" cy="3429000"/>
           </a:xfrm>
           <a:custGeom>
-            <a:rect b="b" l="l" r="r" t="t"/>
+            <a:avLst/>
+            <a:gdLst/>
+            <a:ahLst/>
+            <a:cxnLst/>
+            <a:rect l="l" t="t" r="r" b="b"/>
             <a:pathLst>
-              <a:path extrusionOk="0" h="120000" w="120000">
+              <a:path w="120000" h="120000" extrusionOk="0">
                 <a:moveTo>
                   <a:pt x="0" y="0"/>
                 </a:moveTo>
@@ -748,9 +770,11 @@
       <p:sp>
         <p:nvSpPr>
           <p:cNvPr id="52" name="Google Shape;52;g2ff0a15cf10_0_45:notes"/>
-          <p:cNvSpPr txBox="1"/>
+          <p:cNvSpPr txBox="1">
+            <a:spLocks noGrp="1"/>
+          </p:cNvSpPr>
           <p:nvPr>
-            <p:ph idx="1" type="body"/>
+            <p:ph type="body" idx="1"/>
           </p:nvPr>
         </p:nvSpPr>
         <p:spPr>
@@ -763,12 +787,12 @@
           </a:prstGeom>
         </p:spPr>
         <p:txBody>
-          <a:bodyPr anchorCtr="0" anchor="t" bIns="91425" lIns="91425" spcFirstLastPara="1" rIns="91425" wrap="square" tIns="91425">
+          <a:bodyPr spcFirstLastPara="1" wrap="square" lIns="91425" tIns="91425" rIns="91425" bIns="91425" anchor="t" anchorCtr="0">
             <a:noAutofit/>
           </a:bodyPr>
           <a:lstStyle/>
           <a:p>
-            <a:pPr indent="0" lvl="0" marL="0" rtl="0" algn="l">
+            <a:pPr marL="0" lvl="0" indent="0" algn="l" rtl="0">
               <a:spcBef>
                 <a:spcPts val="0"/>
               </a:spcBef>
@@ -777,9 +801,6 @@
               </a:spcAft>
               <a:buNone/>
             </a:pPr>
-            <a:r>
-              <a:t/>
-            </a:r>
             <a:endParaRPr/>
           </a:p>
         </p:txBody>
@@ -793,11 +814,11 @@
 </file>
 
 <file path=ppt/notesSlides/notesSlide2.xml><?xml version="1.0" encoding="utf-8"?>
-<p:notes xmlns:a="http://schemas.openxmlformats.org/drawingml/2006/main" xmlns:r="http://schemas.openxmlformats.org/officeDocument/2006/relationships" xmlns:mc="http://schemas.openxmlformats.org/markup-compatibility/2006" xmlns:mv="urn:schemas-microsoft-com:mac:vml" xmlns:p="http://schemas.openxmlformats.org/presentationml/2006/main" xmlns:c="http://schemas.openxmlformats.org/drawingml/2006/chart" xmlns:dgm="http://schemas.openxmlformats.org/drawingml/2006/diagram" xmlns:o="urn:schemas-microsoft-com:office:office" xmlns:v="urn:schemas-microsoft-com:vml" xmlns:pvml="urn:schemas-microsoft-com:office:powerpoint" xmlns:com="http://schemas.openxmlformats.org/drawingml/2006/compatibility" xmlns:p14="http://schemas.microsoft.com/office/powerpoint/2010/main" xmlns:p15="http://schemas.microsoft.com/office/powerpoint/2012/main" xmlns:ahyp="http://schemas.microsoft.com/office/drawing/2018/hyperlinkcolor" showMasterPhAnim="0" showMasterSp="0">
+<p:notes xmlns:a="http://schemas.openxmlformats.org/drawingml/2006/main" xmlns:r="http://schemas.openxmlformats.org/officeDocument/2006/relationships" xmlns:p="http://schemas.openxmlformats.org/presentationml/2006/main" showMasterSp="0" showMasterPhAnim="0">
   <p:cSld>
     <p:spTree>
       <p:nvGrpSpPr>
-        <p:cNvPr id="56" name="Shape 56"/>
+        <p:cNvPr id="1" name="Shape 56"/>
         <p:cNvGrpSpPr/>
         <p:nvPr/>
       </p:nvGrpSpPr>
@@ -812,20 +833,26 @@
       <p:sp>
         <p:nvSpPr>
           <p:cNvPr id="57" name="Google Shape;57;g2ff0a15cf10_0_50:notes"/>
-          <p:cNvSpPr/>
+          <p:cNvSpPr>
+            <a:spLocks noGrp="1" noRot="1" noChangeAspect="1"/>
+          </p:cNvSpPr>
           <p:nvPr>
-            <p:ph idx="2" type="sldImg"/>
+            <p:ph type="sldImg" idx="2"/>
           </p:nvPr>
         </p:nvSpPr>
         <p:spPr>
           <a:xfrm>
-            <a:off x="381300" y="685800"/>
+            <a:off x="381000" y="685800"/>
             <a:ext cx="6096000" cy="3429000"/>
           </a:xfrm>
           <a:custGeom>
-            <a:rect b="b" l="l" r="r" t="t"/>
+            <a:avLst/>
+            <a:gdLst/>
+            <a:ahLst/>
+            <a:cxnLst/>
+            <a:rect l="l" t="t" r="r" b="b"/>
             <a:pathLst>
-              <a:path extrusionOk="0" h="120000" w="120000">
+              <a:path w="120000" h="120000" extrusionOk="0">
                 <a:moveTo>
                   <a:pt x="0" y="0"/>
                 </a:moveTo>
@@ -847,9 +874,11 @@
       <p:sp>
         <p:nvSpPr>
           <p:cNvPr id="58" name="Google Shape;58;g2ff0a15cf10_0_50:notes"/>
-          <p:cNvSpPr txBox="1"/>
+          <p:cNvSpPr txBox="1">
+            <a:spLocks noGrp="1"/>
+          </p:cNvSpPr>
           <p:nvPr>
-            <p:ph idx="1" type="body"/>
+            <p:ph type="body" idx="1"/>
           </p:nvPr>
         </p:nvSpPr>
         <p:spPr>
@@ -862,12 +891,12 @@
           </a:prstGeom>
         </p:spPr>
         <p:txBody>
-          <a:bodyPr anchorCtr="0" anchor="t" bIns="91425" lIns="91425" spcFirstLastPara="1" rIns="91425" wrap="square" tIns="91425">
+          <a:bodyPr spcFirstLastPara="1" wrap="square" lIns="91425" tIns="91425" rIns="91425" bIns="91425" anchor="t" anchorCtr="0">
             <a:noAutofit/>
           </a:bodyPr>
           <a:lstStyle/>
           <a:p>
-            <a:pPr indent="0" lvl="0" marL="0" rtl="0" algn="l">
+            <a:pPr marL="0" lvl="0" indent="0" algn="l" rtl="0">
               <a:spcBef>
                 <a:spcPts val="0"/>
               </a:spcBef>
@@ -888,7 +917,7 @@
             <a:endParaRPr/>
           </a:p>
           <a:p>
-            <a:pPr indent="0" lvl="0" marL="0" rtl="0" algn="l">
+            <a:pPr marL="0" lvl="0" indent="0" algn="l" rtl="0">
               <a:spcBef>
                 <a:spcPts val="0"/>
               </a:spcBef>
@@ -909,7 +938,7 @@
             <a:endParaRPr/>
           </a:p>
           <a:p>
-            <a:pPr indent="0" lvl="0" marL="0" rtl="0" algn="l">
+            <a:pPr marL="0" lvl="0" indent="0" algn="l" rtl="0">
               <a:spcBef>
                 <a:spcPts val="0"/>
               </a:spcBef>
@@ -918,9 +947,6 @@
               </a:spcAft>
               <a:buNone/>
             </a:pPr>
-            <a:r>
-              <a:t/>
-            </a:r>
             <a:endParaRPr/>
           </a:p>
         </p:txBody>
@@ -934,11 +960,11 @@
 </file>
 
 <file path=ppt/notesSlides/notesSlide3.xml><?xml version="1.0" encoding="utf-8"?>
-<p:notes xmlns:a="http://schemas.openxmlformats.org/drawingml/2006/main" xmlns:r="http://schemas.openxmlformats.org/officeDocument/2006/relationships" xmlns:mc="http://schemas.openxmlformats.org/markup-compatibility/2006" xmlns:mv="urn:schemas-microsoft-com:mac:vml" xmlns:p="http://schemas.openxmlformats.org/presentationml/2006/main" xmlns:c="http://schemas.openxmlformats.org/drawingml/2006/chart" xmlns:dgm="http://schemas.openxmlformats.org/drawingml/2006/diagram" xmlns:o="urn:schemas-microsoft-com:office:office" xmlns:v="urn:schemas-microsoft-com:vml" xmlns:pvml="urn:schemas-microsoft-com:office:powerpoint" xmlns:com="http://schemas.openxmlformats.org/drawingml/2006/compatibility" xmlns:p14="http://schemas.microsoft.com/office/powerpoint/2010/main" xmlns:p15="http://schemas.microsoft.com/office/powerpoint/2012/main" xmlns:ahyp="http://schemas.microsoft.com/office/drawing/2018/hyperlinkcolor" showMasterPhAnim="0" showMasterSp="0">
+<p:notes xmlns:a="http://schemas.openxmlformats.org/drawingml/2006/main" xmlns:r="http://schemas.openxmlformats.org/officeDocument/2006/relationships" xmlns:p="http://schemas.openxmlformats.org/presentationml/2006/main" showMasterSp="0" showMasterPhAnim="0">
   <p:cSld>
     <p:spTree>
       <p:nvGrpSpPr>
-        <p:cNvPr id="63" name="Shape 63"/>
+        <p:cNvPr id="1" name="Shape 63"/>
         <p:cNvGrpSpPr/>
         <p:nvPr/>
       </p:nvGrpSpPr>
@@ -953,20 +979,26 @@
       <p:sp>
         <p:nvSpPr>
           <p:cNvPr id="64" name="Google Shape;64;g2ff0a15cf10_0_56:notes"/>
-          <p:cNvSpPr/>
+          <p:cNvSpPr>
+            <a:spLocks noGrp="1" noRot="1" noChangeAspect="1"/>
+          </p:cNvSpPr>
           <p:nvPr>
-            <p:ph idx="2" type="sldImg"/>
+            <p:ph type="sldImg" idx="2"/>
           </p:nvPr>
         </p:nvSpPr>
         <p:spPr>
           <a:xfrm>
-            <a:off x="381300" y="685800"/>
+            <a:off x="381000" y="685800"/>
             <a:ext cx="6096000" cy="3429000"/>
           </a:xfrm>
           <a:custGeom>
-            <a:rect b="b" l="l" r="r" t="t"/>
+            <a:avLst/>
+            <a:gdLst/>
+            <a:ahLst/>
+            <a:cxnLst/>
+            <a:rect l="l" t="t" r="r" b="b"/>
             <a:pathLst>
-              <a:path extrusionOk="0" h="120000" w="120000">
+              <a:path w="120000" h="120000" extrusionOk="0">
                 <a:moveTo>
                   <a:pt x="0" y="0"/>
                 </a:moveTo>
@@ -988,9 +1020,11 @@
       <p:sp>
         <p:nvSpPr>
           <p:cNvPr id="65" name="Google Shape;65;g2ff0a15cf10_0_56:notes"/>
-          <p:cNvSpPr txBox="1"/>
+          <p:cNvSpPr txBox="1">
+            <a:spLocks noGrp="1"/>
+          </p:cNvSpPr>
           <p:nvPr>
-            <p:ph idx="1" type="body"/>
+            <p:ph type="body" idx="1"/>
           </p:nvPr>
         </p:nvSpPr>
         <p:spPr>
@@ -1003,12 +1037,12 @@
           </a:prstGeom>
         </p:spPr>
         <p:txBody>
-          <a:bodyPr anchorCtr="0" anchor="t" bIns="91425" lIns="91425" spcFirstLastPara="1" rIns="91425" wrap="square" tIns="91425">
+          <a:bodyPr spcFirstLastPara="1" wrap="square" lIns="91425" tIns="91425" rIns="91425" bIns="91425" anchor="t" anchorCtr="0">
             <a:noAutofit/>
           </a:bodyPr>
           <a:lstStyle/>
           <a:p>
-            <a:pPr indent="0" lvl="0" marL="0" rtl="0" algn="l">
+            <a:pPr marL="0" lvl="0" indent="0" algn="l" rtl="0">
               <a:spcBef>
                 <a:spcPts val="0"/>
               </a:spcBef>
@@ -1029,7 +1063,7 @@
             <a:endParaRPr/>
           </a:p>
           <a:p>
-            <a:pPr indent="0" lvl="0" marL="0" rtl="0" algn="l">
+            <a:pPr marL="0" lvl="0" indent="0" algn="l" rtl="0">
               <a:spcBef>
                 <a:spcPts val="0"/>
               </a:spcBef>
@@ -1050,7 +1084,7 @@
             <a:endParaRPr/>
           </a:p>
           <a:p>
-            <a:pPr indent="0" lvl="0" marL="0" rtl="0" algn="l">
+            <a:pPr marL="0" lvl="0" indent="0" algn="l" rtl="0">
               <a:spcBef>
                 <a:spcPts val="0"/>
               </a:spcBef>
@@ -1059,9 +1093,6 @@
               </a:spcAft>
               <a:buNone/>
             </a:pPr>
-            <a:r>
-              <a:t/>
-            </a:r>
             <a:endParaRPr/>
           </a:p>
         </p:txBody>
@@ -1075,11 +1106,11 @@
 </file>
 
 <file path=ppt/notesSlides/notesSlide4.xml><?xml version="1.0" encoding="utf-8"?>
-<p:notes xmlns:a="http://schemas.openxmlformats.org/drawingml/2006/main" xmlns:r="http://schemas.openxmlformats.org/officeDocument/2006/relationships" xmlns:mc="http://schemas.openxmlformats.org/markup-compatibility/2006" xmlns:mv="urn:schemas-microsoft-com:mac:vml" xmlns:p="http://schemas.openxmlformats.org/presentationml/2006/main" xmlns:c="http://schemas.openxmlformats.org/drawingml/2006/chart" xmlns:dgm="http://schemas.openxmlformats.org/drawingml/2006/diagram" xmlns:o="urn:schemas-microsoft-com:office:office" xmlns:v="urn:schemas-microsoft-com:vml" xmlns:pvml="urn:schemas-microsoft-com:office:powerpoint" xmlns:com="http://schemas.openxmlformats.org/drawingml/2006/compatibility" xmlns:p14="http://schemas.microsoft.com/office/powerpoint/2010/main" xmlns:p15="http://schemas.microsoft.com/office/powerpoint/2012/main" xmlns:ahyp="http://schemas.microsoft.com/office/drawing/2018/hyperlinkcolor" showMasterPhAnim="0" showMasterSp="0">
+<p:notes xmlns:a="http://schemas.openxmlformats.org/drawingml/2006/main" xmlns:r="http://schemas.openxmlformats.org/officeDocument/2006/relationships" xmlns:p="http://schemas.openxmlformats.org/presentationml/2006/main" showMasterSp="0" showMasterPhAnim="0">
   <p:cSld>
     <p:spTree>
       <p:nvGrpSpPr>
-        <p:cNvPr id="70" name="Shape 70"/>
+        <p:cNvPr id="1" name="Shape 70"/>
         <p:cNvGrpSpPr/>
         <p:nvPr/>
       </p:nvGrpSpPr>
@@ -1094,20 +1125,26 @@
       <p:sp>
         <p:nvSpPr>
           <p:cNvPr id="71" name="Google Shape;71;g2ff0a15cf10_0_62:notes"/>
-          <p:cNvSpPr/>
+          <p:cNvSpPr>
+            <a:spLocks noGrp="1" noRot="1" noChangeAspect="1"/>
+          </p:cNvSpPr>
           <p:nvPr>
-            <p:ph idx="2" type="sldImg"/>
+            <p:ph type="sldImg" idx="2"/>
           </p:nvPr>
         </p:nvSpPr>
         <p:spPr>
           <a:xfrm>
-            <a:off x="381300" y="685800"/>
+            <a:off x="381000" y="685800"/>
             <a:ext cx="6096000" cy="3429000"/>
           </a:xfrm>
           <a:custGeom>
-            <a:rect b="b" l="l" r="r" t="t"/>
+            <a:avLst/>
+            <a:gdLst/>
+            <a:ahLst/>
+            <a:cxnLst/>
+            <a:rect l="l" t="t" r="r" b="b"/>
             <a:pathLst>
-              <a:path extrusionOk="0" h="120000" w="120000">
+              <a:path w="120000" h="120000" extrusionOk="0">
                 <a:moveTo>
                   <a:pt x="0" y="0"/>
                 </a:moveTo>
@@ -1129,9 +1166,11 @@
       <p:sp>
         <p:nvSpPr>
           <p:cNvPr id="72" name="Google Shape;72;g2ff0a15cf10_0_62:notes"/>
-          <p:cNvSpPr txBox="1"/>
+          <p:cNvSpPr txBox="1">
+            <a:spLocks noGrp="1"/>
+          </p:cNvSpPr>
           <p:nvPr>
-            <p:ph idx="1" type="body"/>
+            <p:ph type="body" idx="1"/>
           </p:nvPr>
         </p:nvSpPr>
         <p:spPr>
@@ -1144,12 +1183,12 @@
           </a:prstGeom>
         </p:spPr>
         <p:txBody>
-          <a:bodyPr anchorCtr="0" anchor="t" bIns="91425" lIns="91425" spcFirstLastPara="1" rIns="91425" wrap="square" tIns="91425">
+          <a:bodyPr spcFirstLastPara="1" wrap="square" lIns="91425" tIns="91425" rIns="91425" bIns="91425" anchor="t" anchorCtr="0">
             <a:noAutofit/>
           </a:bodyPr>
           <a:lstStyle/>
           <a:p>
-            <a:pPr indent="0" lvl="0" marL="0" rtl="0" algn="l">
+            <a:pPr marL="0" lvl="0" indent="0" algn="l" rtl="0">
               <a:spcBef>
                 <a:spcPts val="0"/>
               </a:spcBef>
@@ -1170,7 +1209,7 @@
             <a:endParaRPr/>
           </a:p>
           <a:p>
-            <a:pPr indent="0" lvl="0" marL="0" rtl="0" algn="l">
+            <a:pPr marL="0" lvl="0" indent="0" algn="l" rtl="0">
               <a:spcBef>
                 <a:spcPts val="0"/>
               </a:spcBef>
@@ -1191,7 +1230,7 @@
             <a:endParaRPr/>
           </a:p>
           <a:p>
-            <a:pPr indent="0" lvl="0" marL="0" rtl="0" algn="l">
+            <a:pPr marL="0" lvl="0" indent="0" algn="l" rtl="0">
               <a:spcBef>
                 <a:spcPts val="0"/>
               </a:spcBef>
@@ -1200,13 +1239,10 @@
               </a:spcAft>
               <a:buNone/>
             </a:pPr>
-            <a:r>
-              <a:t/>
-            </a:r>
             <a:endParaRPr/>
           </a:p>
           <a:p>
-            <a:pPr indent="0" lvl="0" marL="0" rtl="0" algn="l">
+            <a:pPr marL="0" lvl="0" indent="0" algn="l" rtl="0">
               <a:lnSpc>
                 <a:spcPct val="115000"/>
               </a:lnSpc>
@@ -1235,11 +1271,11 @@
 </file>
 
 <file path=ppt/notesSlides/notesSlide5.xml><?xml version="1.0" encoding="utf-8"?>
-<p:notes xmlns:a="http://schemas.openxmlformats.org/drawingml/2006/main" xmlns:r="http://schemas.openxmlformats.org/officeDocument/2006/relationships" xmlns:mc="http://schemas.openxmlformats.org/markup-compatibility/2006" xmlns:mv="urn:schemas-microsoft-com:mac:vml" xmlns:p="http://schemas.openxmlformats.org/presentationml/2006/main" xmlns:c="http://schemas.openxmlformats.org/drawingml/2006/chart" xmlns:dgm="http://schemas.openxmlformats.org/drawingml/2006/diagram" xmlns:o="urn:schemas-microsoft-com:office:office" xmlns:v="urn:schemas-microsoft-com:vml" xmlns:pvml="urn:schemas-microsoft-com:office:powerpoint" xmlns:com="http://schemas.openxmlformats.org/drawingml/2006/compatibility" xmlns:p14="http://schemas.microsoft.com/office/powerpoint/2010/main" xmlns:p15="http://schemas.microsoft.com/office/powerpoint/2012/main" xmlns:ahyp="http://schemas.microsoft.com/office/drawing/2018/hyperlinkcolor" showMasterPhAnim="0" showMasterSp="0">
+<p:notes xmlns:a="http://schemas.openxmlformats.org/drawingml/2006/main" xmlns:r="http://schemas.openxmlformats.org/officeDocument/2006/relationships" xmlns:p="http://schemas.openxmlformats.org/presentationml/2006/main" showMasterSp="0" showMasterPhAnim="0">
   <p:cSld>
     <p:spTree>
       <p:nvGrpSpPr>
-        <p:cNvPr id="77" name="Shape 77"/>
+        <p:cNvPr id="1" name="Shape 77"/>
         <p:cNvGrpSpPr/>
         <p:nvPr/>
       </p:nvGrpSpPr>
@@ -1254,20 +1290,26 @@
       <p:sp>
         <p:nvSpPr>
           <p:cNvPr id="78" name="Google Shape;78;g2ff0a15cf10_0_68:notes"/>
-          <p:cNvSpPr/>
+          <p:cNvSpPr>
+            <a:spLocks noGrp="1" noRot="1" noChangeAspect="1"/>
+          </p:cNvSpPr>
           <p:nvPr>
-            <p:ph idx="2" type="sldImg"/>
+            <p:ph type="sldImg" idx="2"/>
           </p:nvPr>
         </p:nvSpPr>
         <p:spPr>
           <a:xfrm>
-            <a:off x="381300" y="685800"/>
+            <a:off x="381000" y="685800"/>
             <a:ext cx="6096000" cy="3429000"/>
           </a:xfrm>
           <a:custGeom>
-            <a:rect b="b" l="l" r="r" t="t"/>
+            <a:avLst/>
+            <a:gdLst/>
+            <a:ahLst/>
+            <a:cxnLst/>
+            <a:rect l="l" t="t" r="r" b="b"/>
             <a:pathLst>
-              <a:path extrusionOk="0" h="120000" w="120000">
+              <a:path w="120000" h="120000" extrusionOk="0">
                 <a:moveTo>
                   <a:pt x="0" y="0"/>
                 </a:moveTo>
@@ -1289,9 +1331,11 @@
       <p:sp>
         <p:nvSpPr>
           <p:cNvPr id="79" name="Google Shape;79;g2ff0a15cf10_0_68:notes"/>
-          <p:cNvSpPr txBox="1"/>
+          <p:cNvSpPr txBox="1">
+            <a:spLocks noGrp="1"/>
+          </p:cNvSpPr>
           <p:nvPr>
-            <p:ph idx="1" type="body"/>
+            <p:ph type="body" idx="1"/>
           </p:nvPr>
         </p:nvSpPr>
         <p:spPr>
@@ -1304,12 +1348,12 @@
           </a:prstGeom>
         </p:spPr>
         <p:txBody>
-          <a:bodyPr anchorCtr="0" anchor="t" bIns="91425" lIns="91425" spcFirstLastPara="1" rIns="91425" wrap="square" tIns="91425">
+          <a:bodyPr spcFirstLastPara="1" wrap="square" lIns="91425" tIns="91425" rIns="91425" bIns="91425" anchor="t" anchorCtr="0">
             <a:noAutofit/>
           </a:bodyPr>
           <a:lstStyle/>
           <a:p>
-            <a:pPr indent="0" lvl="0" marL="0" rtl="0" algn="l">
+            <a:pPr marL="0" lvl="0" indent="0" algn="l" rtl="0">
               <a:spcBef>
                 <a:spcPts val="0"/>
               </a:spcBef>
@@ -1338,7 +1382,7 @@
             </a:endParaRPr>
           </a:p>
           <a:p>
-            <a:pPr indent="0" lvl="0" marL="0" rtl="0" algn="l">
+            <a:pPr marL="0" lvl="0" indent="0" algn="l" rtl="0">
               <a:spcBef>
                 <a:spcPts val="0"/>
               </a:spcBef>
@@ -1367,7 +1411,7 @@
             </a:endParaRPr>
           </a:p>
           <a:p>
-            <a:pPr indent="0" lvl="0" marL="0" rtl="0" algn="l">
+            <a:pPr marL="0" lvl="0" indent="0" algn="l" rtl="0">
               <a:spcBef>
                 <a:spcPts val="0"/>
               </a:spcBef>
@@ -1376,9 +1420,6 @@
               </a:spcAft>
               <a:buNone/>
             </a:pPr>
-            <a:r>
-              <a:t/>
-            </a:r>
             <a:endParaRPr>
               <a:solidFill>
                 <a:schemeClr val="dk1"/>
@@ -1396,11 +1437,11 @@
 </file>
 
 <file path=ppt/notesSlides/notesSlide6.xml><?xml version="1.0" encoding="utf-8"?>
-<p:notes xmlns:a="http://schemas.openxmlformats.org/drawingml/2006/main" xmlns:r="http://schemas.openxmlformats.org/officeDocument/2006/relationships" xmlns:mc="http://schemas.openxmlformats.org/markup-compatibility/2006" xmlns:mv="urn:schemas-microsoft-com:mac:vml" xmlns:p="http://schemas.openxmlformats.org/presentationml/2006/main" xmlns:c="http://schemas.openxmlformats.org/drawingml/2006/chart" xmlns:dgm="http://schemas.openxmlformats.org/drawingml/2006/diagram" xmlns:o="urn:schemas-microsoft-com:office:office" xmlns:v="urn:schemas-microsoft-com:vml" xmlns:pvml="urn:schemas-microsoft-com:office:powerpoint" xmlns:com="http://schemas.openxmlformats.org/drawingml/2006/compatibility" xmlns:p14="http://schemas.microsoft.com/office/powerpoint/2010/main" xmlns:p15="http://schemas.microsoft.com/office/powerpoint/2012/main" xmlns:ahyp="http://schemas.microsoft.com/office/drawing/2018/hyperlinkcolor" showMasterPhAnim="0" showMasterSp="0">
+<p:notes xmlns:a="http://schemas.openxmlformats.org/drawingml/2006/main" xmlns:r="http://schemas.openxmlformats.org/officeDocument/2006/relationships" xmlns:p="http://schemas.openxmlformats.org/presentationml/2006/main" showMasterSp="0" showMasterPhAnim="0">
   <p:cSld>
     <p:spTree>
       <p:nvGrpSpPr>
-        <p:cNvPr id="84" name="Shape 84"/>
+        <p:cNvPr id="1" name="Shape 84"/>
         <p:cNvGrpSpPr/>
         <p:nvPr/>
       </p:nvGrpSpPr>
@@ -1415,20 +1456,26 @@
       <p:sp>
         <p:nvSpPr>
           <p:cNvPr id="85" name="Google Shape;85;g2ff0a15cf10_0_74:notes"/>
-          <p:cNvSpPr/>
+          <p:cNvSpPr>
+            <a:spLocks noGrp="1" noRot="1" noChangeAspect="1"/>
+          </p:cNvSpPr>
           <p:nvPr>
-            <p:ph idx="2" type="sldImg"/>
+            <p:ph type="sldImg" idx="2"/>
           </p:nvPr>
         </p:nvSpPr>
         <p:spPr>
           <a:xfrm>
-            <a:off x="381300" y="685800"/>
+            <a:off x="381000" y="685800"/>
             <a:ext cx="6096000" cy="3429000"/>
           </a:xfrm>
           <a:custGeom>
-            <a:rect b="b" l="l" r="r" t="t"/>
+            <a:avLst/>
+            <a:gdLst/>
+            <a:ahLst/>
+            <a:cxnLst/>
+            <a:rect l="l" t="t" r="r" b="b"/>
             <a:pathLst>
-              <a:path extrusionOk="0" h="120000" w="120000">
+              <a:path w="120000" h="120000" extrusionOk="0">
                 <a:moveTo>
                   <a:pt x="0" y="0"/>
                 </a:moveTo>
@@ -1450,9 +1497,11 @@
       <p:sp>
         <p:nvSpPr>
           <p:cNvPr id="86" name="Google Shape;86;g2ff0a15cf10_0_74:notes"/>
-          <p:cNvSpPr txBox="1"/>
+          <p:cNvSpPr txBox="1">
+            <a:spLocks noGrp="1"/>
+          </p:cNvSpPr>
           <p:nvPr>
-            <p:ph idx="1" type="body"/>
+            <p:ph type="body" idx="1"/>
           </p:nvPr>
         </p:nvSpPr>
         <p:spPr>
@@ -1465,12 +1514,12 @@
           </a:prstGeom>
         </p:spPr>
         <p:txBody>
-          <a:bodyPr anchorCtr="0" anchor="t" bIns="91425" lIns="91425" spcFirstLastPara="1" rIns="91425" wrap="square" tIns="91425">
+          <a:bodyPr spcFirstLastPara="1" wrap="square" lIns="91425" tIns="91425" rIns="91425" bIns="91425" anchor="t" anchorCtr="0">
             <a:noAutofit/>
           </a:bodyPr>
           <a:lstStyle/>
           <a:p>
-            <a:pPr indent="0" lvl="0" marL="0" rtl="0" algn="l">
+            <a:pPr marL="0" lvl="0" indent="0" algn="l" rtl="0">
               <a:spcBef>
                 <a:spcPts val="0"/>
               </a:spcBef>
@@ -1485,21 +1534,21 @@
               <a:buNone/>
             </a:pPr>
             <a:r>
-              <a:rPr lang="en">
+              <a:rPr lang="en" dirty="0">
                 <a:solidFill>
                   <a:schemeClr val="dk1"/>
                 </a:solidFill>
               </a:rPr>
               <a:t>小林只能依照工作人員的指引，跟著其他人依序離開房間。幫我根據這個段落生成可以代表內容的圖片(日本動漫風格)，讓我可以以看圖說故事的方式呈現這個故事。圖片中請加入工作人員指引一些人離開房間的元素</a:t>
             </a:r>
-            <a:endParaRPr>
+            <a:endParaRPr dirty="0">
               <a:solidFill>
                 <a:schemeClr val="dk1"/>
               </a:solidFill>
             </a:endParaRPr>
           </a:p>
           <a:p>
-            <a:pPr indent="0" lvl="0" marL="0" rtl="0" algn="l">
+            <a:pPr marL="0" lvl="0" indent="0" algn="l" rtl="0">
               <a:spcBef>
                 <a:spcPts val="0"/>
               </a:spcBef>
@@ -1514,21 +1563,21 @@
               <a:buNone/>
             </a:pPr>
             <a:r>
-              <a:rPr lang="en">
+              <a:rPr lang="en" dirty="0">
                 <a:solidFill>
                   <a:schemeClr val="dk1"/>
                 </a:solidFill>
               </a:rPr>
               <a:t>其中小林頭髮是黑色的，略顯淩亂，給人一種悠閒的氛圍。一縷縷頭髮自然地垂在他的額頭和耳朵周圍。他的臉很年輕，有著尖銳的下巴和富有表現力的眼睛，瞳孔是傳達智慧和好奇心的淡藍色調。</a:t>
             </a:r>
-            <a:endParaRPr>
+            <a:endParaRPr dirty="0">
               <a:solidFill>
                 <a:schemeClr val="dk1"/>
               </a:solidFill>
             </a:endParaRPr>
           </a:p>
           <a:p>
-            <a:pPr indent="0" lvl="0" marL="0" rtl="0" algn="l">
+            <a:pPr marL="0" lvl="0" indent="0" algn="l" rtl="0">
               <a:spcBef>
                 <a:spcPts val="0"/>
               </a:spcBef>
@@ -1542,10 +1591,7 @@
               <a:buFont typeface="Arial"/>
               <a:buNone/>
             </a:pPr>
-            <a:r>
-              <a:t/>
-            </a:r>
-            <a:endParaRPr>
+            <a:endParaRPr dirty="0">
               <a:solidFill>
                 <a:schemeClr val="dk1"/>
               </a:solidFill>
@@ -1562,11 +1608,11 @@
 </file>
 
 <file path=ppt/notesSlides/notesSlide7.xml><?xml version="1.0" encoding="utf-8"?>
-<p:notes xmlns:a="http://schemas.openxmlformats.org/drawingml/2006/main" xmlns:r="http://schemas.openxmlformats.org/officeDocument/2006/relationships" xmlns:mc="http://schemas.openxmlformats.org/markup-compatibility/2006" xmlns:mv="urn:schemas-microsoft-com:mac:vml" xmlns:p="http://schemas.openxmlformats.org/presentationml/2006/main" xmlns:c="http://schemas.openxmlformats.org/drawingml/2006/chart" xmlns:dgm="http://schemas.openxmlformats.org/drawingml/2006/diagram" xmlns:o="urn:schemas-microsoft-com:office:office" xmlns:v="urn:schemas-microsoft-com:vml" xmlns:pvml="urn:schemas-microsoft-com:office:powerpoint" xmlns:com="http://schemas.openxmlformats.org/drawingml/2006/compatibility" xmlns:p14="http://schemas.microsoft.com/office/powerpoint/2010/main" xmlns:p15="http://schemas.microsoft.com/office/powerpoint/2012/main" xmlns:ahyp="http://schemas.microsoft.com/office/drawing/2018/hyperlinkcolor" showMasterPhAnim="0" showMasterSp="0">
+<p:notes xmlns:a="http://schemas.openxmlformats.org/drawingml/2006/main" xmlns:r="http://schemas.openxmlformats.org/officeDocument/2006/relationships" xmlns:p="http://schemas.openxmlformats.org/presentationml/2006/main" showMasterSp="0" showMasterPhAnim="0">
   <p:cSld>
     <p:spTree>
       <p:nvGrpSpPr>
-        <p:cNvPr id="91" name="Shape 91"/>
+        <p:cNvPr id="1" name="Shape 91"/>
         <p:cNvGrpSpPr/>
         <p:nvPr/>
       </p:nvGrpSpPr>
@@ -1581,20 +1627,26 @@
       <p:sp>
         <p:nvSpPr>
           <p:cNvPr id="92" name="Google Shape;92;g2ff0a15cf10_0_80:notes"/>
-          <p:cNvSpPr/>
+          <p:cNvSpPr>
+            <a:spLocks noGrp="1" noRot="1" noChangeAspect="1"/>
+          </p:cNvSpPr>
           <p:nvPr>
-            <p:ph idx="2" type="sldImg"/>
+            <p:ph type="sldImg" idx="2"/>
           </p:nvPr>
         </p:nvSpPr>
         <p:spPr>
           <a:xfrm>
-            <a:off x="381300" y="685800"/>
+            <a:off x="381000" y="685800"/>
             <a:ext cx="6096000" cy="3429000"/>
           </a:xfrm>
           <a:custGeom>
-            <a:rect b="b" l="l" r="r" t="t"/>
+            <a:avLst/>
+            <a:gdLst/>
+            <a:ahLst/>
+            <a:cxnLst/>
+            <a:rect l="l" t="t" r="r" b="b"/>
             <a:pathLst>
-              <a:path extrusionOk="0" h="120000" w="120000">
+              <a:path w="120000" h="120000" extrusionOk="0">
                 <a:moveTo>
                   <a:pt x="0" y="0"/>
                 </a:moveTo>
@@ -1616,9 +1668,11 @@
       <p:sp>
         <p:nvSpPr>
           <p:cNvPr id="93" name="Google Shape;93;g2ff0a15cf10_0_80:notes"/>
-          <p:cNvSpPr txBox="1"/>
+          <p:cNvSpPr txBox="1">
+            <a:spLocks noGrp="1"/>
+          </p:cNvSpPr>
           <p:nvPr>
-            <p:ph idx="1" type="body"/>
+            <p:ph type="body" idx="1"/>
           </p:nvPr>
         </p:nvSpPr>
         <p:spPr>
@@ -1631,12 +1685,12 @@
           </a:prstGeom>
         </p:spPr>
         <p:txBody>
-          <a:bodyPr anchorCtr="0" anchor="t" bIns="91425" lIns="91425" spcFirstLastPara="1" rIns="91425" wrap="square" tIns="91425">
+          <a:bodyPr spcFirstLastPara="1" wrap="square" lIns="91425" tIns="91425" rIns="91425" bIns="91425" anchor="t" anchorCtr="0">
             <a:noAutofit/>
           </a:bodyPr>
           <a:lstStyle/>
           <a:p>
-            <a:pPr indent="0" lvl="0" marL="0" rtl="0" algn="l">
+            <a:pPr marL="0" lvl="0" indent="0" algn="l" rtl="0">
               <a:spcBef>
                 <a:spcPts val="0"/>
               </a:spcBef>
@@ -1665,7 +1719,7 @@
             </a:endParaRPr>
           </a:p>
           <a:p>
-            <a:pPr indent="0" lvl="0" marL="0" rtl="0" algn="l">
+            <a:pPr marL="0" lvl="0" indent="0" algn="l" rtl="0">
               <a:spcBef>
                 <a:spcPts val="0"/>
               </a:spcBef>
@@ -1694,7 +1748,7 @@
             </a:endParaRPr>
           </a:p>
           <a:p>
-            <a:pPr indent="0" lvl="0" marL="0" rtl="0" algn="l">
+            <a:pPr marL="0" lvl="0" indent="0" algn="l" rtl="0">
               <a:spcBef>
                 <a:spcPts val="0"/>
               </a:spcBef>
@@ -1703,9 +1757,6 @@
               </a:spcAft>
               <a:buNone/>
             </a:pPr>
-            <a:r>
-              <a:t/>
-            </a:r>
             <a:endParaRPr>
               <a:solidFill>
                 <a:schemeClr val="dk1"/>
@@ -1723,11 +1774,11 @@
 </file>
 
 <file path=ppt/notesSlides/notesSlide8.xml><?xml version="1.0" encoding="utf-8"?>
-<p:notes xmlns:a="http://schemas.openxmlformats.org/drawingml/2006/main" xmlns:r="http://schemas.openxmlformats.org/officeDocument/2006/relationships" xmlns:mc="http://schemas.openxmlformats.org/markup-compatibility/2006" xmlns:mv="urn:schemas-microsoft-com:mac:vml" xmlns:p="http://schemas.openxmlformats.org/presentationml/2006/main" xmlns:c="http://schemas.openxmlformats.org/drawingml/2006/chart" xmlns:dgm="http://schemas.openxmlformats.org/drawingml/2006/diagram" xmlns:o="urn:schemas-microsoft-com:office:office" xmlns:v="urn:schemas-microsoft-com:vml" xmlns:pvml="urn:schemas-microsoft-com:office:powerpoint" xmlns:com="http://schemas.openxmlformats.org/drawingml/2006/compatibility" xmlns:p14="http://schemas.microsoft.com/office/powerpoint/2010/main" xmlns:p15="http://schemas.microsoft.com/office/powerpoint/2012/main" xmlns:ahyp="http://schemas.microsoft.com/office/drawing/2018/hyperlinkcolor" showMasterPhAnim="0" showMasterSp="0">
+<p:notes xmlns:a="http://schemas.openxmlformats.org/drawingml/2006/main" xmlns:r="http://schemas.openxmlformats.org/officeDocument/2006/relationships" xmlns:p="http://schemas.openxmlformats.org/presentationml/2006/main" showMasterSp="0" showMasterPhAnim="0">
   <p:cSld>
     <p:spTree>
       <p:nvGrpSpPr>
-        <p:cNvPr id="98" name="Shape 98"/>
+        <p:cNvPr id="1" name="Shape 98"/>
         <p:cNvGrpSpPr/>
         <p:nvPr/>
       </p:nvGrpSpPr>
@@ -1742,20 +1793,26 @@
       <p:sp>
         <p:nvSpPr>
           <p:cNvPr id="99" name="Google Shape;99;g2ff0a15cf10_0_86:notes"/>
-          <p:cNvSpPr/>
+          <p:cNvSpPr>
+            <a:spLocks noGrp="1" noRot="1" noChangeAspect="1"/>
+          </p:cNvSpPr>
           <p:nvPr>
-            <p:ph idx="2" type="sldImg"/>
+            <p:ph type="sldImg" idx="2"/>
           </p:nvPr>
         </p:nvSpPr>
         <p:spPr>
           <a:xfrm>
-            <a:off x="381300" y="685800"/>
+            <a:off x="381000" y="685800"/>
             <a:ext cx="6096000" cy="3429000"/>
           </a:xfrm>
           <a:custGeom>
-            <a:rect b="b" l="l" r="r" t="t"/>
+            <a:avLst/>
+            <a:gdLst/>
+            <a:ahLst/>
+            <a:cxnLst/>
+            <a:rect l="l" t="t" r="r" b="b"/>
             <a:pathLst>
-              <a:path extrusionOk="0" h="120000" w="120000">
+              <a:path w="120000" h="120000" extrusionOk="0">
                 <a:moveTo>
                   <a:pt x="0" y="0"/>
                 </a:moveTo>
@@ -1777,9 +1834,11 @@
       <p:sp>
         <p:nvSpPr>
           <p:cNvPr id="100" name="Google Shape;100;g2ff0a15cf10_0_86:notes"/>
-          <p:cNvSpPr txBox="1"/>
+          <p:cNvSpPr txBox="1">
+            <a:spLocks noGrp="1"/>
+          </p:cNvSpPr>
           <p:nvPr>
-            <p:ph idx="1" type="body"/>
+            <p:ph type="body" idx="1"/>
           </p:nvPr>
         </p:nvSpPr>
         <p:spPr>
@@ -1792,12 +1851,12 @@
           </a:prstGeom>
         </p:spPr>
         <p:txBody>
-          <a:bodyPr anchorCtr="0" anchor="t" bIns="91425" lIns="91425" spcFirstLastPara="1" rIns="91425" wrap="square" tIns="91425">
+          <a:bodyPr spcFirstLastPara="1" wrap="square" lIns="91425" tIns="91425" rIns="91425" bIns="91425" anchor="t" anchorCtr="0">
             <a:noAutofit/>
           </a:bodyPr>
           <a:lstStyle/>
           <a:p>
-            <a:pPr indent="0" lvl="0" marL="0" rtl="0" algn="l">
+            <a:pPr marL="0" lvl="0" indent="0" algn="l" rtl="0">
               <a:spcBef>
                 <a:spcPts val="0"/>
               </a:spcBef>
@@ -1826,7 +1885,7 @@
             </a:endParaRPr>
           </a:p>
           <a:p>
-            <a:pPr indent="0" lvl="0" marL="0" rtl="0" algn="l">
+            <a:pPr marL="0" lvl="0" indent="0" algn="l" rtl="0">
               <a:spcBef>
                 <a:spcPts val="0"/>
               </a:spcBef>
@@ -1865,11 +1924,11 @@
 </file>
 
 <file path=ppt/slideLayouts/slideLayout1.xml><?xml version="1.0" encoding="utf-8"?>
-<p:sldLayout xmlns:a="http://schemas.openxmlformats.org/drawingml/2006/main" xmlns:r="http://schemas.openxmlformats.org/officeDocument/2006/relationships" xmlns:mc="http://schemas.openxmlformats.org/markup-compatibility/2006" xmlns:mv="urn:schemas-microsoft-com:mac:vml" xmlns:p="http://schemas.openxmlformats.org/presentationml/2006/main" xmlns:c="http://schemas.openxmlformats.org/drawingml/2006/chart" xmlns:dgm="http://schemas.openxmlformats.org/drawingml/2006/diagram" xmlns:o="urn:schemas-microsoft-com:office:office" xmlns:v="urn:schemas-microsoft-com:vml" xmlns:pvml="urn:schemas-microsoft-com:office:powerpoint" xmlns:com="http://schemas.openxmlformats.org/drawingml/2006/compatibility" xmlns:p14="http://schemas.microsoft.com/office/powerpoint/2010/main" xmlns:p15="http://schemas.microsoft.com/office/powerpoint/2012/main" xmlns:ahyp="http://schemas.microsoft.com/office/drawing/2018/hyperlinkcolor" matchingName="Title slide" type="title">
+<p:sldLayout xmlns:a="http://schemas.openxmlformats.org/drawingml/2006/main" xmlns:r="http://schemas.openxmlformats.org/officeDocument/2006/relationships" xmlns:p="http://schemas.openxmlformats.org/presentationml/2006/main" matchingName="Title slide" type="title">
   <p:cSld name="TITLE">
     <p:spTree>
       <p:nvGrpSpPr>
-        <p:cNvPr id="9" name="Shape 9"/>
+        <p:cNvPr id="1" name="Shape 9"/>
         <p:cNvGrpSpPr/>
         <p:nvPr/>
       </p:nvGrpSpPr>
@@ -1884,7 +1943,9 @@
       <p:sp>
         <p:nvSpPr>
           <p:cNvPr id="10" name="Google Shape;10;p2"/>
-          <p:cNvSpPr txBox="1"/>
+          <p:cNvSpPr txBox="1">
+            <a:spLocks noGrp="1"/>
+          </p:cNvSpPr>
           <p:nvPr>
             <p:ph type="ctrTitle"/>
           </p:nvPr>
@@ -1899,7 +1960,7 @@
           </a:prstGeom>
         </p:spPr>
         <p:txBody>
-          <a:bodyPr anchorCtr="0" anchor="b" bIns="91425" lIns="91425" spcFirstLastPara="1" rIns="91425" wrap="square" tIns="91425">
+          <a:bodyPr spcFirstLastPara="1" wrap="square" lIns="91425" tIns="91425" rIns="91425" bIns="91425" anchor="b" anchorCtr="0">
             <a:normAutofit/>
           </a:bodyPr>
           <a:lstStyle>
@@ -2003,15 +2064,19 @@
               <a:defRPr sz="5200"/>
             </a:lvl9pPr>
           </a:lstStyle>
-          <a:p/>
+          <a:p>
+            <a:endParaRPr/>
+          </a:p>
         </p:txBody>
       </p:sp>
       <p:sp>
         <p:nvSpPr>
           <p:cNvPr id="11" name="Google Shape;11;p2"/>
-          <p:cNvSpPr txBox="1"/>
+          <p:cNvSpPr txBox="1">
+            <a:spLocks noGrp="1"/>
+          </p:cNvSpPr>
           <p:nvPr>
-            <p:ph idx="1" type="subTitle"/>
+            <p:ph type="subTitle" idx="1"/>
           </p:nvPr>
         </p:nvSpPr>
         <p:spPr>
@@ -2024,7 +2089,7 @@
           </a:prstGeom>
         </p:spPr>
         <p:txBody>
-          <a:bodyPr anchorCtr="0" anchor="t" bIns="91425" lIns="91425" spcFirstLastPara="1" rIns="91425" wrap="square" tIns="91425">
+          <a:bodyPr spcFirstLastPara="1" wrap="square" lIns="91425" tIns="91425" rIns="91425" bIns="91425" anchor="t" anchorCtr="0">
             <a:normAutofit/>
           </a:bodyPr>
           <a:lstStyle>
@@ -2155,15 +2220,19 @@
               <a:defRPr sz="2800"/>
             </a:lvl9pPr>
           </a:lstStyle>
-          <a:p/>
+          <a:p>
+            <a:endParaRPr/>
+          </a:p>
         </p:txBody>
       </p:sp>
       <p:sp>
         <p:nvSpPr>
           <p:cNvPr id="12" name="Google Shape;12;p2"/>
-          <p:cNvSpPr txBox="1"/>
+          <p:cNvSpPr txBox="1">
+            <a:spLocks noGrp="1"/>
+          </p:cNvSpPr>
           <p:nvPr>
-            <p:ph idx="12" type="sldNum"/>
+            <p:ph type="sldNum" idx="12"/>
           </p:nvPr>
         </p:nvSpPr>
         <p:spPr>
@@ -2176,7 +2245,7 @@
           </a:prstGeom>
         </p:spPr>
         <p:txBody>
-          <a:bodyPr anchorCtr="0" anchor="ctr" bIns="91425" lIns="91425" spcFirstLastPara="1" rIns="91425" wrap="square" tIns="91425">
+          <a:bodyPr spcFirstLastPara="1" wrap="square" lIns="91425" tIns="91425" rIns="91425" bIns="91425" anchor="ctr" anchorCtr="0">
             <a:normAutofit/>
           </a:bodyPr>
           <a:lstStyle>
@@ -2218,7 +2287,7 @@
             </a:lvl9pPr>
           </a:lstStyle>
           <a:p>
-            <a:pPr indent="0" lvl="0" marL="0" rtl="0" algn="r">
+            <a:pPr marL="0" lvl="0" indent="0" algn="r" rtl="0">
               <a:spcBef>
                 <a:spcPts val="0"/>
               </a:spcBef>
@@ -2244,11 +2313,11 @@
 </file>
 
 <file path=ppt/slideLayouts/slideLayout10.xml><?xml version="1.0" encoding="utf-8"?>
-<p:sldLayout xmlns:a="http://schemas.openxmlformats.org/drawingml/2006/main" xmlns:r="http://schemas.openxmlformats.org/officeDocument/2006/relationships" xmlns:mc="http://schemas.openxmlformats.org/markup-compatibility/2006" xmlns:mv="urn:schemas-microsoft-com:mac:vml" xmlns:p="http://schemas.openxmlformats.org/presentationml/2006/main" xmlns:c="http://schemas.openxmlformats.org/drawingml/2006/chart" xmlns:dgm="http://schemas.openxmlformats.org/drawingml/2006/diagram" xmlns:o="urn:schemas-microsoft-com:office:office" xmlns:v="urn:schemas-microsoft-com:vml" xmlns:pvml="urn:schemas-microsoft-com:office:powerpoint" xmlns:com="http://schemas.openxmlformats.org/drawingml/2006/compatibility" xmlns:p14="http://schemas.microsoft.com/office/powerpoint/2010/main" xmlns:p15="http://schemas.microsoft.com/office/powerpoint/2012/main" xmlns:ahyp="http://schemas.microsoft.com/office/drawing/2018/hyperlinkcolor" matchingName="Big number">
+<p:sldLayout xmlns:a="http://schemas.openxmlformats.org/drawingml/2006/main" xmlns:r="http://schemas.openxmlformats.org/officeDocument/2006/relationships" xmlns:p="http://schemas.openxmlformats.org/presentationml/2006/main" matchingName="Big number">
   <p:cSld name="BIG_NUMBER">
     <p:spTree>
       <p:nvGrpSpPr>
-        <p:cNvPr id="44" name="Shape 44"/>
+        <p:cNvPr id="1" name="Shape 44"/>
         <p:cNvGrpSpPr/>
         <p:nvPr/>
       </p:nvGrpSpPr>
@@ -2263,9 +2332,11 @@
       <p:sp>
         <p:nvSpPr>
           <p:cNvPr id="45" name="Google Shape;45;p11"/>
-          <p:cNvSpPr txBox="1"/>
+          <p:cNvSpPr txBox="1">
+            <a:spLocks noGrp="1"/>
+          </p:cNvSpPr>
           <p:nvPr>
-            <p:ph hasCustomPrompt="1" type="title"/>
+            <p:ph type="title" hasCustomPrompt="1"/>
           </p:nvPr>
         </p:nvSpPr>
         <p:spPr>
@@ -2278,7 +2349,7 @@
           </a:prstGeom>
         </p:spPr>
         <p:txBody>
-          <a:bodyPr anchorCtr="0" anchor="b" bIns="91425" lIns="91425" spcFirstLastPara="1" rIns="91425" wrap="square" tIns="91425">
+          <a:bodyPr spcFirstLastPara="1" wrap="square" lIns="91425" tIns="91425" rIns="91425" bIns="91425" anchor="b" anchorCtr="0">
             <a:normAutofit/>
           </a:bodyPr>
           <a:lstStyle>
@@ -2392,9 +2463,11 @@
       <p:sp>
         <p:nvSpPr>
           <p:cNvPr id="46" name="Google Shape;46;p11"/>
-          <p:cNvSpPr txBox="1"/>
+          <p:cNvSpPr txBox="1">
+            <a:spLocks noGrp="1"/>
+          </p:cNvSpPr>
           <p:nvPr>
-            <p:ph idx="1" type="body"/>
+            <p:ph type="body" idx="1"/>
           </p:nvPr>
         </p:nvSpPr>
         <p:spPr>
@@ -2407,11 +2480,11 @@
           </a:prstGeom>
         </p:spPr>
         <p:txBody>
-          <a:bodyPr anchorCtr="0" anchor="t" bIns="91425" lIns="91425" spcFirstLastPara="1" rIns="91425" wrap="square" tIns="91425">
+          <a:bodyPr spcFirstLastPara="1" wrap="square" lIns="91425" tIns="91425" rIns="91425" bIns="91425" anchor="t" anchorCtr="0">
             <a:normAutofit/>
           </a:bodyPr>
           <a:lstStyle>
-            <a:lvl1pPr indent="-342900" lvl="0" marL="457200" algn="ctr">
+            <a:lvl1pPr marL="457200" lvl="0" indent="-342900" algn="ctr">
               <a:spcBef>
                 <a:spcPts val="0"/>
               </a:spcBef>
@@ -2422,7 +2495,7 @@
               <a:buChar char="●"/>
               <a:defRPr/>
             </a:lvl1pPr>
-            <a:lvl2pPr indent="-317500" lvl="1" marL="914400" algn="ctr">
+            <a:lvl2pPr marL="914400" lvl="1" indent="-317500" algn="ctr">
               <a:spcBef>
                 <a:spcPts val="0"/>
               </a:spcBef>
@@ -2433,7 +2506,7 @@
               <a:buChar char="○"/>
               <a:defRPr/>
             </a:lvl2pPr>
-            <a:lvl3pPr indent="-317500" lvl="2" marL="1371600" algn="ctr">
+            <a:lvl3pPr marL="1371600" lvl="2" indent="-317500" algn="ctr">
               <a:spcBef>
                 <a:spcPts val="0"/>
               </a:spcBef>
@@ -2444,7 +2517,7 @@
               <a:buChar char="■"/>
               <a:defRPr/>
             </a:lvl3pPr>
-            <a:lvl4pPr indent="-317500" lvl="3" marL="1828800" algn="ctr">
+            <a:lvl4pPr marL="1828800" lvl="3" indent="-317500" algn="ctr">
               <a:spcBef>
                 <a:spcPts val="0"/>
               </a:spcBef>
@@ -2455,7 +2528,7 @@
               <a:buChar char="●"/>
               <a:defRPr/>
             </a:lvl4pPr>
-            <a:lvl5pPr indent="-317500" lvl="4" marL="2286000" algn="ctr">
+            <a:lvl5pPr marL="2286000" lvl="4" indent="-317500" algn="ctr">
               <a:spcBef>
                 <a:spcPts val="0"/>
               </a:spcBef>
@@ -2466,7 +2539,7 @@
               <a:buChar char="○"/>
               <a:defRPr/>
             </a:lvl5pPr>
-            <a:lvl6pPr indent="-317500" lvl="5" marL="2743200" algn="ctr">
+            <a:lvl6pPr marL="2743200" lvl="5" indent="-317500" algn="ctr">
               <a:spcBef>
                 <a:spcPts val="0"/>
               </a:spcBef>
@@ -2477,7 +2550,7 @@
               <a:buChar char="■"/>
               <a:defRPr/>
             </a:lvl6pPr>
-            <a:lvl7pPr indent="-317500" lvl="6" marL="3200400" algn="ctr">
+            <a:lvl7pPr marL="3200400" lvl="6" indent="-317500" algn="ctr">
               <a:spcBef>
                 <a:spcPts val="0"/>
               </a:spcBef>
@@ -2488,7 +2561,7 @@
               <a:buChar char="●"/>
               <a:defRPr/>
             </a:lvl7pPr>
-            <a:lvl8pPr indent="-317500" lvl="7" marL="3657600" algn="ctr">
+            <a:lvl8pPr marL="3657600" lvl="7" indent="-317500" algn="ctr">
               <a:spcBef>
                 <a:spcPts val="0"/>
               </a:spcBef>
@@ -2499,7 +2572,7 @@
               <a:buChar char="○"/>
               <a:defRPr/>
             </a:lvl8pPr>
-            <a:lvl9pPr indent="-317500" lvl="8" marL="4114800" algn="ctr">
+            <a:lvl9pPr marL="4114800" lvl="8" indent="-317500" algn="ctr">
               <a:spcBef>
                 <a:spcPts val="0"/>
               </a:spcBef>
@@ -2511,15 +2584,19 @@
               <a:defRPr/>
             </a:lvl9pPr>
           </a:lstStyle>
-          <a:p/>
+          <a:p>
+            <a:endParaRPr/>
+          </a:p>
         </p:txBody>
       </p:sp>
       <p:sp>
         <p:nvSpPr>
           <p:cNvPr id="47" name="Google Shape;47;p11"/>
-          <p:cNvSpPr txBox="1"/>
+          <p:cNvSpPr txBox="1">
+            <a:spLocks noGrp="1"/>
+          </p:cNvSpPr>
           <p:nvPr>
-            <p:ph idx="12" type="sldNum"/>
+            <p:ph type="sldNum" idx="12"/>
           </p:nvPr>
         </p:nvSpPr>
         <p:spPr>
@@ -2532,7 +2609,7 @@
           </a:prstGeom>
         </p:spPr>
         <p:txBody>
-          <a:bodyPr anchorCtr="0" anchor="ctr" bIns="91425" lIns="91425" spcFirstLastPara="1" rIns="91425" wrap="square" tIns="91425">
+          <a:bodyPr spcFirstLastPara="1" wrap="square" lIns="91425" tIns="91425" rIns="91425" bIns="91425" anchor="ctr" anchorCtr="0">
             <a:normAutofit/>
           </a:bodyPr>
           <a:lstStyle>
@@ -2574,7 +2651,7 @@
             </a:lvl9pPr>
           </a:lstStyle>
           <a:p>
-            <a:pPr indent="0" lvl="0" marL="0" rtl="0" algn="r">
+            <a:pPr marL="0" lvl="0" indent="0" algn="r" rtl="0">
               <a:spcBef>
                 <a:spcPts val="0"/>
               </a:spcBef>
@@ -2600,11 +2677,11 @@
 </file>
 
 <file path=ppt/slideLayouts/slideLayout11.xml><?xml version="1.0" encoding="utf-8"?>
-<p:sldLayout xmlns:a="http://schemas.openxmlformats.org/drawingml/2006/main" xmlns:r="http://schemas.openxmlformats.org/officeDocument/2006/relationships" xmlns:mc="http://schemas.openxmlformats.org/markup-compatibility/2006" xmlns:mv="urn:schemas-microsoft-com:mac:vml" xmlns:p="http://schemas.openxmlformats.org/presentationml/2006/main" xmlns:c="http://schemas.openxmlformats.org/drawingml/2006/chart" xmlns:dgm="http://schemas.openxmlformats.org/drawingml/2006/diagram" xmlns:o="urn:schemas-microsoft-com:office:office" xmlns:v="urn:schemas-microsoft-com:vml" xmlns:pvml="urn:schemas-microsoft-com:office:powerpoint" xmlns:com="http://schemas.openxmlformats.org/drawingml/2006/compatibility" xmlns:p14="http://schemas.microsoft.com/office/powerpoint/2010/main" xmlns:p15="http://schemas.microsoft.com/office/powerpoint/2012/main" xmlns:ahyp="http://schemas.microsoft.com/office/drawing/2018/hyperlinkcolor" matchingName="Blank" type="blank">
+<p:sldLayout xmlns:a="http://schemas.openxmlformats.org/drawingml/2006/main" xmlns:r="http://schemas.openxmlformats.org/officeDocument/2006/relationships" xmlns:p="http://schemas.openxmlformats.org/presentationml/2006/main" matchingName="Blank" type="blank">
   <p:cSld name="BLANK">
     <p:spTree>
       <p:nvGrpSpPr>
-        <p:cNvPr id="48" name="Shape 48"/>
+        <p:cNvPr id="1" name="Shape 48"/>
         <p:cNvGrpSpPr/>
         <p:nvPr/>
       </p:nvGrpSpPr>
@@ -2619,9 +2696,11 @@
       <p:sp>
         <p:nvSpPr>
           <p:cNvPr id="49" name="Google Shape;49;p12"/>
-          <p:cNvSpPr txBox="1"/>
+          <p:cNvSpPr txBox="1">
+            <a:spLocks noGrp="1"/>
+          </p:cNvSpPr>
           <p:nvPr>
-            <p:ph idx="12" type="sldNum"/>
+            <p:ph type="sldNum" idx="12"/>
           </p:nvPr>
         </p:nvSpPr>
         <p:spPr>
@@ -2634,7 +2713,7 @@
           </a:prstGeom>
         </p:spPr>
         <p:txBody>
-          <a:bodyPr anchorCtr="0" anchor="ctr" bIns="91425" lIns="91425" spcFirstLastPara="1" rIns="91425" wrap="square" tIns="91425">
+          <a:bodyPr spcFirstLastPara="1" wrap="square" lIns="91425" tIns="91425" rIns="91425" bIns="91425" anchor="ctr" anchorCtr="0">
             <a:normAutofit/>
           </a:bodyPr>
           <a:lstStyle>
@@ -2676,7 +2755,7 @@
             </a:lvl9pPr>
           </a:lstStyle>
           <a:p>
-            <a:pPr indent="0" lvl="0" marL="0" rtl="0" algn="r">
+            <a:pPr marL="0" lvl="0" indent="0" algn="r" rtl="0">
               <a:spcBef>
                 <a:spcPts val="0"/>
               </a:spcBef>
@@ -2702,11 +2781,11 @@
 </file>
 
 <file path=ppt/slideLayouts/slideLayout2.xml><?xml version="1.0" encoding="utf-8"?>
-<p:sldLayout xmlns:a="http://schemas.openxmlformats.org/drawingml/2006/main" xmlns:r="http://schemas.openxmlformats.org/officeDocument/2006/relationships" xmlns:mc="http://schemas.openxmlformats.org/markup-compatibility/2006" xmlns:mv="urn:schemas-microsoft-com:mac:vml" xmlns:p="http://schemas.openxmlformats.org/presentationml/2006/main" xmlns:c="http://schemas.openxmlformats.org/drawingml/2006/chart" xmlns:dgm="http://schemas.openxmlformats.org/drawingml/2006/diagram" xmlns:o="urn:schemas-microsoft-com:office:office" xmlns:v="urn:schemas-microsoft-com:vml" xmlns:pvml="urn:schemas-microsoft-com:office:powerpoint" xmlns:com="http://schemas.openxmlformats.org/drawingml/2006/compatibility" xmlns:p14="http://schemas.microsoft.com/office/powerpoint/2010/main" xmlns:p15="http://schemas.microsoft.com/office/powerpoint/2012/main" xmlns:ahyp="http://schemas.microsoft.com/office/drawing/2018/hyperlinkcolor" matchingName="Section header" type="secHead">
+<p:sldLayout xmlns:a="http://schemas.openxmlformats.org/drawingml/2006/main" xmlns:r="http://schemas.openxmlformats.org/officeDocument/2006/relationships" xmlns:p="http://schemas.openxmlformats.org/presentationml/2006/main" matchingName="Section header" type="secHead">
   <p:cSld name="SECTION_HEADER">
     <p:spTree>
       <p:nvGrpSpPr>
-        <p:cNvPr id="13" name="Shape 13"/>
+        <p:cNvPr id="1" name="Shape 13"/>
         <p:cNvGrpSpPr/>
         <p:nvPr/>
       </p:nvGrpSpPr>
@@ -2721,7 +2800,9 @@
       <p:sp>
         <p:nvSpPr>
           <p:cNvPr id="14" name="Google Shape;14;p3"/>
-          <p:cNvSpPr txBox="1"/>
+          <p:cNvSpPr txBox="1">
+            <a:spLocks noGrp="1"/>
+          </p:cNvSpPr>
           <p:nvPr>
             <p:ph type="title"/>
           </p:nvPr>
@@ -2736,7 +2817,7 @@
           </a:prstGeom>
         </p:spPr>
         <p:txBody>
-          <a:bodyPr anchorCtr="0" anchor="ctr" bIns="91425" lIns="91425" spcFirstLastPara="1" rIns="91425" wrap="square" tIns="91425">
+          <a:bodyPr spcFirstLastPara="1" wrap="square" lIns="91425" tIns="91425" rIns="91425" bIns="91425" anchor="ctr" anchorCtr="0">
             <a:normAutofit/>
           </a:bodyPr>
           <a:lstStyle>
@@ -2840,15 +2921,19 @@
               <a:defRPr sz="3600"/>
             </a:lvl9pPr>
           </a:lstStyle>
-          <a:p/>
+          <a:p>
+            <a:endParaRPr/>
+          </a:p>
         </p:txBody>
       </p:sp>
       <p:sp>
         <p:nvSpPr>
           <p:cNvPr id="15" name="Google Shape;15;p3"/>
-          <p:cNvSpPr txBox="1"/>
+          <p:cNvSpPr txBox="1">
+            <a:spLocks noGrp="1"/>
+          </p:cNvSpPr>
           <p:nvPr>
-            <p:ph idx="12" type="sldNum"/>
+            <p:ph type="sldNum" idx="12"/>
           </p:nvPr>
         </p:nvSpPr>
         <p:spPr>
@@ -2861,7 +2946,7 @@
           </a:prstGeom>
         </p:spPr>
         <p:txBody>
-          <a:bodyPr anchorCtr="0" anchor="ctr" bIns="91425" lIns="91425" spcFirstLastPara="1" rIns="91425" wrap="square" tIns="91425">
+          <a:bodyPr spcFirstLastPara="1" wrap="square" lIns="91425" tIns="91425" rIns="91425" bIns="91425" anchor="ctr" anchorCtr="0">
             <a:normAutofit/>
           </a:bodyPr>
           <a:lstStyle>
@@ -2903,7 +2988,7 @@
             </a:lvl9pPr>
           </a:lstStyle>
           <a:p>
-            <a:pPr indent="0" lvl="0" marL="0" rtl="0" algn="r">
+            <a:pPr marL="0" lvl="0" indent="0" algn="r" rtl="0">
               <a:spcBef>
                 <a:spcPts val="0"/>
               </a:spcBef>
@@ -2929,11 +3014,11 @@
 </file>
 
 <file path=ppt/slideLayouts/slideLayout3.xml><?xml version="1.0" encoding="utf-8"?>
-<p:sldLayout xmlns:a="http://schemas.openxmlformats.org/drawingml/2006/main" xmlns:r="http://schemas.openxmlformats.org/officeDocument/2006/relationships" xmlns:mc="http://schemas.openxmlformats.org/markup-compatibility/2006" xmlns:mv="urn:schemas-microsoft-com:mac:vml" xmlns:p="http://schemas.openxmlformats.org/presentationml/2006/main" xmlns:c="http://schemas.openxmlformats.org/drawingml/2006/chart" xmlns:dgm="http://schemas.openxmlformats.org/drawingml/2006/diagram" xmlns:o="urn:schemas-microsoft-com:office:office" xmlns:v="urn:schemas-microsoft-com:vml" xmlns:pvml="urn:schemas-microsoft-com:office:powerpoint" xmlns:com="http://schemas.openxmlformats.org/drawingml/2006/compatibility" xmlns:p14="http://schemas.microsoft.com/office/powerpoint/2010/main" xmlns:p15="http://schemas.microsoft.com/office/powerpoint/2012/main" xmlns:ahyp="http://schemas.microsoft.com/office/drawing/2018/hyperlinkcolor" matchingName="Title and body" type="tx">
+<p:sldLayout xmlns:a="http://schemas.openxmlformats.org/drawingml/2006/main" xmlns:r="http://schemas.openxmlformats.org/officeDocument/2006/relationships" xmlns:p="http://schemas.openxmlformats.org/presentationml/2006/main" matchingName="Title and body" type="tx">
   <p:cSld name="TITLE_AND_BODY">
     <p:spTree>
       <p:nvGrpSpPr>
-        <p:cNvPr id="16" name="Shape 16"/>
+        <p:cNvPr id="1" name="Shape 16"/>
         <p:cNvGrpSpPr/>
         <p:nvPr/>
       </p:nvGrpSpPr>
@@ -2948,7 +3033,9 @@
       <p:sp>
         <p:nvSpPr>
           <p:cNvPr id="17" name="Google Shape;17;p4"/>
-          <p:cNvSpPr txBox="1"/>
+          <p:cNvSpPr txBox="1">
+            <a:spLocks noGrp="1"/>
+          </p:cNvSpPr>
           <p:nvPr>
             <p:ph type="title"/>
           </p:nvPr>
@@ -2963,7 +3050,7 @@
           </a:prstGeom>
         </p:spPr>
         <p:txBody>
-          <a:bodyPr anchorCtr="0" anchor="t" bIns="91425" lIns="91425" spcFirstLastPara="1" rIns="91425" wrap="square" tIns="91425">
+          <a:bodyPr spcFirstLastPara="1" wrap="square" lIns="91425" tIns="91425" rIns="91425" bIns="91425" anchor="t" anchorCtr="0">
             <a:normAutofit/>
           </a:bodyPr>
           <a:lstStyle>
@@ -3067,15 +3154,19 @@
               <a:defRPr/>
             </a:lvl9pPr>
           </a:lstStyle>
-          <a:p/>
+          <a:p>
+            <a:endParaRPr/>
+          </a:p>
         </p:txBody>
       </p:sp>
       <p:sp>
         <p:nvSpPr>
           <p:cNvPr id="18" name="Google Shape;18;p4"/>
-          <p:cNvSpPr txBox="1"/>
+          <p:cNvSpPr txBox="1">
+            <a:spLocks noGrp="1"/>
+          </p:cNvSpPr>
           <p:nvPr>
-            <p:ph idx="1" type="body"/>
+            <p:ph type="body" idx="1"/>
           </p:nvPr>
         </p:nvSpPr>
         <p:spPr>
@@ -3088,11 +3179,11 @@
           </a:prstGeom>
         </p:spPr>
         <p:txBody>
-          <a:bodyPr anchorCtr="0" anchor="t" bIns="91425" lIns="91425" spcFirstLastPara="1" rIns="91425" wrap="square" tIns="91425">
+          <a:bodyPr spcFirstLastPara="1" wrap="square" lIns="91425" tIns="91425" rIns="91425" bIns="91425" anchor="t" anchorCtr="0">
             <a:normAutofit/>
           </a:bodyPr>
           <a:lstStyle>
-            <a:lvl1pPr indent="-342900" lvl="0" marL="457200">
+            <a:lvl1pPr marL="457200" lvl="0" indent="-342900">
               <a:spcBef>
                 <a:spcPts val="0"/>
               </a:spcBef>
@@ -3103,7 +3194,7 @@
               <a:buChar char="●"/>
               <a:defRPr/>
             </a:lvl1pPr>
-            <a:lvl2pPr indent="-317500" lvl="1" marL="914400">
+            <a:lvl2pPr marL="914400" lvl="1" indent="-317500">
               <a:spcBef>
                 <a:spcPts val="0"/>
               </a:spcBef>
@@ -3114,7 +3205,7 @@
               <a:buChar char="○"/>
               <a:defRPr/>
             </a:lvl2pPr>
-            <a:lvl3pPr indent="-317500" lvl="2" marL="1371600">
+            <a:lvl3pPr marL="1371600" lvl="2" indent="-317500">
               <a:spcBef>
                 <a:spcPts val="0"/>
               </a:spcBef>
@@ -3125,7 +3216,7 @@
               <a:buChar char="■"/>
               <a:defRPr/>
             </a:lvl3pPr>
-            <a:lvl4pPr indent="-317500" lvl="3" marL="1828800">
+            <a:lvl4pPr marL="1828800" lvl="3" indent="-317500">
               <a:spcBef>
                 <a:spcPts val="0"/>
               </a:spcBef>
@@ -3136,7 +3227,7 @@
               <a:buChar char="●"/>
               <a:defRPr/>
             </a:lvl4pPr>
-            <a:lvl5pPr indent="-317500" lvl="4" marL="2286000">
+            <a:lvl5pPr marL="2286000" lvl="4" indent="-317500">
               <a:spcBef>
                 <a:spcPts val="0"/>
               </a:spcBef>
@@ -3147,7 +3238,7 @@
               <a:buChar char="○"/>
               <a:defRPr/>
             </a:lvl5pPr>
-            <a:lvl6pPr indent="-317500" lvl="5" marL="2743200">
+            <a:lvl6pPr marL="2743200" lvl="5" indent="-317500">
               <a:spcBef>
                 <a:spcPts val="0"/>
               </a:spcBef>
@@ -3158,7 +3249,7 @@
               <a:buChar char="■"/>
               <a:defRPr/>
             </a:lvl6pPr>
-            <a:lvl7pPr indent="-317500" lvl="6" marL="3200400">
+            <a:lvl7pPr marL="3200400" lvl="6" indent="-317500">
               <a:spcBef>
                 <a:spcPts val="0"/>
               </a:spcBef>
@@ -3169,7 +3260,7 @@
               <a:buChar char="●"/>
               <a:defRPr/>
             </a:lvl7pPr>
-            <a:lvl8pPr indent="-317500" lvl="7" marL="3657600">
+            <a:lvl8pPr marL="3657600" lvl="7" indent="-317500">
               <a:spcBef>
                 <a:spcPts val="0"/>
               </a:spcBef>
@@ -3180,7 +3271,7 @@
               <a:buChar char="○"/>
               <a:defRPr/>
             </a:lvl8pPr>
-            <a:lvl9pPr indent="-317500" lvl="8" marL="4114800">
+            <a:lvl9pPr marL="4114800" lvl="8" indent="-317500">
               <a:spcBef>
                 <a:spcPts val="0"/>
               </a:spcBef>
@@ -3192,15 +3283,19 @@
               <a:defRPr/>
             </a:lvl9pPr>
           </a:lstStyle>
-          <a:p/>
+          <a:p>
+            <a:endParaRPr/>
+          </a:p>
         </p:txBody>
       </p:sp>
       <p:sp>
         <p:nvSpPr>
           <p:cNvPr id="19" name="Google Shape;19;p4"/>
-          <p:cNvSpPr txBox="1"/>
+          <p:cNvSpPr txBox="1">
+            <a:spLocks noGrp="1"/>
+          </p:cNvSpPr>
           <p:nvPr>
-            <p:ph idx="12" type="sldNum"/>
+            <p:ph type="sldNum" idx="12"/>
           </p:nvPr>
         </p:nvSpPr>
         <p:spPr>
@@ -3213,7 +3308,7 @@
           </a:prstGeom>
         </p:spPr>
         <p:txBody>
-          <a:bodyPr anchorCtr="0" anchor="ctr" bIns="91425" lIns="91425" spcFirstLastPara="1" rIns="91425" wrap="square" tIns="91425">
+          <a:bodyPr spcFirstLastPara="1" wrap="square" lIns="91425" tIns="91425" rIns="91425" bIns="91425" anchor="ctr" anchorCtr="0">
             <a:normAutofit/>
           </a:bodyPr>
           <a:lstStyle>
@@ -3255,7 +3350,7 @@
             </a:lvl9pPr>
           </a:lstStyle>
           <a:p>
-            <a:pPr indent="0" lvl="0" marL="0" rtl="0" algn="r">
+            <a:pPr marL="0" lvl="0" indent="0" algn="r" rtl="0">
               <a:spcBef>
                 <a:spcPts val="0"/>
               </a:spcBef>
@@ -3281,11 +3376,11 @@
 </file>
 
 <file path=ppt/slideLayouts/slideLayout4.xml><?xml version="1.0" encoding="utf-8"?>
-<p:sldLayout xmlns:a="http://schemas.openxmlformats.org/drawingml/2006/main" xmlns:r="http://schemas.openxmlformats.org/officeDocument/2006/relationships" xmlns:mc="http://schemas.openxmlformats.org/markup-compatibility/2006" xmlns:mv="urn:schemas-microsoft-com:mac:vml" xmlns:p="http://schemas.openxmlformats.org/presentationml/2006/main" xmlns:c="http://schemas.openxmlformats.org/drawingml/2006/chart" xmlns:dgm="http://schemas.openxmlformats.org/drawingml/2006/diagram" xmlns:o="urn:schemas-microsoft-com:office:office" xmlns:v="urn:schemas-microsoft-com:vml" xmlns:pvml="urn:schemas-microsoft-com:office:powerpoint" xmlns:com="http://schemas.openxmlformats.org/drawingml/2006/compatibility" xmlns:p14="http://schemas.microsoft.com/office/powerpoint/2010/main" xmlns:p15="http://schemas.microsoft.com/office/powerpoint/2012/main" xmlns:ahyp="http://schemas.microsoft.com/office/drawing/2018/hyperlinkcolor" matchingName="Title and two columns" type="twoColTx">
+<p:sldLayout xmlns:a="http://schemas.openxmlformats.org/drawingml/2006/main" xmlns:r="http://schemas.openxmlformats.org/officeDocument/2006/relationships" xmlns:p="http://schemas.openxmlformats.org/presentationml/2006/main" matchingName="Title and two columns" type="twoColTx">
   <p:cSld name="TITLE_AND_TWO_COLUMNS">
     <p:spTree>
       <p:nvGrpSpPr>
-        <p:cNvPr id="20" name="Shape 20"/>
+        <p:cNvPr id="1" name="Shape 20"/>
         <p:cNvGrpSpPr/>
         <p:nvPr/>
       </p:nvGrpSpPr>
@@ -3300,7 +3395,9 @@
       <p:sp>
         <p:nvSpPr>
           <p:cNvPr id="21" name="Google Shape;21;p5"/>
-          <p:cNvSpPr txBox="1"/>
+          <p:cNvSpPr txBox="1">
+            <a:spLocks noGrp="1"/>
+          </p:cNvSpPr>
           <p:nvPr>
             <p:ph type="title"/>
           </p:nvPr>
@@ -3315,7 +3412,7 @@
           </a:prstGeom>
         </p:spPr>
         <p:txBody>
-          <a:bodyPr anchorCtr="0" anchor="t" bIns="91425" lIns="91425" spcFirstLastPara="1" rIns="91425" wrap="square" tIns="91425">
+          <a:bodyPr spcFirstLastPara="1" wrap="square" lIns="91425" tIns="91425" rIns="91425" bIns="91425" anchor="t" anchorCtr="0">
             <a:normAutofit/>
           </a:bodyPr>
           <a:lstStyle>
@@ -3419,15 +3516,19 @@
               <a:defRPr/>
             </a:lvl9pPr>
           </a:lstStyle>
-          <a:p/>
+          <a:p>
+            <a:endParaRPr/>
+          </a:p>
         </p:txBody>
       </p:sp>
       <p:sp>
         <p:nvSpPr>
           <p:cNvPr id="22" name="Google Shape;22;p5"/>
-          <p:cNvSpPr txBox="1"/>
+          <p:cNvSpPr txBox="1">
+            <a:spLocks noGrp="1"/>
+          </p:cNvSpPr>
           <p:nvPr>
-            <p:ph idx="1" type="body"/>
+            <p:ph type="body" idx="1"/>
           </p:nvPr>
         </p:nvSpPr>
         <p:spPr>
@@ -3440,11 +3541,11 @@
           </a:prstGeom>
         </p:spPr>
         <p:txBody>
-          <a:bodyPr anchorCtr="0" anchor="t" bIns="91425" lIns="91425" spcFirstLastPara="1" rIns="91425" wrap="square" tIns="91425">
+          <a:bodyPr spcFirstLastPara="1" wrap="square" lIns="91425" tIns="91425" rIns="91425" bIns="91425" anchor="t" anchorCtr="0">
             <a:normAutofit/>
           </a:bodyPr>
           <a:lstStyle>
-            <a:lvl1pPr indent="-317500" lvl="0" marL="457200">
+            <a:lvl1pPr marL="457200" lvl="0" indent="-317500">
               <a:spcBef>
                 <a:spcPts val="0"/>
               </a:spcBef>
@@ -3455,7 +3556,7 @@
               <a:buChar char="●"/>
               <a:defRPr sz="1400"/>
             </a:lvl1pPr>
-            <a:lvl2pPr indent="-304800" lvl="1" marL="914400">
+            <a:lvl2pPr marL="914400" lvl="1" indent="-304800">
               <a:spcBef>
                 <a:spcPts val="0"/>
               </a:spcBef>
@@ -3466,7 +3567,7 @@
               <a:buChar char="○"/>
               <a:defRPr sz="1200"/>
             </a:lvl2pPr>
-            <a:lvl3pPr indent="-304800" lvl="2" marL="1371600">
+            <a:lvl3pPr marL="1371600" lvl="2" indent="-304800">
               <a:spcBef>
                 <a:spcPts val="0"/>
               </a:spcBef>
@@ -3477,7 +3578,7 @@
               <a:buChar char="■"/>
               <a:defRPr sz="1200"/>
             </a:lvl3pPr>
-            <a:lvl4pPr indent="-304800" lvl="3" marL="1828800">
+            <a:lvl4pPr marL="1828800" lvl="3" indent="-304800">
               <a:spcBef>
                 <a:spcPts val="0"/>
               </a:spcBef>
@@ -3488,7 +3589,7 @@
               <a:buChar char="●"/>
               <a:defRPr sz="1200"/>
             </a:lvl4pPr>
-            <a:lvl5pPr indent="-304800" lvl="4" marL="2286000">
+            <a:lvl5pPr marL="2286000" lvl="4" indent="-304800">
               <a:spcBef>
                 <a:spcPts val="0"/>
               </a:spcBef>
@@ -3499,7 +3600,7 @@
               <a:buChar char="○"/>
               <a:defRPr sz="1200"/>
             </a:lvl5pPr>
-            <a:lvl6pPr indent="-304800" lvl="5" marL="2743200">
+            <a:lvl6pPr marL="2743200" lvl="5" indent="-304800">
               <a:spcBef>
                 <a:spcPts val="0"/>
               </a:spcBef>
@@ -3510,7 +3611,7 @@
               <a:buChar char="■"/>
               <a:defRPr sz="1200"/>
             </a:lvl6pPr>
-            <a:lvl7pPr indent="-304800" lvl="6" marL="3200400">
+            <a:lvl7pPr marL="3200400" lvl="6" indent="-304800">
               <a:spcBef>
                 <a:spcPts val="0"/>
               </a:spcBef>
@@ -3521,7 +3622,7 @@
               <a:buChar char="●"/>
               <a:defRPr sz="1200"/>
             </a:lvl7pPr>
-            <a:lvl8pPr indent="-304800" lvl="7" marL="3657600">
+            <a:lvl8pPr marL="3657600" lvl="7" indent="-304800">
               <a:spcBef>
                 <a:spcPts val="0"/>
               </a:spcBef>
@@ -3532,7 +3633,7 @@
               <a:buChar char="○"/>
               <a:defRPr sz="1200"/>
             </a:lvl8pPr>
-            <a:lvl9pPr indent="-304800" lvl="8" marL="4114800">
+            <a:lvl9pPr marL="4114800" lvl="8" indent="-304800">
               <a:spcBef>
                 <a:spcPts val="0"/>
               </a:spcBef>
@@ -3544,15 +3645,19 @@
               <a:defRPr sz="1200"/>
             </a:lvl9pPr>
           </a:lstStyle>
-          <a:p/>
+          <a:p>
+            <a:endParaRPr/>
+          </a:p>
         </p:txBody>
       </p:sp>
       <p:sp>
         <p:nvSpPr>
           <p:cNvPr id="23" name="Google Shape;23;p5"/>
-          <p:cNvSpPr txBox="1"/>
+          <p:cNvSpPr txBox="1">
+            <a:spLocks noGrp="1"/>
+          </p:cNvSpPr>
           <p:nvPr>
-            <p:ph idx="2" type="body"/>
+            <p:ph type="body" idx="2"/>
           </p:nvPr>
         </p:nvSpPr>
         <p:spPr>
@@ -3565,11 +3670,11 @@
           </a:prstGeom>
         </p:spPr>
         <p:txBody>
-          <a:bodyPr anchorCtr="0" anchor="t" bIns="91425" lIns="91425" spcFirstLastPara="1" rIns="91425" wrap="square" tIns="91425">
+          <a:bodyPr spcFirstLastPara="1" wrap="square" lIns="91425" tIns="91425" rIns="91425" bIns="91425" anchor="t" anchorCtr="0">
             <a:normAutofit/>
           </a:bodyPr>
           <a:lstStyle>
-            <a:lvl1pPr indent="-317500" lvl="0" marL="457200">
+            <a:lvl1pPr marL="457200" lvl="0" indent="-317500">
               <a:spcBef>
                 <a:spcPts val="0"/>
               </a:spcBef>
@@ -3580,7 +3685,7 @@
               <a:buChar char="●"/>
               <a:defRPr sz="1400"/>
             </a:lvl1pPr>
-            <a:lvl2pPr indent="-304800" lvl="1" marL="914400">
+            <a:lvl2pPr marL="914400" lvl="1" indent="-304800">
               <a:spcBef>
                 <a:spcPts val="0"/>
               </a:spcBef>
@@ -3591,7 +3696,7 @@
               <a:buChar char="○"/>
               <a:defRPr sz="1200"/>
             </a:lvl2pPr>
-            <a:lvl3pPr indent="-304800" lvl="2" marL="1371600">
+            <a:lvl3pPr marL="1371600" lvl="2" indent="-304800">
               <a:spcBef>
                 <a:spcPts val="0"/>
               </a:spcBef>
@@ -3602,7 +3707,7 @@
               <a:buChar char="■"/>
               <a:defRPr sz="1200"/>
             </a:lvl3pPr>
-            <a:lvl4pPr indent="-304800" lvl="3" marL="1828800">
+            <a:lvl4pPr marL="1828800" lvl="3" indent="-304800">
               <a:spcBef>
                 <a:spcPts val="0"/>
               </a:spcBef>
@@ -3613,7 +3718,7 @@
               <a:buChar char="●"/>
               <a:defRPr sz="1200"/>
             </a:lvl4pPr>
-            <a:lvl5pPr indent="-304800" lvl="4" marL="2286000">
+            <a:lvl5pPr marL="2286000" lvl="4" indent="-304800">
               <a:spcBef>
                 <a:spcPts val="0"/>
               </a:spcBef>
@@ -3624,7 +3729,7 @@
               <a:buChar char="○"/>
               <a:defRPr sz="1200"/>
             </a:lvl5pPr>
-            <a:lvl6pPr indent="-304800" lvl="5" marL="2743200">
+            <a:lvl6pPr marL="2743200" lvl="5" indent="-304800">
               <a:spcBef>
                 <a:spcPts val="0"/>
               </a:spcBef>
@@ -3635,7 +3740,7 @@
               <a:buChar char="■"/>
               <a:defRPr sz="1200"/>
             </a:lvl6pPr>
-            <a:lvl7pPr indent="-304800" lvl="6" marL="3200400">
+            <a:lvl7pPr marL="3200400" lvl="6" indent="-304800">
               <a:spcBef>
                 <a:spcPts val="0"/>
               </a:spcBef>
@@ -3646,7 +3751,7 @@
               <a:buChar char="●"/>
               <a:defRPr sz="1200"/>
             </a:lvl7pPr>
-            <a:lvl8pPr indent="-304800" lvl="7" marL="3657600">
+            <a:lvl8pPr marL="3657600" lvl="7" indent="-304800">
               <a:spcBef>
                 <a:spcPts val="0"/>
               </a:spcBef>
@@ -3657,7 +3762,7 @@
               <a:buChar char="○"/>
               <a:defRPr sz="1200"/>
             </a:lvl8pPr>
-            <a:lvl9pPr indent="-304800" lvl="8" marL="4114800">
+            <a:lvl9pPr marL="4114800" lvl="8" indent="-304800">
               <a:spcBef>
                 <a:spcPts val="0"/>
               </a:spcBef>
@@ -3669,15 +3774,19 @@
               <a:defRPr sz="1200"/>
             </a:lvl9pPr>
           </a:lstStyle>
-          <a:p/>
+          <a:p>
+            <a:endParaRPr/>
+          </a:p>
         </p:txBody>
       </p:sp>
       <p:sp>
         <p:nvSpPr>
           <p:cNvPr id="24" name="Google Shape;24;p5"/>
-          <p:cNvSpPr txBox="1"/>
+          <p:cNvSpPr txBox="1">
+            <a:spLocks noGrp="1"/>
+          </p:cNvSpPr>
           <p:nvPr>
-            <p:ph idx="12" type="sldNum"/>
+            <p:ph type="sldNum" idx="12"/>
           </p:nvPr>
         </p:nvSpPr>
         <p:spPr>
@@ -3690,7 +3799,7 @@
           </a:prstGeom>
         </p:spPr>
         <p:txBody>
-          <a:bodyPr anchorCtr="0" anchor="ctr" bIns="91425" lIns="91425" spcFirstLastPara="1" rIns="91425" wrap="square" tIns="91425">
+          <a:bodyPr spcFirstLastPara="1" wrap="square" lIns="91425" tIns="91425" rIns="91425" bIns="91425" anchor="ctr" anchorCtr="0">
             <a:normAutofit/>
           </a:bodyPr>
           <a:lstStyle>
@@ -3732,7 +3841,7 @@
             </a:lvl9pPr>
           </a:lstStyle>
           <a:p>
-            <a:pPr indent="0" lvl="0" marL="0" rtl="0" algn="r">
+            <a:pPr marL="0" lvl="0" indent="0" algn="r" rtl="0">
               <a:spcBef>
                 <a:spcPts val="0"/>
               </a:spcBef>
@@ -3758,11 +3867,11 @@
 </file>
 
 <file path=ppt/slideLayouts/slideLayout5.xml><?xml version="1.0" encoding="utf-8"?>
-<p:sldLayout xmlns:a="http://schemas.openxmlformats.org/drawingml/2006/main" xmlns:r="http://schemas.openxmlformats.org/officeDocument/2006/relationships" xmlns:mc="http://schemas.openxmlformats.org/markup-compatibility/2006" xmlns:mv="urn:schemas-microsoft-com:mac:vml" xmlns:p="http://schemas.openxmlformats.org/presentationml/2006/main" xmlns:c="http://schemas.openxmlformats.org/drawingml/2006/chart" xmlns:dgm="http://schemas.openxmlformats.org/drawingml/2006/diagram" xmlns:o="urn:schemas-microsoft-com:office:office" xmlns:v="urn:schemas-microsoft-com:vml" xmlns:pvml="urn:schemas-microsoft-com:office:powerpoint" xmlns:com="http://schemas.openxmlformats.org/drawingml/2006/compatibility" xmlns:p14="http://schemas.microsoft.com/office/powerpoint/2010/main" xmlns:p15="http://schemas.microsoft.com/office/powerpoint/2012/main" xmlns:ahyp="http://schemas.microsoft.com/office/drawing/2018/hyperlinkcolor" matchingName="Title only" type="titleOnly">
+<p:sldLayout xmlns:a="http://schemas.openxmlformats.org/drawingml/2006/main" xmlns:r="http://schemas.openxmlformats.org/officeDocument/2006/relationships" xmlns:p="http://schemas.openxmlformats.org/presentationml/2006/main" matchingName="Title only" type="titleOnly">
   <p:cSld name="TITLE_ONLY">
     <p:spTree>
       <p:nvGrpSpPr>
-        <p:cNvPr id="25" name="Shape 25"/>
+        <p:cNvPr id="1" name="Shape 25"/>
         <p:cNvGrpSpPr/>
         <p:nvPr/>
       </p:nvGrpSpPr>
@@ -3777,7 +3886,9 @@
       <p:sp>
         <p:nvSpPr>
           <p:cNvPr id="26" name="Google Shape;26;p6"/>
-          <p:cNvSpPr txBox="1"/>
+          <p:cNvSpPr txBox="1">
+            <a:spLocks noGrp="1"/>
+          </p:cNvSpPr>
           <p:nvPr>
             <p:ph type="title"/>
           </p:nvPr>
@@ -3792,7 +3903,7 @@
           </a:prstGeom>
         </p:spPr>
         <p:txBody>
-          <a:bodyPr anchorCtr="0" anchor="t" bIns="91425" lIns="91425" spcFirstLastPara="1" rIns="91425" wrap="square" tIns="91425">
+          <a:bodyPr spcFirstLastPara="1" wrap="square" lIns="91425" tIns="91425" rIns="91425" bIns="91425" anchor="t" anchorCtr="0">
             <a:normAutofit/>
           </a:bodyPr>
           <a:lstStyle>
@@ -3896,15 +4007,19 @@
               <a:defRPr/>
             </a:lvl9pPr>
           </a:lstStyle>
-          <a:p/>
+          <a:p>
+            <a:endParaRPr/>
+          </a:p>
         </p:txBody>
       </p:sp>
       <p:sp>
         <p:nvSpPr>
           <p:cNvPr id="27" name="Google Shape;27;p6"/>
-          <p:cNvSpPr txBox="1"/>
+          <p:cNvSpPr txBox="1">
+            <a:spLocks noGrp="1"/>
+          </p:cNvSpPr>
           <p:nvPr>
-            <p:ph idx="12" type="sldNum"/>
+            <p:ph type="sldNum" idx="12"/>
           </p:nvPr>
         </p:nvSpPr>
         <p:spPr>
@@ -3917,7 +4032,7 @@
           </a:prstGeom>
         </p:spPr>
         <p:txBody>
-          <a:bodyPr anchorCtr="0" anchor="ctr" bIns="91425" lIns="91425" spcFirstLastPara="1" rIns="91425" wrap="square" tIns="91425">
+          <a:bodyPr spcFirstLastPara="1" wrap="square" lIns="91425" tIns="91425" rIns="91425" bIns="91425" anchor="ctr" anchorCtr="0">
             <a:normAutofit/>
           </a:bodyPr>
           <a:lstStyle>
@@ -3959,7 +4074,7 @@
             </a:lvl9pPr>
           </a:lstStyle>
           <a:p>
-            <a:pPr indent="0" lvl="0" marL="0" rtl="0" algn="r">
+            <a:pPr marL="0" lvl="0" indent="0" algn="r" rtl="0">
               <a:spcBef>
                 <a:spcPts val="0"/>
               </a:spcBef>
@@ -3985,11 +4100,11 @@
 </file>
 
 <file path=ppt/slideLayouts/slideLayout6.xml><?xml version="1.0" encoding="utf-8"?>
-<p:sldLayout xmlns:a="http://schemas.openxmlformats.org/drawingml/2006/main" xmlns:r="http://schemas.openxmlformats.org/officeDocument/2006/relationships" xmlns:mc="http://schemas.openxmlformats.org/markup-compatibility/2006" xmlns:mv="urn:schemas-microsoft-com:mac:vml" xmlns:p="http://schemas.openxmlformats.org/presentationml/2006/main" xmlns:c="http://schemas.openxmlformats.org/drawingml/2006/chart" xmlns:dgm="http://schemas.openxmlformats.org/drawingml/2006/diagram" xmlns:o="urn:schemas-microsoft-com:office:office" xmlns:v="urn:schemas-microsoft-com:vml" xmlns:pvml="urn:schemas-microsoft-com:office:powerpoint" xmlns:com="http://schemas.openxmlformats.org/drawingml/2006/compatibility" xmlns:p14="http://schemas.microsoft.com/office/powerpoint/2010/main" xmlns:p15="http://schemas.microsoft.com/office/powerpoint/2012/main" xmlns:ahyp="http://schemas.microsoft.com/office/drawing/2018/hyperlinkcolor" matchingName="One column text">
+<p:sldLayout xmlns:a="http://schemas.openxmlformats.org/drawingml/2006/main" xmlns:r="http://schemas.openxmlformats.org/officeDocument/2006/relationships" xmlns:p="http://schemas.openxmlformats.org/presentationml/2006/main" matchingName="One column text">
   <p:cSld name="ONE_COLUMN_TEXT">
     <p:spTree>
       <p:nvGrpSpPr>
-        <p:cNvPr id="28" name="Shape 28"/>
+        <p:cNvPr id="1" name="Shape 28"/>
         <p:cNvGrpSpPr/>
         <p:nvPr/>
       </p:nvGrpSpPr>
@@ -4004,7 +4119,9 @@
       <p:sp>
         <p:nvSpPr>
           <p:cNvPr id="29" name="Google Shape;29;p7"/>
-          <p:cNvSpPr txBox="1"/>
+          <p:cNvSpPr txBox="1">
+            <a:spLocks noGrp="1"/>
+          </p:cNvSpPr>
           <p:nvPr>
             <p:ph type="title"/>
           </p:nvPr>
@@ -4019,7 +4136,7 @@
           </a:prstGeom>
         </p:spPr>
         <p:txBody>
-          <a:bodyPr anchorCtr="0" anchor="b" bIns="91425" lIns="91425" spcFirstLastPara="1" rIns="91425" wrap="square" tIns="91425">
+          <a:bodyPr spcFirstLastPara="1" wrap="square" lIns="91425" tIns="91425" rIns="91425" bIns="91425" anchor="b" anchorCtr="0">
             <a:normAutofit/>
           </a:bodyPr>
           <a:lstStyle>
@@ -4123,15 +4240,19 @@
               <a:defRPr sz="2400"/>
             </a:lvl9pPr>
           </a:lstStyle>
-          <a:p/>
+          <a:p>
+            <a:endParaRPr/>
+          </a:p>
         </p:txBody>
       </p:sp>
       <p:sp>
         <p:nvSpPr>
           <p:cNvPr id="30" name="Google Shape;30;p7"/>
-          <p:cNvSpPr txBox="1"/>
+          <p:cNvSpPr txBox="1">
+            <a:spLocks noGrp="1"/>
+          </p:cNvSpPr>
           <p:nvPr>
-            <p:ph idx="1" type="body"/>
+            <p:ph type="body" idx="1"/>
           </p:nvPr>
         </p:nvSpPr>
         <p:spPr>
@@ -4144,11 +4265,11 @@
           </a:prstGeom>
         </p:spPr>
         <p:txBody>
-          <a:bodyPr anchorCtr="0" anchor="t" bIns="91425" lIns="91425" spcFirstLastPara="1" rIns="91425" wrap="square" tIns="91425">
+          <a:bodyPr spcFirstLastPara="1" wrap="square" lIns="91425" tIns="91425" rIns="91425" bIns="91425" anchor="t" anchorCtr="0">
             <a:normAutofit/>
           </a:bodyPr>
           <a:lstStyle>
-            <a:lvl1pPr indent="-304800" lvl="0" marL="457200">
+            <a:lvl1pPr marL="457200" lvl="0" indent="-304800">
               <a:spcBef>
                 <a:spcPts val="0"/>
               </a:spcBef>
@@ -4159,7 +4280,7 @@
               <a:buChar char="●"/>
               <a:defRPr sz="1200"/>
             </a:lvl1pPr>
-            <a:lvl2pPr indent="-304800" lvl="1" marL="914400">
+            <a:lvl2pPr marL="914400" lvl="1" indent="-304800">
               <a:spcBef>
                 <a:spcPts val="0"/>
               </a:spcBef>
@@ -4170,7 +4291,7 @@
               <a:buChar char="○"/>
               <a:defRPr sz="1200"/>
             </a:lvl2pPr>
-            <a:lvl3pPr indent="-304800" lvl="2" marL="1371600">
+            <a:lvl3pPr marL="1371600" lvl="2" indent="-304800">
               <a:spcBef>
                 <a:spcPts val="0"/>
               </a:spcBef>
@@ -4181,7 +4302,7 @@
               <a:buChar char="■"/>
               <a:defRPr sz="1200"/>
             </a:lvl3pPr>
-            <a:lvl4pPr indent="-304800" lvl="3" marL="1828800">
+            <a:lvl4pPr marL="1828800" lvl="3" indent="-304800">
               <a:spcBef>
                 <a:spcPts val="0"/>
               </a:spcBef>
@@ -4192,7 +4313,7 @@
               <a:buChar char="●"/>
               <a:defRPr sz="1200"/>
             </a:lvl4pPr>
-            <a:lvl5pPr indent="-304800" lvl="4" marL="2286000">
+            <a:lvl5pPr marL="2286000" lvl="4" indent="-304800">
               <a:spcBef>
                 <a:spcPts val="0"/>
               </a:spcBef>
@@ -4203,7 +4324,7 @@
               <a:buChar char="○"/>
               <a:defRPr sz="1200"/>
             </a:lvl5pPr>
-            <a:lvl6pPr indent="-304800" lvl="5" marL="2743200">
+            <a:lvl6pPr marL="2743200" lvl="5" indent="-304800">
               <a:spcBef>
                 <a:spcPts val="0"/>
               </a:spcBef>
@@ -4214,7 +4335,7 @@
               <a:buChar char="■"/>
               <a:defRPr sz="1200"/>
             </a:lvl6pPr>
-            <a:lvl7pPr indent="-304800" lvl="6" marL="3200400">
+            <a:lvl7pPr marL="3200400" lvl="6" indent="-304800">
               <a:spcBef>
                 <a:spcPts val="0"/>
               </a:spcBef>
@@ -4225,7 +4346,7 @@
               <a:buChar char="●"/>
               <a:defRPr sz="1200"/>
             </a:lvl7pPr>
-            <a:lvl8pPr indent="-304800" lvl="7" marL="3657600">
+            <a:lvl8pPr marL="3657600" lvl="7" indent="-304800">
               <a:spcBef>
                 <a:spcPts val="0"/>
               </a:spcBef>
@@ -4236,7 +4357,7 @@
               <a:buChar char="○"/>
               <a:defRPr sz="1200"/>
             </a:lvl8pPr>
-            <a:lvl9pPr indent="-304800" lvl="8" marL="4114800">
+            <a:lvl9pPr marL="4114800" lvl="8" indent="-304800">
               <a:spcBef>
                 <a:spcPts val="0"/>
               </a:spcBef>
@@ -4248,15 +4369,19 @@
               <a:defRPr sz="1200"/>
             </a:lvl9pPr>
           </a:lstStyle>
-          <a:p/>
+          <a:p>
+            <a:endParaRPr/>
+          </a:p>
         </p:txBody>
       </p:sp>
       <p:sp>
         <p:nvSpPr>
           <p:cNvPr id="31" name="Google Shape;31;p7"/>
-          <p:cNvSpPr txBox="1"/>
+          <p:cNvSpPr txBox="1">
+            <a:spLocks noGrp="1"/>
+          </p:cNvSpPr>
           <p:nvPr>
-            <p:ph idx="12" type="sldNum"/>
+            <p:ph type="sldNum" idx="12"/>
           </p:nvPr>
         </p:nvSpPr>
         <p:spPr>
@@ -4269,7 +4394,7 @@
           </a:prstGeom>
         </p:spPr>
         <p:txBody>
-          <a:bodyPr anchorCtr="0" anchor="ctr" bIns="91425" lIns="91425" spcFirstLastPara="1" rIns="91425" wrap="square" tIns="91425">
+          <a:bodyPr spcFirstLastPara="1" wrap="square" lIns="91425" tIns="91425" rIns="91425" bIns="91425" anchor="ctr" anchorCtr="0">
             <a:normAutofit/>
           </a:bodyPr>
           <a:lstStyle>
@@ -4311,7 +4436,7 @@
             </a:lvl9pPr>
           </a:lstStyle>
           <a:p>
-            <a:pPr indent="0" lvl="0" marL="0" rtl="0" algn="r">
+            <a:pPr marL="0" lvl="0" indent="0" algn="r" rtl="0">
               <a:spcBef>
                 <a:spcPts val="0"/>
               </a:spcBef>
@@ -4337,11 +4462,11 @@
 </file>
 
 <file path=ppt/slideLayouts/slideLayout7.xml><?xml version="1.0" encoding="utf-8"?>
-<p:sldLayout xmlns:a="http://schemas.openxmlformats.org/drawingml/2006/main" xmlns:r="http://schemas.openxmlformats.org/officeDocument/2006/relationships" xmlns:mc="http://schemas.openxmlformats.org/markup-compatibility/2006" xmlns:mv="urn:schemas-microsoft-com:mac:vml" xmlns:p="http://schemas.openxmlformats.org/presentationml/2006/main" xmlns:c="http://schemas.openxmlformats.org/drawingml/2006/chart" xmlns:dgm="http://schemas.openxmlformats.org/drawingml/2006/diagram" xmlns:o="urn:schemas-microsoft-com:office:office" xmlns:v="urn:schemas-microsoft-com:vml" xmlns:pvml="urn:schemas-microsoft-com:office:powerpoint" xmlns:com="http://schemas.openxmlformats.org/drawingml/2006/compatibility" xmlns:p14="http://schemas.microsoft.com/office/powerpoint/2010/main" xmlns:p15="http://schemas.microsoft.com/office/powerpoint/2012/main" xmlns:ahyp="http://schemas.microsoft.com/office/drawing/2018/hyperlinkcolor" matchingName="Main point">
+<p:sldLayout xmlns:a="http://schemas.openxmlformats.org/drawingml/2006/main" xmlns:r="http://schemas.openxmlformats.org/officeDocument/2006/relationships" xmlns:p="http://schemas.openxmlformats.org/presentationml/2006/main" matchingName="Main point">
   <p:cSld name="MAIN_POINT">
     <p:spTree>
       <p:nvGrpSpPr>
-        <p:cNvPr id="32" name="Shape 32"/>
+        <p:cNvPr id="1" name="Shape 32"/>
         <p:cNvGrpSpPr/>
         <p:nvPr/>
       </p:nvGrpSpPr>
@@ -4356,7 +4481,9 @@
       <p:sp>
         <p:nvSpPr>
           <p:cNvPr id="33" name="Google Shape;33;p8"/>
-          <p:cNvSpPr txBox="1"/>
+          <p:cNvSpPr txBox="1">
+            <a:spLocks noGrp="1"/>
+          </p:cNvSpPr>
           <p:nvPr>
             <p:ph type="title"/>
           </p:nvPr>
@@ -4371,7 +4498,7 @@
           </a:prstGeom>
         </p:spPr>
         <p:txBody>
-          <a:bodyPr anchorCtr="0" anchor="ctr" bIns="91425" lIns="91425" spcFirstLastPara="1" rIns="91425" wrap="square" tIns="91425">
+          <a:bodyPr spcFirstLastPara="1" wrap="square" lIns="91425" tIns="91425" rIns="91425" bIns="91425" anchor="ctr" anchorCtr="0">
             <a:normAutofit/>
           </a:bodyPr>
           <a:lstStyle>
@@ -4475,15 +4602,19 @@
               <a:defRPr sz="4800"/>
             </a:lvl9pPr>
           </a:lstStyle>
-          <a:p/>
+          <a:p>
+            <a:endParaRPr/>
+          </a:p>
         </p:txBody>
       </p:sp>
       <p:sp>
         <p:nvSpPr>
           <p:cNvPr id="34" name="Google Shape;34;p8"/>
-          <p:cNvSpPr txBox="1"/>
+          <p:cNvSpPr txBox="1">
+            <a:spLocks noGrp="1"/>
+          </p:cNvSpPr>
           <p:nvPr>
-            <p:ph idx="12" type="sldNum"/>
+            <p:ph type="sldNum" idx="12"/>
           </p:nvPr>
         </p:nvSpPr>
         <p:spPr>
@@ -4496,7 +4627,7 @@
           </a:prstGeom>
         </p:spPr>
         <p:txBody>
-          <a:bodyPr anchorCtr="0" anchor="ctr" bIns="91425" lIns="91425" spcFirstLastPara="1" rIns="91425" wrap="square" tIns="91425">
+          <a:bodyPr spcFirstLastPara="1" wrap="square" lIns="91425" tIns="91425" rIns="91425" bIns="91425" anchor="ctr" anchorCtr="0">
             <a:normAutofit/>
           </a:bodyPr>
           <a:lstStyle>
@@ -4538,7 +4669,7 @@
             </a:lvl9pPr>
           </a:lstStyle>
           <a:p>
-            <a:pPr indent="0" lvl="0" marL="0" rtl="0" algn="r">
+            <a:pPr marL="0" lvl="0" indent="0" algn="r" rtl="0">
               <a:spcBef>
                 <a:spcPts val="0"/>
               </a:spcBef>
@@ -4564,11 +4695,11 @@
 </file>
 
 <file path=ppt/slideLayouts/slideLayout8.xml><?xml version="1.0" encoding="utf-8"?>
-<p:sldLayout xmlns:a="http://schemas.openxmlformats.org/drawingml/2006/main" xmlns:r="http://schemas.openxmlformats.org/officeDocument/2006/relationships" xmlns:mc="http://schemas.openxmlformats.org/markup-compatibility/2006" xmlns:mv="urn:schemas-microsoft-com:mac:vml" xmlns:p="http://schemas.openxmlformats.org/presentationml/2006/main" xmlns:c="http://schemas.openxmlformats.org/drawingml/2006/chart" xmlns:dgm="http://schemas.openxmlformats.org/drawingml/2006/diagram" xmlns:o="urn:schemas-microsoft-com:office:office" xmlns:v="urn:schemas-microsoft-com:vml" xmlns:pvml="urn:schemas-microsoft-com:office:powerpoint" xmlns:com="http://schemas.openxmlformats.org/drawingml/2006/compatibility" xmlns:p14="http://schemas.microsoft.com/office/powerpoint/2010/main" xmlns:p15="http://schemas.microsoft.com/office/powerpoint/2012/main" xmlns:ahyp="http://schemas.microsoft.com/office/drawing/2018/hyperlinkcolor" matchingName="Section title and description">
+<p:sldLayout xmlns:a="http://schemas.openxmlformats.org/drawingml/2006/main" xmlns:r="http://schemas.openxmlformats.org/officeDocument/2006/relationships" xmlns:p="http://schemas.openxmlformats.org/presentationml/2006/main" matchingName="Section title and description">
   <p:cSld name="SECTION_TITLE_AND_DESCRIPTION">
     <p:spTree>
       <p:nvGrpSpPr>
-        <p:cNvPr id="35" name="Shape 35"/>
+        <p:cNvPr id="1" name="Shape 35"/>
         <p:cNvGrpSpPr/>
         <p:nvPr/>
       </p:nvGrpSpPr>
@@ -4602,12 +4733,12 @@
           </a:ln>
         </p:spPr>
         <p:txBody>
-          <a:bodyPr anchorCtr="0" anchor="ctr" bIns="91425" lIns="91425" spcFirstLastPara="1" rIns="91425" wrap="square" tIns="91425">
+          <a:bodyPr spcFirstLastPara="1" wrap="square" lIns="91425" tIns="91425" rIns="91425" bIns="91425" anchor="ctr" anchorCtr="0">
             <a:noAutofit/>
           </a:bodyPr>
           <a:lstStyle/>
           <a:p>
-            <a:pPr indent="0" lvl="0" marL="0" rtl="0" algn="l">
+            <a:pPr marL="0" lvl="0" indent="0" algn="l" rtl="0">
               <a:spcBef>
                 <a:spcPts val="0"/>
               </a:spcBef>
@@ -4616,9 +4747,6 @@
               </a:spcAft>
               <a:buNone/>
             </a:pPr>
-            <a:r>
-              <a:t/>
-            </a:r>
             <a:endParaRPr/>
           </a:p>
         </p:txBody>
@@ -4626,7 +4754,9 @@
       <p:sp>
         <p:nvSpPr>
           <p:cNvPr id="37" name="Google Shape;37;p9"/>
-          <p:cNvSpPr txBox="1"/>
+          <p:cNvSpPr txBox="1">
+            <a:spLocks noGrp="1"/>
+          </p:cNvSpPr>
           <p:nvPr>
             <p:ph type="title"/>
           </p:nvPr>
@@ -4641,7 +4771,7 @@
           </a:prstGeom>
         </p:spPr>
         <p:txBody>
-          <a:bodyPr anchorCtr="0" anchor="b" bIns="91425" lIns="91425" spcFirstLastPara="1" rIns="91425" wrap="square" tIns="91425">
+          <a:bodyPr spcFirstLastPara="1" wrap="square" lIns="91425" tIns="91425" rIns="91425" bIns="91425" anchor="b" anchorCtr="0">
             <a:normAutofit/>
           </a:bodyPr>
           <a:lstStyle>
@@ -4745,15 +4875,19 @@
               <a:defRPr sz="4200"/>
             </a:lvl9pPr>
           </a:lstStyle>
-          <a:p/>
+          <a:p>
+            <a:endParaRPr/>
+          </a:p>
         </p:txBody>
       </p:sp>
       <p:sp>
         <p:nvSpPr>
           <p:cNvPr id="38" name="Google Shape;38;p9"/>
-          <p:cNvSpPr txBox="1"/>
+          <p:cNvSpPr txBox="1">
+            <a:spLocks noGrp="1"/>
+          </p:cNvSpPr>
           <p:nvPr>
-            <p:ph idx="1" type="subTitle"/>
+            <p:ph type="subTitle" idx="1"/>
           </p:nvPr>
         </p:nvSpPr>
         <p:spPr>
@@ -4766,7 +4900,7 @@
           </a:prstGeom>
         </p:spPr>
         <p:txBody>
-          <a:bodyPr anchorCtr="0" anchor="t" bIns="91425" lIns="91425" spcFirstLastPara="1" rIns="91425" wrap="square" tIns="91425">
+          <a:bodyPr spcFirstLastPara="1" wrap="square" lIns="91425" tIns="91425" rIns="91425" bIns="91425" anchor="t" anchorCtr="0">
             <a:normAutofit/>
           </a:bodyPr>
           <a:lstStyle>
@@ -4897,15 +5031,19 @@
               <a:defRPr sz="2100"/>
             </a:lvl9pPr>
           </a:lstStyle>
-          <a:p/>
+          <a:p>
+            <a:endParaRPr/>
+          </a:p>
         </p:txBody>
       </p:sp>
       <p:sp>
         <p:nvSpPr>
           <p:cNvPr id="39" name="Google Shape;39;p9"/>
-          <p:cNvSpPr txBox="1"/>
+          <p:cNvSpPr txBox="1">
+            <a:spLocks noGrp="1"/>
+          </p:cNvSpPr>
           <p:nvPr>
-            <p:ph idx="2" type="body"/>
+            <p:ph type="body" idx="2"/>
           </p:nvPr>
         </p:nvSpPr>
         <p:spPr>
@@ -4918,11 +5056,11 @@
           </a:prstGeom>
         </p:spPr>
         <p:txBody>
-          <a:bodyPr anchorCtr="0" anchor="ctr" bIns="91425" lIns="91425" spcFirstLastPara="1" rIns="91425" wrap="square" tIns="91425">
+          <a:bodyPr spcFirstLastPara="1" wrap="square" lIns="91425" tIns="91425" rIns="91425" bIns="91425" anchor="ctr" anchorCtr="0">
             <a:normAutofit/>
           </a:bodyPr>
           <a:lstStyle>
-            <a:lvl1pPr indent="-342900" lvl="0" marL="457200">
+            <a:lvl1pPr marL="457200" lvl="0" indent="-342900">
               <a:spcBef>
                 <a:spcPts val="0"/>
               </a:spcBef>
@@ -4940,7 +5078,7 @@
                 </a:solidFill>
               </a:defRPr>
             </a:lvl1pPr>
-            <a:lvl2pPr indent="-317500" lvl="1" marL="914400">
+            <a:lvl2pPr marL="914400" lvl="1" indent="-317500">
               <a:spcBef>
                 <a:spcPts val="0"/>
               </a:spcBef>
@@ -4958,7 +5096,7 @@
                 </a:solidFill>
               </a:defRPr>
             </a:lvl2pPr>
-            <a:lvl3pPr indent="-317500" lvl="2" marL="1371600">
+            <a:lvl3pPr marL="1371600" lvl="2" indent="-317500">
               <a:spcBef>
                 <a:spcPts val="0"/>
               </a:spcBef>
@@ -4976,7 +5114,7 @@
                 </a:solidFill>
               </a:defRPr>
             </a:lvl3pPr>
-            <a:lvl4pPr indent="-317500" lvl="3" marL="1828800">
+            <a:lvl4pPr marL="1828800" lvl="3" indent="-317500">
               <a:spcBef>
                 <a:spcPts val="0"/>
               </a:spcBef>
@@ -4994,7 +5132,7 @@
                 </a:solidFill>
               </a:defRPr>
             </a:lvl4pPr>
-            <a:lvl5pPr indent="-317500" lvl="4" marL="2286000">
+            <a:lvl5pPr marL="2286000" lvl="4" indent="-317500">
               <a:spcBef>
                 <a:spcPts val="0"/>
               </a:spcBef>
@@ -5012,7 +5150,7 @@
                 </a:solidFill>
               </a:defRPr>
             </a:lvl5pPr>
-            <a:lvl6pPr indent="-317500" lvl="5" marL="2743200">
+            <a:lvl6pPr marL="2743200" lvl="5" indent="-317500">
               <a:spcBef>
                 <a:spcPts val="0"/>
               </a:spcBef>
@@ -5030,7 +5168,7 @@
                 </a:solidFill>
               </a:defRPr>
             </a:lvl6pPr>
-            <a:lvl7pPr indent="-317500" lvl="6" marL="3200400">
+            <a:lvl7pPr marL="3200400" lvl="6" indent="-317500">
               <a:spcBef>
                 <a:spcPts val="0"/>
               </a:spcBef>
@@ -5048,7 +5186,7 @@
                 </a:solidFill>
               </a:defRPr>
             </a:lvl7pPr>
-            <a:lvl8pPr indent="-317500" lvl="7" marL="3657600">
+            <a:lvl8pPr marL="3657600" lvl="7" indent="-317500">
               <a:spcBef>
                 <a:spcPts val="0"/>
               </a:spcBef>
@@ -5066,7 +5204,7 @@
                 </a:solidFill>
               </a:defRPr>
             </a:lvl8pPr>
-            <a:lvl9pPr indent="-317500" lvl="8" marL="4114800">
+            <a:lvl9pPr marL="4114800" lvl="8" indent="-317500">
               <a:spcBef>
                 <a:spcPts val="0"/>
               </a:spcBef>
@@ -5085,15 +5223,19 @@
               </a:defRPr>
             </a:lvl9pPr>
           </a:lstStyle>
-          <a:p/>
+          <a:p>
+            <a:endParaRPr/>
+          </a:p>
         </p:txBody>
       </p:sp>
       <p:sp>
         <p:nvSpPr>
           <p:cNvPr id="40" name="Google Shape;40;p9"/>
-          <p:cNvSpPr txBox="1"/>
+          <p:cNvSpPr txBox="1">
+            <a:spLocks noGrp="1"/>
+          </p:cNvSpPr>
           <p:nvPr>
-            <p:ph idx="12" type="sldNum"/>
+            <p:ph type="sldNum" idx="12"/>
           </p:nvPr>
         </p:nvSpPr>
         <p:spPr>
@@ -5106,7 +5248,7 @@
           </a:prstGeom>
         </p:spPr>
         <p:txBody>
-          <a:bodyPr anchorCtr="0" anchor="ctr" bIns="91425" lIns="91425" spcFirstLastPara="1" rIns="91425" wrap="square" tIns="91425">
+          <a:bodyPr spcFirstLastPara="1" wrap="square" lIns="91425" tIns="91425" rIns="91425" bIns="91425" anchor="ctr" anchorCtr="0">
             <a:normAutofit/>
           </a:bodyPr>
           <a:lstStyle>
@@ -5148,7 +5290,7 @@
             </a:lvl9pPr>
           </a:lstStyle>
           <a:p>
-            <a:pPr indent="0" lvl="0" marL="0" rtl="0" algn="r">
+            <a:pPr marL="0" lvl="0" indent="0" algn="r" rtl="0">
               <a:spcBef>
                 <a:spcPts val="0"/>
               </a:spcBef>
@@ -5174,11 +5316,11 @@
 </file>
 
 <file path=ppt/slideLayouts/slideLayout9.xml><?xml version="1.0" encoding="utf-8"?>
-<p:sldLayout xmlns:a="http://schemas.openxmlformats.org/drawingml/2006/main" xmlns:r="http://schemas.openxmlformats.org/officeDocument/2006/relationships" xmlns:mc="http://schemas.openxmlformats.org/markup-compatibility/2006" xmlns:mv="urn:schemas-microsoft-com:mac:vml" xmlns:p="http://schemas.openxmlformats.org/presentationml/2006/main" xmlns:c="http://schemas.openxmlformats.org/drawingml/2006/chart" xmlns:dgm="http://schemas.openxmlformats.org/drawingml/2006/diagram" xmlns:o="urn:schemas-microsoft-com:office:office" xmlns:v="urn:schemas-microsoft-com:vml" xmlns:pvml="urn:schemas-microsoft-com:office:powerpoint" xmlns:com="http://schemas.openxmlformats.org/drawingml/2006/compatibility" xmlns:p14="http://schemas.microsoft.com/office/powerpoint/2010/main" xmlns:p15="http://schemas.microsoft.com/office/powerpoint/2012/main" xmlns:ahyp="http://schemas.microsoft.com/office/drawing/2018/hyperlinkcolor" matchingName="Caption">
+<p:sldLayout xmlns:a="http://schemas.openxmlformats.org/drawingml/2006/main" xmlns:r="http://schemas.openxmlformats.org/officeDocument/2006/relationships" xmlns:p="http://schemas.openxmlformats.org/presentationml/2006/main" matchingName="Caption">
   <p:cSld name="CAPTION_ONLY">
     <p:spTree>
       <p:nvGrpSpPr>
-        <p:cNvPr id="41" name="Shape 41"/>
+        <p:cNvPr id="1" name="Shape 41"/>
         <p:cNvGrpSpPr/>
         <p:nvPr/>
       </p:nvGrpSpPr>
@@ -5193,9 +5335,11 @@
       <p:sp>
         <p:nvSpPr>
           <p:cNvPr id="42" name="Google Shape;42;p10"/>
-          <p:cNvSpPr txBox="1"/>
+          <p:cNvSpPr txBox="1">
+            <a:spLocks noGrp="1"/>
+          </p:cNvSpPr>
           <p:nvPr>
-            <p:ph idx="1" type="body"/>
+            <p:ph type="body" idx="1"/>
           </p:nvPr>
         </p:nvSpPr>
         <p:spPr>
@@ -5208,11 +5352,11 @@
           </a:prstGeom>
         </p:spPr>
         <p:txBody>
-          <a:bodyPr anchorCtr="0" anchor="ctr" bIns="91425" lIns="91425" spcFirstLastPara="1" rIns="91425" wrap="square" tIns="91425">
+          <a:bodyPr spcFirstLastPara="1" wrap="square" lIns="91425" tIns="91425" rIns="91425" bIns="91425" anchor="ctr" anchorCtr="0">
             <a:normAutofit/>
           </a:bodyPr>
           <a:lstStyle>
-            <a:lvl1pPr indent="-228600" lvl="0" marL="457200">
+            <a:lvl1pPr marL="457200" lvl="0" indent="-228600">
               <a:lnSpc>
                 <a:spcPct val="100000"/>
               </a:lnSpc>
@@ -5227,15 +5371,19 @@
               <a:defRPr/>
             </a:lvl1pPr>
           </a:lstStyle>
-          <a:p/>
+          <a:p>
+            <a:endParaRPr/>
+          </a:p>
         </p:txBody>
       </p:sp>
       <p:sp>
         <p:nvSpPr>
           <p:cNvPr id="43" name="Google Shape;43;p10"/>
-          <p:cNvSpPr txBox="1"/>
+          <p:cNvSpPr txBox="1">
+            <a:spLocks noGrp="1"/>
+          </p:cNvSpPr>
           <p:nvPr>
-            <p:ph idx="12" type="sldNum"/>
+            <p:ph type="sldNum" idx="12"/>
           </p:nvPr>
         </p:nvSpPr>
         <p:spPr>
@@ -5248,7 +5396,7 @@
           </a:prstGeom>
         </p:spPr>
         <p:txBody>
-          <a:bodyPr anchorCtr="0" anchor="ctr" bIns="91425" lIns="91425" spcFirstLastPara="1" rIns="91425" wrap="square" tIns="91425">
+          <a:bodyPr spcFirstLastPara="1" wrap="square" lIns="91425" tIns="91425" rIns="91425" bIns="91425" anchor="ctr" anchorCtr="0">
             <a:normAutofit/>
           </a:bodyPr>
           <a:lstStyle>
@@ -5290,7 +5438,7 @@
             </a:lvl9pPr>
           </a:lstStyle>
           <a:p>
-            <a:pPr indent="0" lvl="0" marL="0" rtl="0" algn="r">
+            <a:pPr marL="0" lvl="0" indent="0" algn="r" rtl="0">
               <a:spcBef>
                 <a:spcPts val="0"/>
               </a:spcBef>
@@ -5316,18 +5464,19 @@
 </file>
 
 <file path=ppt/slideMasters/slideMaster1.xml><?xml version="1.0" encoding="utf-8"?>
-<p:sldMaster xmlns:a="http://schemas.openxmlformats.org/drawingml/2006/main" xmlns:r="http://schemas.openxmlformats.org/officeDocument/2006/relationships" xmlns:mc="http://schemas.openxmlformats.org/markup-compatibility/2006" xmlns:mv="urn:schemas-microsoft-com:mac:vml" xmlns:p="http://schemas.openxmlformats.org/presentationml/2006/main" xmlns:c="http://schemas.openxmlformats.org/drawingml/2006/chart" xmlns:dgm="http://schemas.openxmlformats.org/drawingml/2006/diagram" xmlns:o="urn:schemas-microsoft-com:office:office" xmlns:v="urn:schemas-microsoft-com:vml" xmlns:pvml="urn:schemas-microsoft-com:office:powerpoint" xmlns:com="http://schemas.openxmlformats.org/drawingml/2006/compatibility" xmlns:p14="http://schemas.microsoft.com/office/powerpoint/2010/main" xmlns:p15="http://schemas.microsoft.com/office/powerpoint/2012/main" xmlns:ahyp="http://schemas.microsoft.com/office/drawing/2018/hyperlinkcolor">
+<p:sldMaster xmlns:a="http://schemas.openxmlformats.org/drawingml/2006/main" xmlns:r="http://schemas.openxmlformats.org/officeDocument/2006/relationships" xmlns:p="http://schemas.openxmlformats.org/presentationml/2006/main">
   <p:cSld name="simple-dark-2">
     <p:bg>
       <p:bgPr>
         <a:solidFill>
           <a:schemeClr val="lt1"/>
         </a:solidFill>
+        <a:effectLst/>
       </p:bgPr>
     </p:bg>
     <p:spTree>
       <p:nvGrpSpPr>
-        <p:cNvPr id="5" name="Shape 5"/>
+        <p:cNvPr id="1" name="Shape 5"/>
         <p:cNvGrpSpPr/>
         <p:nvPr/>
       </p:nvGrpSpPr>
@@ -5342,7 +5491,9 @@
       <p:sp>
         <p:nvSpPr>
           <p:cNvPr id="6" name="Google Shape;6;p1"/>
-          <p:cNvSpPr txBox="1"/>
+          <p:cNvSpPr txBox="1">
+            <a:spLocks noGrp="1"/>
+          </p:cNvSpPr>
           <p:nvPr>
             <p:ph type="title"/>
           </p:nvPr>
@@ -5361,7 +5512,7 @@
           </a:ln>
         </p:spPr>
         <p:txBody>
-          <a:bodyPr anchorCtr="0" anchor="t" bIns="91425" lIns="91425" spcFirstLastPara="1" rIns="91425" wrap="square" tIns="91425">
+          <a:bodyPr spcFirstLastPara="1" wrap="square" lIns="91425" tIns="91425" rIns="91425" bIns="91425" anchor="t" anchorCtr="0">
             <a:normAutofit/>
           </a:bodyPr>
           <a:lstStyle>
@@ -5528,15 +5679,19 @@
               </a:defRPr>
             </a:lvl9pPr>
           </a:lstStyle>
-          <a:p/>
+          <a:p>
+            <a:endParaRPr/>
+          </a:p>
         </p:txBody>
       </p:sp>
       <p:sp>
         <p:nvSpPr>
           <p:cNvPr id="7" name="Google Shape;7;p1"/>
-          <p:cNvSpPr txBox="1"/>
+          <p:cNvSpPr txBox="1">
+            <a:spLocks noGrp="1"/>
+          </p:cNvSpPr>
           <p:nvPr>
-            <p:ph idx="1" type="body"/>
+            <p:ph type="body" idx="1"/>
           </p:nvPr>
         </p:nvSpPr>
         <p:spPr>
@@ -5553,11 +5708,11 @@
           </a:ln>
         </p:spPr>
         <p:txBody>
-          <a:bodyPr anchorCtr="0" anchor="t" bIns="91425" lIns="91425" spcFirstLastPara="1" rIns="91425" wrap="square" tIns="91425">
+          <a:bodyPr spcFirstLastPara="1" wrap="square" lIns="91425" tIns="91425" rIns="91425" bIns="91425" anchor="t" anchorCtr="0">
             <a:normAutofit/>
           </a:bodyPr>
           <a:lstStyle>
-            <a:lvl1pPr indent="-342900" lvl="0" marL="457200">
+            <a:lvl1pPr marL="457200" lvl="0" indent="-342900">
               <a:lnSpc>
                 <a:spcPct val="115000"/>
               </a:lnSpc>
@@ -5578,7 +5733,7 @@
                 </a:solidFill>
               </a:defRPr>
             </a:lvl1pPr>
-            <a:lvl2pPr indent="-317500" lvl="1" marL="914400">
+            <a:lvl2pPr marL="914400" lvl="1" indent="-317500">
               <a:lnSpc>
                 <a:spcPct val="115000"/>
               </a:lnSpc>
@@ -5599,7 +5754,7 @@
                 </a:solidFill>
               </a:defRPr>
             </a:lvl2pPr>
-            <a:lvl3pPr indent="-317500" lvl="2" marL="1371600">
+            <a:lvl3pPr marL="1371600" lvl="2" indent="-317500">
               <a:lnSpc>
                 <a:spcPct val="115000"/>
               </a:lnSpc>
@@ -5620,7 +5775,7 @@
                 </a:solidFill>
               </a:defRPr>
             </a:lvl3pPr>
-            <a:lvl4pPr indent="-317500" lvl="3" marL="1828800">
+            <a:lvl4pPr marL="1828800" lvl="3" indent="-317500">
               <a:lnSpc>
                 <a:spcPct val="115000"/>
               </a:lnSpc>
@@ -5641,7 +5796,7 @@
                 </a:solidFill>
               </a:defRPr>
             </a:lvl4pPr>
-            <a:lvl5pPr indent="-317500" lvl="4" marL="2286000">
+            <a:lvl5pPr marL="2286000" lvl="4" indent="-317500">
               <a:lnSpc>
                 <a:spcPct val="115000"/>
               </a:lnSpc>
@@ -5662,7 +5817,7 @@
                 </a:solidFill>
               </a:defRPr>
             </a:lvl5pPr>
-            <a:lvl6pPr indent="-317500" lvl="5" marL="2743200">
+            <a:lvl6pPr marL="2743200" lvl="5" indent="-317500">
               <a:lnSpc>
                 <a:spcPct val="115000"/>
               </a:lnSpc>
@@ -5683,7 +5838,7 @@
                 </a:solidFill>
               </a:defRPr>
             </a:lvl6pPr>
-            <a:lvl7pPr indent="-317500" lvl="6" marL="3200400">
+            <a:lvl7pPr marL="3200400" lvl="6" indent="-317500">
               <a:lnSpc>
                 <a:spcPct val="115000"/>
               </a:lnSpc>
@@ -5704,7 +5859,7 @@
                 </a:solidFill>
               </a:defRPr>
             </a:lvl7pPr>
-            <a:lvl8pPr indent="-317500" lvl="7" marL="3657600">
+            <a:lvl8pPr marL="3657600" lvl="7" indent="-317500">
               <a:lnSpc>
                 <a:spcPct val="115000"/>
               </a:lnSpc>
@@ -5725,7 +5880,7 @@
                 </a:solidFill>
               </a:defRPr>
             </a:lvl8pPr>
-            <a:lvl9pPr indent="-317500" lvl="8" marL="4114800">
+            <a:lvl9pPr marL="4114800" lvl="8" indent="-317500">
               <a:lnSpc>
                 <a:spcPct val="115000"/>
               </a:lnSpc>
@@ -5747,15 +5902,19 @@
               </a:defRPr>
             </a:lvl9pPr>
           </a:lstStyle>
-          <a:p/>
+          <a:p>
+            <a:endParaRPr/>
+          </a:p>
         </p:txBody>
       </p:sp>
       <p:sp>
         <p:nvSpPr>
           <p:cNvPr id="8" name="Google Shape;8;p1"/>
-          <p:cNvSpPr txBox="1"/>
+          <p:cNvSpPr txBox="1">
+            <a:spLocks noGrp="1"/>
+          </p:cNvSpPr>
           <p:nvPr>
-            <p:ph idx="12" type="sldNum"/>
+            <p:ph type="sldNum" idx="12"/>
           </p:nvPr>
         </p:nvSpPr>
         <p:spPr>
@@ -5772,7 +5931,7 @@
           </a:ln>
         </p:spPr>
         <p:txBody>
-          <a:bodyPr anchorCtr="0" anchor="ctr" bIns="91425" lIns="91425" spcFirstLastPara="1" rIns="91425" wrap="square" tIns="91425">
+          <a:bodyPr spcFirstLastPara="1" wrap="square" lIns="91425" tIns="91425" rIns="91425" bIns="91425" anchor="ctr" anchorCtr="0">
             <a:normAutofit/>
           </a:bodyPr>
           <a:lstStyle>
@@ -5850,7 +6009,7 @@
             </a:lvl9pPr>
           </a:lstStyle>
           <a:p>
-            <a:pPr indent="0" lvl="0" marL="0" rtl="0" algn="r">
+            <a:pPr marL="0" lvl="0" indent="0" algn="r" rtl="0">
               <a:spcBef>
                 <a:spcPts val="0"/>
               </a:spcBef>
@@ -5869,7 +6028,7 @@
       </p:sp>
     </p:spTree>
   </p:cSld>
-  <p:clrMap accent1="accent1" accent2="accent2" accent3="accent3" accent4="accent4" accent5="accent5" accent6="accent6" bg1="lt1" bg2="dk2" tx1="dk1" tx2="lt2" folHlink="folHlink" hlink="hlink"/>
+  <p:clrMap bg1="lt1" tx1="dk1" bg2="dk2" tx2="lt2" accent1="accent1" accent2="accent2" accent3="accent3" accent4="accent4" accent5="accent5" accent6="accent6" hlink="hlink" folHlink="folHlink"/>
   <p:sldLayoutIdLst>
     <p:sldLayoutId id="2147483648" r:id="rId1"/>
     <p:sldLayoutId id="2147483649" r:id="rId2"/>
@@ -5883,10 +6042,10 @@
     <p:sldLayoutId id="2147483657" r:id="rId10"/>
     <p:sldLayoutId id="2147483658" r:id="rId11"/>
   </p:sldLayoutIdLst>
-  <p:hf dt="0" ftr="0" hdr="0" sldNum="0"/>
+  <p:hf sldNum="0" hdr="0" ftr="0" dt="0"/>
   <p:txStyles>
     <p:titleStyle>
-      <a:defPPr lvl="0" marR="0" rtl="0" algn="l">
+      <a:defPPr marR="0" lvl="0" algn="l" rtl="0">
         <a:lnSpc>
           <a:spcPct val="100000"/>
         </a:lnSpc>
@@ -5897,7 +6056,7 @@
           <a:spcPts val="0"/>
         </a:spcAft>
       </a:defPPr>
-      <a:lvl1pPr lvl="0" marR="0" rtl="0" algn="l">
+      <a:lvl1pPr marR="0" lvl="0" algn="l" rtl="0">
         <a:lnSpc>
           <a:spcPct val="100000"/>
         </a:lnSpc>
@@ -5911,7 +6070,7 @@
           <a:srgbClr val="000000"/>
         </a:buClr>
         <a:buFont typeface="Arial"/>
-        <a:defRPr b="0" i="0" sz="1400" u="none" cap="none" strike="noStrike">
+        <a:defRPr sz="1400" b="0" i="0" u="none" strike="noStrike" cap="none">
           <a:solidFill>
             <a:srgbClr val="000000"/>
           </a:solidFill>
@@ -5921,7 +6080,7 @@
           <a:sym typeface="Arial"/>
         </a:defRPr>
       </a:lvl1pPr>
-      <a:lvl2pPr lvl="1" marR="0" rtl="0" algn="l">
+      <a:lvl2pPr marR="0" lvl="1" algn="l" rtl="0">
         <a:lnSpc>
           <a:spcPct val="100000"/>
         </a:lnSpc>
@@ -5935,7 +6094,7 @@
           <a:srgbClr val="000000"/>
         </a:buClr>
         <a:buFont typeface="Arial"/>
-        <a:defRPr b="0" i="0" sz="1400" u="none" cap="none" strike="noStrike">
+        <a:defRPr sz="1400" b="0" i="0" u="none" strike="noStrike" cap="none">
           <a:solidFill>
             <a:srgbClr val="000000"/>
           </a:solidFill>
@@ -5945,7 +6104,7 @@
           <a:sym typeface="Arial"/>
         </a:defRPr>
       </a:lvl2pPr>
-      <a:lvl3pPr lvl="2" marR="0" rtl="0" algn="l">
+      <a:lvl3pPr marR="0" lvl="2" algn="l" rtl="0">
         <a:lnSpc>
           <a:spcPct val="100000"/>
         </a:lnSpc>
@@ -5959,7 +6118,7 @@
           <a:srgbClr val="000000"/>
         </a:buClr>
         <a:buFont typeface="Arial"/>
-        <a:defRPr b="0" i="0" sz="1400" u="none" cap="none" strike="noStrike">
+        <a:defRPr sz="1400" b="0" i="0" u="none" strike="noStrike" cap="none">
           <a:solidFill>
             <a:srgbClr val="000000"/>
           </a:solidFill>
@@ -5969,7 +6128,7 @@
           <a:sym typeface="Arial"/>
         </a:defRPr>
       </a:lvl3pPr>
-      <a:lvl4pPr lvl="3" marR="0" rtl="0" algn="l">
+      <a:lvl4pPr marR="0" lvl="3" algn="l" rtl="0">
         <a:lnSpc>
           <a:spcPct val="100000"/>
         </a:lnSpc>
@@ -5983,7 +6142,7 @@
           <a:srgbClr val="000000"/>
         </a:buClr>
         <a:buFont typeface="Arial"/>
-        <a:defRPr b="0" i="0" sz="1400" u="none" cap="none" strike="noStrike">
+        <a:defRPr sz="1400" b="0" i="0" u="none" strike="noStrike" cap="none">
           <a:solidFill>
             <a:srgbClr val="000000"/>
           </a:solidFill>
@@ -5993,7 +6152,7 @@
           <a:sym typeface="Arial"/>
         </a:defRPr>
       </a:lvl4pPr>
-      <a:lvl5pPr lvl="4" marR="0" rtl="0" algn="l">
+      <a:lvl5pPr marR="0" lvl="4" algn="l" rtl="0">
         <a:lnSpc>
           <a:spcPct val="100000"/>
         </a:lnSpc>
@@ -6007,7 +6166,7 @@
           <a:srgbClr val="000000"/>
         </a:buClr>
         <a:buFont typeface="Arial"/>
-        <a:defRPr b="0" i="0" sz="1400" u="none" cap="none" strike="noStrike">
+        <a:defRPr sz="1400" b="0" i="0" u="none" strike="noStrike" cap="none">
           <a:solidFill>
             <a:srgbClr val="000000"/>
           </a:solidFill>
@@ -6017,7 +6176,7 @@
           <a:sym typeface="Arial"/>
         </a:defRPr>
       </a:lvl5pPr>
-      <a:lvl6pPr lvl="5" marR="0" rtl="0" algn="l">
+      <a:lvl6pPr marR="0" lvl="5" algn="l" rtl="0">
         <a:lnSpc>
           <a:spcPct val="100000"/>
         </a:lnSpc>
@@ -6031,7 +6190,7 @@
           <a:srgbClr val="000000"/>
         </a:buClr>
         <a:buFont typeface="Arial"/>
-        <a:defRPr b="0" i="0" sz="1400" u="none" cap="none" strike="noStrike">
+        <a:defRPr sz="1400" b="0" i="0" u="none" strike="noStrike" cap="none">
           <a:solidFill>
             <a:srgbClr val="000000"/>
           </a:solidFill>
@@ -6041,7 +6200,7 @@
           <a:sym typeface="Arial"/>
         </a:defRPr>
       </a:lvl6pPr>
-      <a:lvl7pPr lvl="6" marR="0" rtl="0" algn="l">
+      <a:lvl7pPr marR="0" lvl="6" algn="l" rtl="0">
         <a:lnSpc>
           <a:spcPct val="100000"/>
         </a:lnSpc>
@@ -6055,7 +6214,7 @@
           <a:srgbClr val="000000"/>
         </a:buClr>
         <a:buFont typeface="Arial"/>
-        <a:defRPr b="0" i="0" sz="1400" u="none" cap="none" strike="noStrike">
+        <a:defRPr sz="1400" b="0" i="0" u="none" strike="noStrike" cap="none">
           <a:solidFill>
             <a:srgbClr val="000000"/>
           </a:solidFill>
@@ -6065,7 +6224,7 @@
           <a:sym typeface="Arial"/>
         </a:defRPr>
       </a:lvl7pPr>
-      <a:lvl8pPr lvl="7" marR="0" rtl="0" algn="l">
+      <a:lvl8pPr marR="0" lvl="7" algn="l" rtl="0">
         <a:lnSpc>
           <a:spcPct val="100000"/>
         </a:lnSpc>
@@ -6079,7 +6238,7 @@
           <a:srgbClr val="000000"/>
         </a:buClr>
         <a:buFont typeface="Arial"/>
-        <a:defRPr b="0" i="0" sz="1400" u="none" cap="none" strike="noStrike">
+        <a:defRPr sz="1400" b="0" i="0" u="none" strike="noStrike" cap="none">
           <a:solidFill>
             <a:srgbClr val="000000"/>
           </a:solidFill>
@@ -6089,7 +6248,7 @@
           <a:sym typeface="Arial"/>
         </a:defRPr>
       </a:lvl8pPr>
-      <a:lvl9pPr lvl="8" marR="0" rtl="0" algn="l">
+      <a:lvl9pPr marR="0" lvl="8" algn="l" rtl="0">
         <a:lnSpc>
           <a:spcPct val="100000"/>
         </a:lnSpc>
@@ -6103,7 +6262,7 @@
           <a:srgbClr val="000000"/>
         </a:buClr>
         <a:buFont typeface="Arial"/>
-        <a:defRPr b="0" i="0" sz="1400" u="none" cap="none" strike="noStrike">
+        <a:defRPr sz="1400" b="0" i="0" u="none" strike="noStrike" cap="none">
           <a:solidFill>
             <a:srgbClr val="000000"/>
           </a:solidFill>
@@ -6115,7 +6274,7 @@
       </a:lvl9pPr>
     </p:titleStyle>
     <p:bodyStyle>
-      <a:defPPr lvl="0" marR="0" rtl="0" algn="l">
+      <a:defPPr marR="0" lvl="0" algn="l" rtl="0">
         <a:lnSpc>
           <a:spcPct val="100000"/>
         </a:lnSpc>
@@ -6126,7 +6285,7 @@
           <a:spcPts val="0"/>
         </a:spcAft>
       </a:defPPr>
-      <a:lvl1pPr lvl="0" marR="0" rtl="0" algn="l">
+      <a:lvl1pPr marR="0" lvl="0" algn="l" rtl="0">
         <a:lnSpc>
           <a:spcPct val="100000"/>
         </a:lnSpc>
@@ -6140,7 +6299,7 @@
           <a:srgbClr val="000000"/>
         </a:buClr>
         <a:buFont typeface="Arial"/>
-        <a:defRPr b="0" i="0" sz="1400" u="none" cap="none" strike="noStrike">
+        <a:defRPr sz="1400" b="0" i="0" u="none" strike="noStrike" cap="none">
           <a:solidFill>
             <a:srgbClr val="000000"/>
           </a:solidFill>
@@ -6150,7 +6309,7 @@
           <a:sym typeface="Arial"/>
         </a:defRPr>
       </a:lvl1pPr>
-      <a:lvl2pPr lvl="1" marR="0" rtl="0" algn="l">
+      <a:lvl2pPr marR="0" lvl="1" algn="l" rtl="0">
         <a:lnSpc>
           <a:spcPct val="100000"/>
         </a:lnSpc>
@@ -6164,7 +6323,7 @@
           <a:srgbClr val="000000"/>
         </a:buClr>
         <a:buFont typeface="Arial"/>
-        <a:defRPr b="0" i="0" sz="1400" u="none" cap="none" strike="noStrike">
+        <a:defRPr sz="1400" b="0" i="0" u="none" strike="noStrike" cap="none">
           <a:solidFill>
             <a:srgbClr val="000000"/>
           </a:solidFill>
@@ -6174,7 +6333,7 @@
           <a:sym typeface="Arial"/>
         </a:defRPr>
       </a:lvl2pPr>
-      <a:lvl3pPr lvl="2" marR="0" rtl="0" algn="l">
+      <a:lvl3pPr marR="0" lvl="2" algn="l" rtl="0">
         <a:lnSpc>
           <a:spcPct val="100000"/>
         </a:lnSpc>
@@ -6188,7 +6347,7 @@
           <a:srgbClr val="000000"/>
         </a:buClr>
         <a:buFont typeface="Arial"/>
-        <a:defRPr b="0" i="0" sz="1400" u="none" cap="none" strike="noStrike">
+        <a:defRPr sz="1400" b="0" i="0" u="none" strike="noStrike" cap="none">
           <a:solidFill>
             <a:srgbClr val="000000"/>
           </a:solidFill>
@@ -6198,7 +6357,7 @@
           <a:sym typeface="Arial"/>
         </a:defRPr>
       </a:lvl3pPr>
-      <a:lvl4pPr lvl="3" marR="0" rtl="0" algn="l">
+      <a:lvl4pPr marR="0" lvl="3" algn="l" rtl="0">
         <a:lnSpc>
           <a:spcPct val="100000"/>
         </a:lnSpc>
@@ -6212,7 +6371,7 @@
           <a:srgbClr val="000000"/>
         </a:buClr>
         <a:buFont typeface="Arial"/>
-        <a:defRPr b="0" i="0" sz="1400" u="none" cap="none" strike="noStrike">
+        <a:defRPr sz="1400" b="0" i="0" u="none" strike="noStrike" cap="none">
           <a:solidFill>
             <a:srgbClr val="000000"/>
           </a:solidFill>
@@ -6222,7 +6381,7 @@
           <a:sym typeface="Arial"/>
         </a:defRPr>
       </a:lvl4pPr>
-      <a:lvl5pPr lvl="4" marR="0" rtl="0" algn="l">
+      <a:lvl5pPr marR="0" lvl="4" algn="l" rtl="0">
         <a:lnSpc>
           <a:spcPct val="100000"/>
         </a:lnSpc>
@@ -6236,7 +6395,7 @@
           <a:srgbClr val="000000"/>
         </a:buClr>
         <a:buFont typeface="Arial"/>
-        <a:defRPr b="0" i="0" sz="1400" u="none" cap="none" strike="noStrike">
+        <a:defRPr sz="1400" b="0" i="0" u="none" strike="noStrike" cap="none">
           <a:solidFill>
             <a:srgbClr val="000000"/>
           </a:solidFill>
@@ -6246,7 +6405,7 @@
           <a:sym typeface="Arial"/>
         </a:defRPr>
       </a:lvl5pPr>
-      <a:lvl6pPr lvl="5" marR="0" rtl="0" algn="l">
+      <a:lvl6pPr marR="0" lvl="5" algn="l" rtl="0">
         <a:lnSpc>
           <a:spcPct val="100000"/>
         </a:lnSpc>
@@ -6260,7 +6419,7 @@
           <a:srgbClr val="000000"/>
         </a:buClr>
         <a:buFont typeface="Arial"/>
-        <a:defRPr b="0" i="0" sz="1400" u="none" cap="none" strike="noStrike">
+        <a:defRPr sz="1400" b="0" i="0" u="none" strike="noStrike" cap="none">
           <a:solidFill>
             <a:srgbClr val="000000"/>
           </a:solidFill>
@@ -6270,7 +6429,7 @@
           <a:sym typeface="Arial"/>
         </a:defRPr>
       </a:lvl6pPr>
-      <a:lvl7pPr lvl="6" marR="0" rtl="0" algn="l">
+      <a:lvl7pPr marR="0" lvl="6" algn="l" rtl="0">
         <a:lnSpc>
           <a:spcPct val="100000"/>
         </a:lnSpc>
@@ -6284,7 +6443,7 @@
           <a:srgbClr val="000000"/>
         </a:buClr>
         <a:buFont typeface="Arial"/>
-        <a:defRPr b="0" i="0" sz="1400" u="none" cap="none" strike="noStrike">
+        <a:defRPr sz="1400" b="0" i="0" u="none" strike="noStrike" cap="none">
           <a:solidFill>
             <a:srgbClr val="000000"/>
           </a:solidFill>
@@ -6294,7 +6453,7 @@
           <a:sym typeface="Arial"/>
         </a:defRPr>
       </a:lvl7pPr>
-      <a:lvl8pPr lvl="7" marR="0" rtl="0" algn="l">
+      <a:lvl8pPr marR="0" lvl="7" algn="l" rtl="0">
         <a:lnSpc>
           <a:spcPct val="100000"/>
         </a:lnSpc>
@@ -6308,7 +6467,7 @@
           <a:srgbClr val="000000"/>
         </a:buClr>
         <a:buFont typeface="Arial"/>
-        <a:defRPr b="0" i="0" sz="1400" u="none" cap="none" strike="noStrike">
+        <a:defRPr sz="1400" b="0" i="0" u="none" strike="noStrike" cap="none">
           <a:solidFill>
             <a:srgbClr val="000000"/>
           </a:solidFill>
@@ -6318,7 +6477,7 @@
           <a:sym typeface="Arial"/>
         </a:defRPr>
       </a:lvl8pPr>
-      <a:lvl9pPr lvl="8" marR="0" rtl="0" algn="l">
+      <a:lvl9pPr marR="0" lvl="8" algn="l" rtl="0">
         <a:lnSpc>
           <a:spcPct val="100000"/>
         </a:lnSpc>
@@ -6332,7 +6491,7 @@
           <a:srgbClr val="000000"/>
         </a:buClr>
         <a:buFont typeface="Arial"/>
-        <a:defRPr b="0" i="0" sz="1400" u="none" cap="none" strike="noStrike">
+        <a:defRPr sz="1400" b="0" i="0" u="none" strike="noStrike" cap="none">
           <a:solidFill>
             <a:srgbClr val="000000"/>
           </a:solidFill>
@@ -6344,7 +6503,7 @@
       </a:lvl9pPr>
     </p:bodyStyle>
     <p:otherStyle>
-      <a:defPPr lvl="0" marR="0" rtl="0" algn="l">
+      <a:defPPr marR="0" lvl="0" algn="l" rtl="0">
         <a:lnSpc>
           <a:spcPct val="100000"/>
         </a:lnSpc>
@@ -6355,7 +6514,7 @@
           <a:spcPts val="0"/>
         </a:spcAft>
       </a:defPPr>
-      <a:lvl1pPr lvl="0" marR="0" rtl="0" algn="l">
+      <a:lvl1pPr marR="0" lvl="0" algn="l" rtl="0">
         <a:lnSpc>
           <a:spcPct val="100000"/>
         </a:lnSpc>
@@ -6369,7 +6528,7 @@
           <a:srgbClr val="000000"/>
         </a:buClr>
         <a:buFont typeface="Arial"/>
-        <a:defRPr b="0" i="0" sz="1400" u="none" cap="none" strike="noStrike">
+        <a:defRPr sz="1400" b="0" i="0" u="none" strike="noStrike" cap="none">
           <a:solidFill>
             <a:srgbClr val="000000"/>
           </a:solidFill>
@@ -6379,7 +6538,7 @@
           <a:sym typeface="Arial"/>
         </a:defRPr>
       </a:lvl1pPr>
-      <a:lvl2pPr lvl="1" marR="0" rtl="0" algn="l">
+      <a:lvl2pPr marR="0" lvl="1" algn="l" rtl="0">
         <a:lnSpc>
           <a:spcPct val="100000"/>
         </a:lnSpc>
@@ -6393,7 +6552,7 @@
           <a:srgbClr val="000000"/>
         </a:buClr>
         <a:buFont typeface="Arial"/>
-        <a:defRPr b="0" i="0" sz="1400" u="none" cap="none" strike="noStrike">
+        <a:defRPr sz="1400" b="0" i="0" u="none" strike="noStrike" cap="none">
           <a:solidFill>
             <a:srgbClr val="000000"/>
           </a:solidFill>
@@ -6403,7 +6562,7 @@
           <a:sym typeface="Arial"/>
         </a:defRPr>
       </a:lvl2pPr>
-      <a:lvl3pPr lvl="2" marR="0" rtl="0" algn="l">
+      <a:lvl3pPr marR="0" lvl="2" algn="l" rtl="0">
         <a:lnSpc>
           <a:spcPct val="100000"/>
         </a:lnSpc>
@@ -6417,7 +6576,7 @@
           <a:srgbClr val="000000"/>
         </a:buClr>
         <a:buFont typeface="Arial"/>
-        <a:defRPr b="0" i="0" sz="1400" u="none" cap="none" strike="noStrike">
+        <a:defRPr sz="1400" b="0" i="0" u="none" strike="noStrike" cap="none">
           <a:solidFill>
             <a:srgbClr val="000000"/>
           </a:solidFill>
@@ -6427,7 +6586,7 @@
           <a:sym typeface="Arial"/>
         </a:defRPr>
       </a:lvl3pPr>
-      <a:lvl4pPr lvl="3" marR="0" rtl="0" algn="l">
+      <a:lvl4pPr marR="0" lvl="3" algn="l" rtl="0">
         <a:lnSpc>
           <a:spcPct val="100000"/>
         </a:lnSpc>
@@ -6441,7 +6600,7 @@
           <a:srgbClr val="000000"/>
         </a:buClr>
         <a:buFont typeface="Arial"/>
-        <a:defRPr b="0" i="0" sz="1400" u="none" cap="none" strike="noStrike">
+        <a:defRPr sz="1400" b="0" i="0" u="none" strike="noStrike" cap="none">
           <a:solidFill>
             <a:srgbClr val="000000"/>
           </a:solidFill>
@@ -6451,7 +6610,7 @@
           <a:sym typeface="Arial"/>
         </a:defRPr>
       </a:lvl4pPr>
-      <a:lvl5pPr lvl="4" marR="0" rtl="0" algn="l">
+      <a:lvl5pPr marR="0" lvl="4" algn="l" rtl="0">
         <a:lnSpc>
           <a:spcPct val="100000"/>
         </a:lnSpc>
@@ -6465,7 +6624,7 @@
           <a:srgbClr val="000000"/>
         </a:buClr>
         <a:buFont typeface="Arial"/>
-        <a:defRPr b="0" i="0" sz="1400" u="none" cap="none" strike="noStrike">
+        <a:defRPr sz="1400" b="0" i="0" u="none" strike="noStrike" cap="none">
           <a:solidFill>
             <a:srgbClr val="000000"/>
           </a:solidFill>
@@ -6475,7 +6634,7 @@
           <a:sym typeface="Arial"/>
         </a:defRPr>
       </a:lvl5pPr>
-      <a:lvl6pPr lvl="5" marR="0" rtl="0" algn="l">
+      <a:lvl6pPr marR="0" lvl="5" algn="l" rtl="0">
         <a:lnSpc>
           <a:spcPct val="100000"/>
         </a:lnSpc>
@@ -6489,7 +6648,7 @@
           <a:srgbClr val="000000"/>
         </a:buClr>
         <a:buFont typeface="Arial"/>
-        <a:defRPr b="0" i="0" sz="1400" u="none" cap="none" strike="noStrike">
+        <a:defRPr sz="1400" b="0" i="0" u="none" strike="noStrike" cap="none">
           <a:solidFill>
             <a:srgbClr val="000000"/>
           </a:solidFill>
@@ -6499,7 +6658,7 @@
           <a:sym typeface="Arial"/>
         </a:defRPr>
       </a:lvl6pPr>
-      <a:lvl7pPr lvl="6" marR="0" rtl="0" algn="l">
+      <a:lvl7pPr marR="0" lvl="6" algn="l" rtl="0">
         <a:lnSpc>
           <a:spcPct val="100000"/>
         </a:lnSpc>
@@ -6513,7 +6672,7 @@
           <a:srgbClr val="000000"/>
         </a:buClr>
         <a:buFont typeface="Arial"/>
-        <a:defRPr b="0" i="0" sz="1400" u="none" cap="none" strike="noStrike">
+        <a:defRPr sz="1400" b="0" i="0" u="none" strike="noStrike" cap="none">
           <a:solidFill>
             <a:srgbClr val="000000"/>
           </a:solidFill>
@@ -6523,7 +6682,7 @@
           <a:sym typeface="Arial"/>
         </a:defRPr>
       </a:lvl7pPr>
-      <a:lvl8pPr lvl="7" marR="0" rtl="0" algn="l">
+      <a:lvl8pPr marR="0" lvl="7" algn="l" rtl="0">
         <a:lnSpc>
           <a:spcPct val="100000"/>
         </a:lnSpc>
@@ -6537,7 +6696,7 @@
           <a:srgbClr val="000000"/>
         </a:buClr>
         <a:buFont typeface="Arial"/>
-        <a:defRPr b="0" i="0" sz="1400" u="none" cap="none" strike="noStrike">
+        <a:defRPr sz="1400" b="0" i="0" u="none" strike="noStrike" cap="none">
           <a:solidFill>
             <a:srgbClr val="000000"/>
           </a:solidFill>
@@ -6547,7 +6706,7 @@
           <a:sym typeface="Arial"/>
         </a:defRPr>
       </a:lvl8pPr>
-      <a:lvl9pPr lvl="8" marR="0" rtl="0" algn="l">
+      <a:lvl9pPr marR="0" lvl="8" algn="l" rtl="0">
         <a:lnSpc>
           <a:spcPct val="100000"/>
         </a:lnSpc>
@@ -6561,7 +6720,7 @@
           <a:srgbClr val="000000"/>
         </a:buClr>
         <a:buFont typeface="Arial"/>
-        <a:defRPr b="0" i="0" sz="1400" u="none" cap="none" strike="noStrike">
+        <a:defRPr sz="1400" b="0" i="0" u="none" strike="noStrike" cap="none">
           <a:solidFill>
             <a:srgbClr val="000000"/>
           </a:solidFill>
@@ -6577,11 +6736,11 @@
 </file>
 
 <file path=ppt/slides/slide1.xml><?xml version="1.0" encoding="utf-8"?>
-<p:sld xmlns:a="http://schemas.openxmlformats.org/drawingml/2006/main" xmlns:r="http://schemas.openxmlformats.org/officeDocument/2006/relationships" xmlns:mc="http://schemas.openxmlformats.org/markup-compatibility/2006" xmlns:mv="urn:schemas-microsoft-com:mac:vml" xmlns:p="http://schemas.openxmlformats.org/presentationml/2006/main" xmlns:c="http://schemas.openxmlformats.org/drawingml/2006/chart" xmlns:dgm="http://schemas.openxmlformats.org/drawingml/2006/diagram" xmlns:o="urn:schemas-microsoft-com:office:office" xmlns:v="urn:schemas-microsoft-com:vml" xmlns:pvml="urn:schemas-microsoft-com:office:powerpoint" xmlns:com="http://schemas.openxmlformats.org/drawingml/2006/compatibility" xmlns:p14="http://schemas.microsoft.com/office/powerpoint/2010/main" xmlns:p15="http://schemas.microsoft.com/office/powerpoint/2012/main" xmlns:ahyp="http://schemas.microsoft.com/office/drawing/2018/hyperlinkcolor">
+<p:sld xmlns:a="http://schemas.openxmlformats.org/drawingml/2006/main" xmlns:r="http://schemas.openxmlformats.org/officeDocument/2006/relationships" xmlns:p="http://schemas.openxmlformats.org/presentationml/2006/main">
   <p:cSld>
     <p:spTree>
       <p:nvGrpSpPr>
-        <p:cNvPr id="53" name="Shape 53"/>
+        <p:cNvPr id="1" name="Shape 53"/>
         <p:cNvGrpSpPr/>
         <p:nvPr/>
       </p:nvGrpSpPr>
@@ -6596,7 +6755,9 @@
       <p:sp>
         <p:nvSpPr>
           <p:cNvPr id="54" name="Google Shape;54;p13"/>
-          <p:cNvSpPr txBox="1"/>
+          <p:cNvSpPr txBox="1">
+            <a:spLocks noGrp="1"/>
+          </p:cNvSpPr>
           <p:nvPr>
             <p:ph type="ctrTitle"/>
           </p:nvPr>
@@ -6604,19 +6765,19 @@
         <p:spPr>
           <a:xfrm>
             <a:off x="311708" y="744575"/>
-            <a:ext cx="8520600" cy="2052600"/>
+            <a:ext cx="5448292" cy="2052600"/>
           </a:xfrm>
           <a:prstGeom prst="rect">
             <a:avLst/>
           </a:prstGeom>
         </p:spPr>
         <p:txBody>
-          <a:bodyPr anchorCtr="0" anchor="b" bIns="91425" lIns="91425" spcFirstLastPara="1" rIns="91425" wrap="square" tIns="91425">
+          <a:bodyPr spcFirstLastPara="1" wrap="square" lIns="91425" tIns="91425" rIns="91425" bIns="91425" anchor="b" anchorCtr="0">
             <a:normAutofit/>
           </a:bodyPr>
           <a:lstStyle/>
           <a:p>
-            <a:pPr indent="0" lvl="0" marL="0" rtl="0" algn="ctr">
+            <a:pPr marL="0" lvl="0" indent="0" algn="ctr" rtl="0">
               <a:spcBef>
                 <a:spcPts val="0"/>
               </a:spcBef>
@@ -6626,37 +6787,39 @@
               <a:buNone/>
             </a:pPr>
             <a:r>
-              <a:rPr lang="en"/>
+              <a:rPr lang="en" dirty="0"/>
               <a:t>說故事時間~</a:t>
             </a:r>
-            <a:endParaRPr/>
+            <a:endParaRPr dirty="0"/>
           </a:p>
         </p:txBody>
       </p:sp>
       <p:sp>
         <p:nvSpPr>
           <p:cNvPr id="55" name="Google Shape;55;p13"/>
-          <p:cNvSpPr txBox="1"/>
+          <p:cNvSpPr txBox="1">
+            <a:spLocks noGrp="1"/>
+          </p:cNvSpPr>
           <p:nvPr>
-            <p:ph idx="1" type="subTitle"/>
+            <p:ph type="subTitle" idx="1"/>
           </p:nvPr>
         </p:nvSpPr>
         <p:spPr>
           <a:xfrm>
             <a:off x="311700" y="2834125"/>
-            <a:ext cx="8520600" cy="792600"/>
+            <a:ext cx="4627500" cy="792600"/>
           </a:xfrm>
           <a:prstGeom prst="rect">
             <a:avLst/>
           </a:prstGeom>
         </p:spPr>
         <p:txBody>
-          <a:bodyPr anchorCtr="0" anchor="t" bIns="91425" lIns="91425" spcFirstLastPara="1" rIns="91425" wrap="square" tIns="91425">
+          <a:bodyPr spcFirstLastPara="1" wrap="square" lIns="91425" tIns="91425" rIns="91425" bIns="91425" anchor="t" anchorCtr="0">
             <a:normAutofit/>
           </a:bodyPr>
           <a:lstStyle/>
           <a:p>
-            <a:pPr indent="0" lvl="0" marL="0" rtl="0" algn="ctr">
+            <a:pPr marL="0" lvl="0" indent="0" algn="ctr" rtl="0">
               <a:spcBef>
                 <a:spcPts val="0"/>
               </a:spcBef>
@@ -6666,18 +6829,18 @@
               <a:buNone/>
             </a:pPr>
             <a:r>
-              <a:rPr lang="en"/>
+              <a:rPr lang="en" dirty="0"/>
               <a:t>                       </a:t>
             </a:r>
             <a:r>
-              <a:rPr lang="en">
+              <a:rPr lang="en" dirty="0">
                 <a:solidFill>
                   <a:srgbClr val="CCCCCC"/>
                 </a:solidFill>
               </a:rPr>
               <a:t>—冒險故事</a:t>
             </a:r>
-            <a:endParaRPr>
+            <a:endParaRPr dirty="0">
               <a:solidFill>
                 <a:srgbClr val="CCCCCC"/>
               </a:solidFill>
@@ -6694,11 +6857,11 @@
 </file>
 
 <file path=ppt/slides/slide2.xml><?xml version="1.0" encoding="utf-8"?>
-<p:sld xmlns:a="http://schemas.openxmlformats.org/drawingml/2006/main" xmlns:r="http://schemas.openxmlformats.org/officeDocument/2006/relationships" xmlns:mc="http://schemas.openxmlformats.org/markup-compatibility/2006" xmlns:mv="urn:schemas-microsoft-com:mac:vml" xmlns:p="http://schemas.openxmlformats.org/presentationml/2006/main" xmlns:c="http://schemas.openxmlformats.org/drawingml/2006/chart" xmlns:dgm="http://schemas.openxmlformats.org/drawingml/2006/diagram" xmlns:o="urn:schemas-microsoft-com:office:office" xmlns:v="urn:schemas-microsoft-com:vml" xmlns:pvml="urn:schemas-microsoft-com:office:powerpoint" xmlns:com="http://schemas.openxmlformats.org/drawingml/2006/compatibility" xmlns:p14="http://schemas.microsoft.com/office/powerpoint/2010/main" xmlns:p15="http://schemas.microsoft.com/office/powerpoint/2012/main" xmlns:ahyp="http://schemas.microsoft.com/office/drawing/2018/hyperlinkcolor">
+<p:sld xmlns:a="http://schemas.openxmlformats.org/drawingml/2006/main" xmlns:r="http://schemas.openxmlformats.org/officeDocument/2006/relationships" xmlns:p="http://schemas.openxmlformats.org/presentationml/2006/main">
   <p:cSld>
     <p:spTree>
       <p:nvGrpSpPr>
-        <p:cNvPr id="59" name="Shape 59"/>
+        <p:cNvPr id="1" name="Shape 59"/>
         <p:cNvGrpSpPr/>
         <p:nvPr/>
       </p:nvGrpSpPr>
@@ -6713,7 +6876,9 @@
       <p:sp>
         <p:nvSpPr>
           <p:cNvPr id="60" name="Google Shape;60;p14"/>
-          <p:cNvSpPr txBox="1"/>
+          <p:cNvSpPr txBox="1">
+            <a:spLocks noGrp="1"/>
+          </p:cNvSpPr>
           <p:nvPr>
             <p:ph type="title"/>
           </p:nvPr>
@@ -6728,12 +6893,12 @@
           </a:prstGeom>
         </p:spPr>
         <p:txBody>
-          <a:bodyPr anchorCtr="0" anchor="t" bIns="91425" lIns="91425" spcFirstLastPara="1" rIns="91425" wrap="square" tIns="91425">
+          <a:bodyPr spcFirstLastPara="1" wrap="square" lIns="91425" tIns="91425" rIns="91425" bIns="91425" anchor="t" anchorCtr="0">
             <a:normAutofit fontScale="90000"/>
           </a:bodyPr>
           <a:lstStyle/>
           <a:p>
-            <a:pPr indent="0" lvl="0" marL="0" rtl="0" algn="l">
+            <a:pPr marL="0" lvl="0" indent="0" algn="l" rtl="0">
               <a:spcBef>
                 <a:spcPts val="0"/>
               </a:spcBef>
@@ -6753,9 +6918,11 @@
       <p:sp>
         <p:nvSpPr>
           <p:cNvPr id="61" name="Google Shape;61;p14"/>
-          <p:cNvSpPr txBox="1"/>
+          <p:cNvSpPr txBox="1">
+            <a:spLocks noGrp="1"/>
+          </p:cNvSpPr>
           <p:nvPr>
-            <p:ph idx="1" type="body"/>
+            <p:ph type="body" idx="1"/>
           </p:nvPr>
         </p:nvSpPr>
         <p:spPr>
@@ -6768,12 +6935,12 @@
           </a:prstGeom>
         </p:spPr>
         <p:txBody>
-          <a:bodyPr anchorCtr="0" anchor="t" bIns="91425" lIns="91425" spcFirstLastPara="1" rIns="91425" wrap="square" tIns="91425">
+          <a:bodyPr spcFirstLastPara="1" wrap="square" lIns="91425" tIns="91425" rIns="91425" bIns="91425" anchor="t" anchorCtr="0">
             <a:normAutofit/>
           </a:bodyPr>
           <a:lstStyle/>
           <a:p>
-            <a:pPr indent="0" lvl="0" marL="0" rtl="0" algn="l">
+            <a:pPr marL="0" lvl="0" indent="0" algn="l" rtl="0">
               <a:spcBef>
                 <a:spcPts val="0"/>
               </a:spcBef>
@@ -6782,9 +6949,6 @@
               </a:spcAft>
               <a:buNone/>
             </a:pPr>
-            <a:r>
-              <a:t/>
-            </a:r>
             <a:endParaRPr/>
           </a:p>
         </p:txBody>
@@ -6799,13 +6963,13 @@
           <a:blip r:embed="rId3">
             <a:alphaModFix/>
           </a:blip>
-          <a:srcRect b="0" l="0" r="0" t="0"/>
+          <a:srcRect/>
           <a:stretch/>
         </p:blipFill>
         <p:spPr>
           <a:xfrm>
-            <a:off x="584875" y="1057200"/>
-            <a:ext cx="3606950" cy="3606950"/>
+            <a:off x="584874" y="1057200"/>
+            <a:ext cx="3987125" cy="3606950"/>
           </a:xfrm>
           <a:prstGeom prst="rect">
             <a:avLst/>
@@ -6821,15 +6985,18 @@
   <p:clrMapOvr>
     <a:masterClrMapping/>
   </p:clrMapOvr>
+  <p:transition spd="slow">
+    <p:wipe/>
+  </p:transition>
 </p:sld>
 </file>
 
 <file path=ppt/slides/slide3.xml><?xml version="1.0" encoding="utf-8"?>
-<p:sld xmlns:a="http://schemas.openxmlformats.org/drawingml/2006/main" xmlns:r="http://schemas.openxmlformats.org/officeDocument/2006/relationships" xmlns:mc="http://schemas.openxmlformats.org/markup-compatibility/2006" xmlns:mv="urn:schemas-microsoft-com:mac:vml" xmlns:p="http://schemas.openxmlformats.org/presentationml/2006/main" xmlns:c="http://schemas.openxmlformats.org/drawingml/2006/chart" xmlns:dgm="http://schemas.openxmlformats.org/drawingml/2006/diagram" xmlns:o="urn:schemas-microsoft-com:office:office" xmlns:v="urn:schemas-microsoft-com:vml" xmlns:pvml="urn:schemas-microsoft-com:office:powerpoint" xmlns:com="http://schemas.openxmlformats.org/drawingml/2006/compatibility" xmlns:p14="http://schemas.microsoft.com/office/powerpoint/2010/main" xmlns:p15="http://schemas.microsoft.com/office/powerpoint/2012/main" xmlns:ahyp="http://schemas.microsoft.com/office/drawing/2018/hyperlinkcolor">
+<p:sld xmlns:a="http://schemas.openxmlformats.org/drawingml/2006/main" xmlns:r="http://schemas.openxmlformats.org/officeDocument/2006/relationships" xmlns:p="http://schemas.openxmlformats.org/presentationml/2006/main">
   <p:cSld>
     <p:spTree>
       <p:nvGrpSpPr>
-        <p:cNvPr id="66" name="Shape 66"/>
+        <p:cNvPr id="1" name="Shape 66"/>
         <p:cNvGrpSpPr/>
         <p:nvPr/>
       </p:nvGrpSpPr>
@@ -6844,7 +7011,9 @@
       <p:sp>
         <p:nvSpPr>
           <p:cNvPr id="67" name="Google Shape;67;p15"/>
-          <p:cNvSpPr txBox="1"/>
+          <p:cNvSpPr txBox="1">
+            <a:spLocks noGrp="1"/>
+          </p:cNvSpPr>
           <p:nvPr>
             <p:ph type="title"/>
           </p:nvPr>
@@ -6859,12 +7028,12 @@
           </a:prstGeom>
         </p:spPr>
         <p:txBody>
-          <a:bodyPr anchorCtr="0" anchor="t" bIns="91425" lIns="91425" spcFirstLastPara="1" rIns="91425" wrap="square" tIns="91425">
+          <a:bodyPr spcFirstLastPara="1" wrap="square" lIns="91425" tIns="91425" rIns="91425" bIns="91425" anchor="t" anchorCtr="0">
             <a:normAutofit fontScale="90000"/>
           </a:bodyPr>
           <a:lstStyle/>
           <a:p>
-            <a:pPr indent="0" lvl="0" marL="0" rtl="0" algn="l">
+            <a:pPr marL="0" lvl="0" indent="0" algn="l" rtl="0">
               <a:spcBef>
                 <a:spcPts val="0"/>
               </a:spcBef>
@@ -6884,9 +7053,11 @@
       <p:sp>
         <p:nvSpPr>
           <p:cNvPr id="68" name="Google Shape;68;p15"/>
-          <p:cNvSpPr txBox="1"/>
+          <p:cNvSpPr txBox="1">
+            <a:spLocks noGrp="1"/>
+          </p:cNvSpPr>
           <p:nvPr>
-            <p:ph idx="1" type="body"/>
+            <p:ph type="body" idx="1"/>
           </p:nvPr>
         </p:nvSpPr>
         <p:spPr>
@@ -6899,12 +7070,12 @@
           </a:prstGeom>
         </p:spPr>
         <p:txBody>
-          <a:bodyPr anchorCtr="0" anchor="t" bIns="91425" lIns="91425" spcFirstLastPara="1" rIns="91425" wrap="square" tIns="91425">
+          <a:bodyPr spcFirstLastPara="1" wrap="square" lIns="91425" tIns="91425" rIns="91425" bIns="91425" anchor="t" anchorCtr="0">
             <a:normAutofit/>
           </a:bodyPr>
           <a:lstStyle/>
           <a:p>
-            <a:pPr indent="0" lvl="0" marL="0" rtl="0" algn="l">
+            <a:pPr marL="0" lvl="0" indent="0" algn="l" rtl="0">
               <a:spcBef>
                 <a:spcPts val="0"/>
               </a:spcBef>
@@ -6913,9 +7084,6 @@
               </a:spcAft>
               <a:buNone/>
             </a:pPr>
-            <a:r>
-              <a:t/>
-            </a:r>
             <a:endParaRPr/>
           </a:p>
         </p:txBody>
@@ -6930,13 +7098,13 @@
           <a:blip r:embed="rId3">
             <a:alphaModFix/>
           </a:blip>
-          <a:srcRect b="2426" l="0" r="0" t="2435"/>
+          <a:srcRect t="2435" b="2426"/>
           <a:stretch/>
         </p:blipFill>
         <p:spPr>
           <a:xfrm>
             <a:off x="583175" y="1058625"/>
-            <a:ext cx="3788349" cy="3604101"/>
+            <a:ext cx="3988825" cy="3604101"/>
           </a:xfrm>
           <a:prstGeom prst="rect">
             <a:avLst/>
@@ -6952,15 +7120,18 @@
   <p:clrMapOvr>
     <a:masterClrMapping/>
   </p:clrMapOvr>
+  <p:transition spd="slow">
+    <p:cover/>
+  </p:transition>
 </p:sld>
 </file>
 
 <file path=ppt/slides/slide4.xml><?xml version="1.0" encoding="utf-8"?>
-<p:sld xmlns:a="http://schemas.openxmlformats.org/drawingml/2006/main" xmlns:r="http://schemas.openxmlformats.org/officeDocument/2006/relationships" xmlns:mc="http://schemas.openxmlformats.org/markup-compatibility/2006" xmlns:mv="urn:schemas-microsoft-com:mac:vml" xmlns:p="http://schemas.openxmlformats.org/presentationml/2006/main" xmlns:c="http://schemas.openxmlformats.org/drawingml/2006/chart" xmlns:dgm="http://schemas.openxmlformats.org/drawingml/2006/diagram" xmlns:o="urn:schemas-microsoft-com:office:office" xmlns:v="urn:schemas-microsoft-com:vml" xmlns:pvml="urn:schemas-microsoft-com:office:powerpoint" xmlns:com="http://schemas.openxmlformats.org/drawingml/2006/compatibility" xmlns:p14="http://schemas.microsoft.com/office/powerpoint/2010/main" xmlns:p15="http://schemas.microsoft.com/office/powerpoint/2012/main" xmlns:ahyp="http://schemas.microsoft.com/office/drawing/2018/hyperlinkcolor">
+<p:sld xmlns:a="http://schemas.openxmlformats.org/drawingml/2006/main" xmlns:r="http://schemas.openxmlformats.org/officeDocument/2006/relationships" xmlns:p="http://schemas.openxmlformats.org/presentationml/2006/main">
   <p:cSld>
     <p:spTree>
       <p:nvGrpSpPr>
-        <p:cNvPr id="73" name="Shape 73"/>
+        <p:cNvPr id="1" name="Shape 73"/>
         <p:cNvGrpSpPr/>
         <p:nvPr/>
       </p:nvGrpSpPr>
@@ -6975,7 +7146,9 @@
       <p:sp>
         <p:nvSpPr>
           <p:cNvPr id="74" name="Google Shape;74;p16"/>
-          <p:cNvSpPr txBox="1"/>
+          <p:cNvSpPr txBox="1">
+            <a:spLocks noGrp="1"/>
+          </p:cNvSpPr>
           <p:nvPr>
             <p:ph type="title"/>
           </p:nvPr>
@@ -6990,12 +7163,12 @@
           </a:prstGeom>
         </p:spPr>
         <p:txBody>
-          <a:bodyPr anchorCtr="0" anchor="t" bIns="91425" lIns="91425" spcFirstLastPara="1" rIns="91425" wrap="square" tIns="91425">
+          <a:bodyPr spcFirstLastPara="1" wrap="square" lIns="91425" tIns="91425" rIns="91425" bIns="91425" anchor="t" anchorCtr="0">
             <a:normAutofit fontScale="90000"/>
           </a:bodyPr>
           <a:lstStyle/>
           <a:p>
-            <a:pPr indent="0" lvl="0" marL="0" rtl="0" algn="l">
+            <a:pPr marL="0" lvl="0" indent="0" algn="l" rtl="0">
               <a:spcBef>
                 <a:spcPts val="0"/>
               </a:spcBef>
@@ -7015,9 +7188,11 @@
       <p:sp>
         <p:nvSpPr>
           <p:cNvPr id="75" name="Google Shape;75;p16"/>
-          <p:cNvSpPr txBox="1"/>
+          <p:cNvSpPr txBox="1">
+            <a:spLocks noGrp="1"/>
+          </p:cNvSpPr>
           <p:nvPr>
-            <p:ph idx="1" type="body"/>
+            <p:ph type="body" idx="1"/>
           </p:nvPr>
         </p:nvSpPr>
         <p:spPr>
@@ -7030,12 +7205,12 @@
           </a:prstGeom>
         </p:spPr>
         <p:txBody>
-          <a:bodyPr anchorCtr="0" anchor="t" bIns="91425" lIns="91425" spcFirstLastPara="1" rIns="91425" wrap="square" tIns="91425">
+          <a:bodyPr spcFirstLastPara="1" wrap="square" lIns="91425" tIns="91425" rIns="91425" bIns="91425" anchor="t" anchorCtr="0">
             <a:normAutofit/>
           </a:bodyPr>
           <a:lstStyle/>
           <a:p>
-            <a:pPr indent="0" lvl="0" marL="0" rtl="0" algn="l">
+            <a:pPr marL="0" lvl="0" indent="0" algn="l" rtl="0">
               <a:spcBef>
                 <a:spcPts val="0"/>
               </a:spcBef>
@@ -7044,9 +7219,6 @@
               </a:spcAft>
               <a:buNone/>
             </a:pPr>
-            <a:r>
-              <a:t/>
-            </a:r>
             <a:endParaRPr/>
           </a:p>
         </p:txBody>
@@ -7061,13 +7233,13 @@
           <a:blip r:embed="rId3">
             <a:alphaModFix/>
           </a:blip>
-          <a:srcRect b="0" l="0" r="0" t="0"/>
+          <a:srcRect/>
           <a:stretch/>
         </p:blipFill>
         <p:spPr>
           <a:xfrm>
             <a:off x="583175" y="1058625"/>
-            <a:ext cx="3604101" cy="3604101"/>
+            <a:ext cx="3988825" cy="3604101"/>
           </a:xfrm>
           <a:prstGeom prst="rect">
             <a:avLst/>
@@ -7083,15 +7255,27 @@
   <p:clrMapOvr>
     <a:masterClrMapping/>
   </p:clrMapOvr>
+  <mc:AlternateContent xmlns:mc="http://schemas.openxmlformats.org/markup-compatibility/2006">
+    <mc:Choice xmlns:p15="http://schemas.microsoft.com/office/powerpoint/2012/main" Requires="p15">
+      <p:transition xmlns:p14="http://schemas.microsoft.com/office/powerpoint/2010/main" spd="slow" p14:dur="1250">
+        <p15:prstTrans prst="peelOff"/>
+      </p:transition>
+    </mc:Choice>
+    <mc:Fallback>
+      <p:transition spd="slow">
+        <p:fade/>
+      </p:transition>
+    </mc:Fallback>
+  </mc:AlternateContent>
 </p:sld>
 </file>
 
 <file path=ppt/slides/slide5.xml><?xml version="1.0" encoding="utf-8"?>
-<p:sld xmlns:a="http://schemas.openxmlformats.org/drawingml/2006/main" xmlns:r="http://schemas.openxmlformats.org/officeDocument/2006/relationships" xmlns:mc="http://schemas.openxmlformats.org/markup-compatibility/2006" xmlns:mv="urn:schemas-microsoft-com:mac:vml" xmlns:p="http://schemas.openxmlformats.org/presentationml/2006/main" xmlns:c="http://schemas.openxmlformats.org/drawingml/2006/chart" xmlns:dgm="http://schemas.openxmlformats.org/drawingml/2006/diagram" xmlns:o="urn:schemas-microsoft-com:office:office" xmlns:v="urn:schemas-microsoft-com:vml" xmlns:pvml="urn:schemas-microsoft-com:office:powerpoint" xmlns:com="http://schemas.openxmlformats.org/drawingml/2006/compatibility" xmlns:p14="http://schemas.microsoft.com/office/powerpoint/2010/main" xmlns:p15="http://schemas.microsoft.com/office/powerpoint/2012/main" xmlns:ahyp="http://schemas.microsoft.com/office/drawing/2018/hyperlinkcolor">
+<p:sld xmlns:a="http://schemas.openxmlformats.org/drawingml/2006/main" xmlns:r="http://schemas.openxmlformats.org/officeDocument/2006/relationships" xmlns:p="http://schemas.openxmlformats.org/presentationml/2006/main">
   <p:cSld>
     <p:spTree>
       <p:nvGrpSpPr>
-        <p:cNvPr id="80" name="Shape 80"/>
+        <p:cNvPr id="1" name="Shape 80"/>
         <p:cNvGrpSpPr/>
         <p:nvPr/>
       </p:nvGrpSpPr>
@@ -7106,7 +7290,9 @@
       <p:sp>
         <p:nvSpPr>
           <p:cNvPr id="81" name="Google Shape;81;p17"/>
-          <p:cNvSpPr txBox="1"/>
+          <p:cNvSpPr txBox="1">
+            <a:spLocks noGrp="1"/>
+          </p:cNvSpPr>
           <p:nvPr>
             <p:ph type="title"/>
           </p:nvPr>
@@ -7121,12 +7307,12 @@
           </a:prstGeom>
         </p:spPr>
         <p:txBody>
-          <a:bodyPr anchorCtr="0" anchor="t" bIns="91425" lIns="91425" spcFirstLastPara="1" rIns="91425" wrap="square" tIns="91425">
+          <a:bodyPr spcFirstLastPara="1" wrap="square" lIns="91425" tIns="91425" rIns="91425" bIns="91425" anchor="t" anchorCtr="0">
             <a:normAutofit fontScale="90000"/>
           </a:bodyPr>
           <a:lstStyle/>
           <a:p>
-            <a:pPr indent="0" lvl="0" marL="0" rtl="0" algn="l">
+            <a:pPr marL="0" lvl="0" indent="0" algn="l" rtl="0">
               <a:spcBef>
                 <a:spcPts val="0"/>
               </a:spcBef>
@@ -7146,9 +7332,11 @@
       <p:sp>
         <p:nvSpPr>
           <p:cNvPr id="82" name="Google Shape;82;p17"/>
-          <p:cNvSpPr txBox="1"/>
+          <p:cNvSpPr txBox="1">
+            <a:spLocks noGrp="1"/>
+          </p:cNvSpPr>
           <p:nvPr>
-            <p:ph idx="1" type="body"/>
+            <p:ph type="body" idx="1"/>
           </p:nvPr>
         </p:nvSpPr>
         <p:spPr>
@@ -7161,12 +7349,12 @@
           </a:prstGeom>
         </p:spPr>
         <p:txBody>
-          <a:bodyPr anchorCtr="0" anchor="t" bIns="91425" lIns="91425" spcFirstLastPara="1" rIns="91425" wrap="square" tIns="91425">
+          <a:bodyPr spcFirstLastPara="1" wrap="square" lIns="91425" tIns="91425" rIns="91425" bIns="91425" anchor="t" anchorCtr="0">
             <a:normAutofit/>
           </a:bodyPr>
           <a:lstStyle/>
           <a:p>
-            <a:pPr indent="0" lvl="0" marL="0" rtl="0" algn="l">
+            <a:pPr marL="0" lvl="0" indent="0" algn="l" rtl="0">
               <a:spcBef>
                 <a:spcPts val="0"/>
               </a:spcBef>
@@ -7175,9 +7363,6 @@
               </a:spcAft>
               <a:buNone/>
             </a:pPr>
-            <a:r>
-              <a:t/>
-            </a:r>
             <a:endParaRPr/>
           </a:p>
         </p:txBody>
@@ -7192,13 +7377,13 @@
           <a:blip r:embed="rId3">
             <a:alphaModFix/>
           </a:blip>
-          <a:srcRect b="0" l="0" r="0" t="0"/>
+          <a:srcRect/>
           <a:stretch/>
         </p:blipFill>
         <p:spPr>
           <a:xfrm>
             <a:off x="583175" y="1058625"/>
-            <a:ext cx="3604101" cy="3604101"/>
+            <a:ext cx="3988825" cy="3604101"/>
           </a:xfrm>
           <a:prstGeom prst="rect">
             <a:avLst/>
@@ -7214,15 +7399,27 @@
   <p:clrMapOvr>
     <a:masterClrMapping/>
   </p:clrMapOvr>
+  <mc:AlternateContent xmlns:mc="http://schemas.openxmlformats.org/markup-compatibility/2006">
+    <mc:Choice xmlns:p15="http://schemas.microsoft.com/office/powerpoint/2012/main" Requires="p15">
+      <p:transition xmlns:p14="http://schemas.microsoft.com/office/powerpoint/2010/main" spd="slow" p14:dur="3000">
+        <p15:prstTrans prst="curtains"/>
+      </p:transition>
+    </mc:Choice>
+    <mc:Fallback>
+      <p:transition spd="slow">
+        <p:fade/>
+      </p:transition>
+    </mc:Fallback>
+  </mc:AlternateContent>
 </p:sld>
 </file>
 
 <file path=ppt/slides/slide6.xml><?xml version="1.0" encoding="utf-8"?>
-<p:sld xmlns:a="http://schemas.openxmlformats.org/drawingml/2006/main" xmlns:r="http://schemas.openxmlformats.org/officeDocument/2006/relationships" xmlns:mc="http://schemas.openxmlformats.org/markup-compatibility/2006" xmlns:mv="urn:schemas-microsoft-com:mac:vml" xmlns:p="http://schemas.openxmlformats.org/presentationml/2006/main" xmlns:c="http://schemas.openxmlformats.org/drawingml/2006/chart" xmlns:dgm="http://schemas.openxmlformats.org/drawingml/2006/diagram" xmlns:o="urn:schemas-microsoft-com:office:office" xmlns:v="urn:schemas-microsoft-com:vml" xmlns:pvml="urn:schemas-microsoft-com:office:powerpoint" xmlns:com="http://schemas.openxmlformats.org/drawingml/2006/compatibility" xmlns:p14="http://schemas.microsoft.com/office/powerpoint/2010/main" xmlns:p15="http://schemas.microsoft.com/office/powerpoint/2012/main" xmlns:ahyp="http://schemas.microsoft.com/office/drawing/2018/hyperlinkcolor">
+<p:sld xmlns:a="http://schemas.openxmlformats.org/drawingml/2006/main" xmlns:r="http://schemas.openxmlformats.org/officeDocument/2006/relationships" xmlns:p="http://schemas.openxmlformats.org/presentationml/2006/main">
   <p:cSld>
     <p:spTree>
       <p:nvGrpSpPr>
-        <p:cNvPr id="87" name="Shape 87"/>
+        <p:cNvPr id="1" name="Shape 87"/>
         <p:cNvGrpSpPr/>
         <p:nvPr/>
       </p:nvGrpSpPr>
@@ -7237,7 +7434,9 @@
       <p:sp>
         <p:nvSpPr>
           <p:cNvPr id="88" name="Google Shape;88;p18"/>
-          <p:cNvSpPr txBox="1"/>
+          <p:cNvSpPr txBox="1">
+            <a:spLocks noGrp="1"/>
+          </p:cNvSpPr>
           <p:nvPr>
             <p:ph type="title"/>
           </p:nvPr>
@@ -7252,12 +7451,12 @@
           </a:prstGeom>
         </p:spPr>
         <p:txBody>
-          <a:bodyPr anchorCtr="0" anchor="t" bIns="91425" lIns="91425" spcFirstLastPara="1" rIns="91425" wrap="square" tIns="91425">
+          <a:bodyPr spcFirstLastPara="1" wrap="square" lIns="91425" tIns="91425" rIns="91425" bIns="91425" anchor="t" anchorCtr="0">
             <a:normAutofit fontScale="90000"/>
           </a:bodyPr>
           <a:lstStyle/>
           <a:p>
-            <a:pPr indent="0" lvl="0" marL="0" rtl="0" algn="l">
+            <a:pPr marL="0" lvl="0" indent="0" algn="l" rtl="0">
               <a:spcBef>
                 <a:spcPts val="0"/>
               </a:spcBef>
@@ -7277,9 +7476,11 @@
       <p:sp>
         <p:nvSpPr>
           <p:cNvPr id="89" name="Google Shape;89;p18"/>
-          <p:cNvSpPr txBox="1"/>
+          <p:cNvSpPr txBox="1">
+            <a:spLocks noGrp="1"/>
+          </p:cNvSpPr>
           <p:nvPr>
-            <p:ph idx="1" type="body"/>
+            <p:ph type="body" idx="1"/>
           </p:nvPr>
         </p:nvSpPr>
         <p:spPr>
@@ -7292,12 +7493,12 @@
           </a:prstGeom>
         </p:spPr>
         <p:txBody>
-          <a:bodyPr anchorCtr="0" anchor="t" bIns="91425" lIns="91425" spcFirstLastPara="1" rIns="91425" wrap="square" tIns="91425">
+          <a:bodyPr spcFirstLastPara="1" wrap="square" lIns="91425" tIns="91425" rIns="91425" bIns="91425" anchor="t" anchorCtr="0">
             <a:normAutofit/>
           </a:bodyPr>
           <a:lstStyle/>
           <a:p>
-            <a:pPr indent="0" lvl="0" marL="0" rtl="0" algn="l">
+            <a:pPr marL="0" lvl="0" indent="0" algn="l" rtl="0">
               <a:spcBef>
                 <a:spcPts val="0"/>
               </a:spcBef>
@@ -7306,9 +7507,6 @@
               </a:spcAft>
               <a:buNone/>
             </a:pPr>
-            <a:r>
-              <a:t/>
-            </a:r>
             <a:endParaRPr/>
           </a:p>
         </p:txBody>
@@ -7323,13 +7521,13 @@
           <a:blip r:embed="rId3">
             <a:alphaModFix/>
           </a:blip>
-          <a:srcRect b="0" l="0" r="0" t="0"/>
+          <a:srcRect/>
           <a:stretch/>
         </p:blipFill>
         <p:spPr>
           <a:xfrm>
             <a:off x="583175" y="1058625"/>
-            <a:ext cx="3604101" cy="3604101"/>
+            <a:ext cx="3988825" cy="3604101"/>
           </a:xfrm>
           <a:prstGeom prst="rect">
             <a:avLst/>
@@ -7345,15 +7543,27 @@
   <p:clrMapOvr>
     <a:masterClrMapping/>
   </p:clrMapOvr>
+  <mc:AlternateContent xmlns:mc="http://schemas.openxmlformats.org/markup-compatibility/2006">
+    <mc:Choice xmlns:p15="http://schemas.microsoft.com/office/powerpoint/2012/main" Requires="p15">
+      <p:transition xmlns:p14="http://schemas.microsoft.com/office/powerpoint/2010/main" spd="slow" p14:dur="2000">
+        <p15:prstTrans prst="fracture"/>
+      </p:transition>
+    </mc:Choice>
+    <mc:Fallback>
+      <p:transition spd="slow">
+        <p:fade/>
+      </p:transition>
+    </mc:Fallback>
+  </mc:AlternateContent>
 </p:sld>
 </file>
 
 <file path=ppt/slides/slide7.xml><?xml version="1.0" encoding="utf-8"?>
-<p:sld xmlns:a="http://schemas.openxmlformats.org/drawingml/2006/main" xmlns:r="http://schemas.openxmlformats.org/officeDocument/2006/relationships" xmlns:mc="http://schemas.openxmlformats.org/markup-compatibility/2006" xmlns:mv="urn:schemas-microsoft-com:mac:vml" xmlns:p="http://schemas.openxmlformats.org/presentationml/2006/main" xmlns:c="http://schemas.openxmlformats.org/drawingml/2006/chart" xmlns:dgm="http://schemas.openxmlformats.org/drawingml/2006/diagram" xmlns:o="urn:schemas-microsoft-com:office:office" xmlns:v="urn:schemas-microsoft-com:vml" xmlns:pvml="urn:schemas-microsoft-com:office:powerpoint" xmlns:com="http://schemas.openxmlformats.org/drawingml/2006/compatibility" xmlns:p14="http://schemas.microsoft.com/office/powerpoint/2010/main" xmlns:p15="http://schemas.microsoft.com/office/powerpoint/2012/main" xmlns:ahyp="http://schemas.microsoft.com/office/drawing/2018/hyperlinkcolor">
+<p:sld xmlns:a="http://schemas.openxmlformats.org/drawingml/2006/main" xmlns:r="http://schemas.openxmlformats.org/officeDocument/2006/relationships" xmlns:p="http://schemas.openxmlformats.org/presentationml/2006/main">
   <p:cSld>
     <p:spTree>
       <p:nvGrpSpPr>
-        <p:cNvPr id="94" name="Shape 94"/>
+        <p:cNvPr id="1" name="Shape 94"/>
         <p:cNvGrpSpPr/>
         <p:nvPr/>
       </p:nvGrpSpPr>
@@ -7368,7 +7578,9 @@
       <p:sp>
         <p:nvSpPr>
           <p:cNvPr id="95" name="Google Shape;95;p19"/>
-          <p:cNvSpPr txBox="1"/>
+          <p:cNvSpPr txBox="1">
+            <a:spLocks noGrp="1"/>
+          </p:cNvSpPr>
           <p:nvPr>
             <p:ph type="title"/>
           </p:nvPr>
@@ -7383,12 +7595,12 @@
           </a:prstGeom>
         </p:spPr>
         <p:txBody>
-          <a:bodyPr anchorCtr="0" anchor="t" bIns="91425" lIns="91425" spcFirstLastPara="1" rIns="91425" wrap="square" tIns="91425">
+          <a:bodyPr spcFirstLastPara="1" wrap="square" lIns="91425" tIns="91425" rIns="91425" bIns="91425" anchor="t" anchorCtr="0">
             <a:normAutofit fontScale="90000"/>
           </a:bodyPr>
           <a:lstStyle/>
           <a:p>
-            <a:pPr indent="0" lvl="0" marL="0" rtl="0" algn="l">
+            <a:pPr marL="0" lvl="0" indent="0" algn="l" rtl="0">
               <a:spcBef>
                 <a:spcPts val="0"/>
               </a:spcBef>
@@ -7408,9 +7620,11 @@
       <p:sp>
         <p:nvSpPr>
           <p:cNvPr id="96" name="Google Shape;96;p19"/>
-          <p:cNvSpPr txBox="1"/>
+          <p:cNvSpPr txBox="1">
+            <a:spLocks noGrp="1"/>
+          </p:cNvSpPr>
           <p:nvPr>
-            <p:ph idx="1" type="body"/>
+            <p:ph type="body" idx="1"/>
           </p:nvPr>
         </p:nvSpPr>
         <p:spPr>
@@ -7423,12 +7637,12 @@
           </a:prstGeom>
         </p:spPr>
         <p:txBody>
-          <a:bodyPr anchorCtr="0" anchor="t" bIns="91425" lIns="91425" spcFirstLastPara="1" rIns="91425" wrap="square" tIns="91425">
+          <a:bodyPr spcFirstLastPara="1" wrap="square" lIns="91425" tIns="91425" rIns="91425" bIns="91425" anchor="t" anchorCtr="0">
             <a:normAutofit/>
           </a:bodyPr>
           <a:lstStyle/>
           <a:p>
-            <a:pPr indent="0" lvl="0" marL="0" rtl="0" algn="l">
+            <a:pPr marL="0" lvl="0" indent="0" algn="l" rtl="0">
               <a:spcBef>
                 <a:spcPts val="0"/>
               </a:spcBef>
@@ -7437,9 +7651,6 @@
               </a:spcAft>
               <a:buNone/>
             </a:pPr>
-            <a:r>
-              <a:t/>
-            </a:r>
             <a:endParaRPr/>
           </a:p>
         </p:txBody>
@@ -7454,13 +7665,13 @@
           <a:blip r:embed="rId3">
             <a:alphaModFix/>
           </a:blip>
-          <a:srcRect b="0" l="0" r="0" t="0"/>
+          <a:srcRect/>
           <a:stretch/>
         </p:blipFill>
         <p:spPr>
           <a:xfrm>
             <a:off x="583175" y="1058625"/>
-            <a:ext cx="3604101" cy="3604101"/>
+            <a:ext cx="3988825" cy="3604101"/>
           </a:xfrm>
           <a:prstGeom prst="rect">
             <a:avLst/>
@@ -7476,15 +7687,27 @@
   <p:clrMapOvr>
     <a:masterClrMapping/>
   </p:clrMapOvr>
+  <mc:AlternateContent xmlns:mc="http://schemas.openxmlformats.org/markup-compatibility/2006">
+    <mc:Choice xmlns:p14="http://schemas.microsoft.com/office/powerpoint/2010/main" Requires="p14">
+      <p:transition spd="slow" p14:dur="1600">
+        <p14:conveyor dir="l"/>
+      </p:transition>
+    </mc:Choice>
+    <mc:Fallback>
+      <p:transition spd="slow">
+        <p:fade/>
+      </p:transition>
+    </mc:Fallback>
+  </mc:AlternateContent>
 </p:sld>
 </file>
 
 <file path=ppt/slides/slide8.xml><?xml version="1.0" encoding="utf-8"?>
-<p:sld xmlns:a="http://schemas.openxmlformats.org/drawingml/2006/main" xmlns:r="http://schemas.openxmlformats.org/officeDocument/2006/relationships" xmlns:mc="http://schemas.openxmlformats.org/markup-compatibility/2006" xmlns:mv="urn:schemas-microsoft-com:mac:vml" xmlns:p="http://schemas.openxmlformats.org/presentationml/2006/main" xmlns:c="http://schemas.openxmlformats.org/drawingml/2006/chart" xmlns:dgm="http://schemas.openxmlformats.org/drawingml/2006/diagram" xmlns:o="urn:schemas-microsoft-com:office:office" xmlns:v="urn:schemas-microsoft-com:vml" xmlns:pvml="urn:schemas-microsoft-com:office:powerpoint" xmlns:com="http://schemas.openxmlformats.org/drawingml/2006/compatibility" xmlns:p14="http://schemas.microsoft.com/office/powerpoint/2010/main" xmlns:p15="http://schemas.microsoft.com/office/powerpoint/2012/main" xmlns:ahyp="http://schemas.microsoft.com/office/drawing/2018/hyperlinkcolor">
+<p:sld xmlns:a="http://schemas.openxmlformats.org/drawingml/2006/main" xmlns:r="http://schemas.openxmlformats.org/officeDocument/2006/relationships" xmlns:p="http://schemas.openxmlformats.org/presentationml/2006/main">
   <p:cSld>
     <p:spTree>
       <p:nvGrpSpPr>
-        <p:cNvPr id="101" name="Shape 101"/>
+        <p:cNvPr id="1" name="Shape 101"/>
         <p:cNvGrpSpPr/>
         <p:nvPr/>
       </p:nvGrpSpPr>
@@ -7499,7 +7722,9 @@
       <p:sp>
         <p:nvSpPr>
           <p:cNvPr id="102" name="Google Shape;102;p20"/>
-          <p:cNvSpPr txBox="1"/>
+          <p:cNvSpPr txBox="1">
+            <a:spLocks noGrp="1"/>
+          </p:cNvSpPr>
           <p:nvPr>
             <p:ph type="title"/>
           </p:nvPr>
@@ -7514,12 +7739,12 @@
           </a:prstGeom>
         </p:spPr>
         <p:txBody>
-          <a:bodyPr anchorCtr="0" anchor="t" bIns="91425" lIns="91425" spcFirstLastPara="1" rIns="91425" wrap="square" tIns="91425">
+          <a:bodyPr spcFirstLastPara="1" wrap="square" lIns="91425" tIns="91425" rIns="91425" bIns="91425" anchor="t" anchorCtr="0">
             <a:normAutofit fontScale="90000"/>
           </a:bodyPr>
           <a:lstStyle/>
           <a:p>
-            <a:pPr indent="0" lvl="0" marL="0" rtl="0" algn="l">
+            <a:pPr marL="0" lvl="0" indent="0" algn="l" rtl="0">
               <a:spcBef>
                 <a:spcPts val="0"/>
               </a:spcBef>
@@ -7539,9 +7764,11 @@
       <p:sp>
         <p:nvSpPr>
           <p:cNvPr id="103" name="Google Shape;103;p20"/>
-          <p:cNvSpPr txBox="1"/>
+          <p:cNvSpPr txBox="1">
+            <a:spLocks noGrp="1"/>
+          </p:cNvSpPr>
           <p:nvPr>
-            <p:ph idx="1" type="body"/>
+            <p:ph type="body" idx="1"/>
           </p:nvPr>
         </p:nvSpPr>
         <p:spPr>
@@ -7554,12 +7781,12 @@
           </a:prstGeom>
         </p:spPr>
         <p:txBody>
-          <a:bodyPr anchorCtr="0" anchor="t" bIns="91425" lIns="91425" spcFirstLastPara="1" rIns="91425" wrap="square" tIns="91425">
+          <a:bodyPr spcFirstLastPara="1" wrap="square" lIns="91425" tIns="91425" rIns="91425" bIns="91425" anchor="t" anchorCtr="0">
             <a:normAutofit/>
           </a:bodyPr>
           <a:lstStyle/>
           <a:p>
-            <a:pPr indent="0" lvl="0" marL="0" rtl="0" algn="l">
+            <a:pPr marL="0" lvl="0" indent="0" algn="l" rtl="0">
               <a:spcBef>
                 <a:spcPts val="0"/>
               </a:spcBef>
@@ -7568,9 +7795,6 @@
               </a:spcAft>
               <a:buNone/>
             </a:pPr>
-            <a:r>
-              <a:t/>
-            </a:r>
             <a:endParaRPr/>
           </a:p>
         </p:txBody>
@@ -7585,13 +7809,13 @@
           <a:blip r:embed="rId3">
             <a:alphaModFix/>
           </a:blip>
-          <a:srcRect b="0" l="0" r="0" t="0"/>
+          <a:srcRect/>
           <a:stretch/>
         </p:blipFill>
         <p:spPr>
           <a:xfrm>
             <a:off x="583175" y="1058625"/>
-            <a:ext cx="3604101" cy="3604101"/>
+            <a:ext cx="3988825" cy="3604101"/>
           </a:xfrm>
           <a:prstGeom prst="rect">
             <a:avLst/>
@@ -7607,11 +7831,106 @@
   <p:clrMapOvr>
     <a:masterClrMapping/>
   </p:clrMapOvr>
+  <mc:AlternateContent xmlns:mc="http://schemas.openxmlformats.org/markup-compatibility/2006">
+    <mc:Choice xmlns:p14="http://schemas.microsoft.com/office/powerpoint/2010/main" Requires="p14">
+      <p:transition spd="slow" p14:dur="2000">
+        <p14:prism isContent="1"/>
+      </p:transition>
+    </mc:Choice>
+    <mc:Fallback>
+      <p:transition spd="slow">
+        <p:fade/>
+      </p:transition>
+    </mc:Fallback>
+  </mc:AlternateContent>
+</p:sld>
+</file>
+
+<file path=ppt/slides/slide9.xml><?xml version="1.0" encoding="utf-8"?>
+<p:sld xmlns:a="http://schemas.openxmlformats.org/drawingml/2006/main" xmlns:r="http://schemas.openxmlformats.org/officeDocument/2006/relationships" xmlns:p="http://schemas.openxmlformats.org/presentationml/2006/main">
+  <p:cSld>
+    <p:spTree>
+      <p:nvGrpSpPr>
+        <p:cNvPr id="1" name=""/>
+        <p:cNvGrpSpPr/>
+        <p:nvPr/>
+      </p:nvGrpSpPr>
+      <p:grpSpPr>
+        <a:xfrm>
+          <a:off x="0" y="0"/>
+          <a:ext cx="0" cy="0"/>
+          <a:chOff x="0" y="0"/>
+          <a:chExt cx="0" cy="0"/>
+        </a:xfrm>
+      </p:grpSpPr>
+      <p:sp>
+        <p:nvSpPr>
+          <p:cNvPr id="2" name="標題 1">
+            <a:extLst>
+              <a:ext uri="{FF2B5EF4-FFF2-40B4-BE49-F238E27FC236}">
+                <a16:creationId xmlns:a16="http://schemas.microsoft.com/office/drawing/2014/main" id="{B5392355-8F27-4143-8409-2418C0CBA2E4}"/>
+              </a:ext>
+            </a:extLst>
+          </p:cNvPr>
+          <p:cNvSpPr>
+            <a:spLocks noGrp="1"/>
+          </p:cNvSpPr>
+          <p:nvPr>
+            <p:ph type="title"/>
+          </p:nvPr>
+        </p:nvSpPr>
+        <p:spPr>
+          <a:xfrm>
+            <a:off x="585300" y="1733825"/>
+            <a:ext cx="5045100" cy="572700"/>
+          </a:xfrm>
+        </p:spPr>
+        <p:txBody>
+          <a:bodyPr>
+            <a:noAutofit/>
+          </a:bodyPr>
+          <a:lstStyle/>
+          <a:p>
+            <a:pPr algn="ctr"/>
+            <a:r>
+              <a:rPr lang="en-US" altLang="zh-TW" sz="5400" dirty="0">
+                <a:latin typeface="Bradley Hand ITC" panose="03070402050302030203" pitchFamily="66" charset="0"/>
+              </a:rPr>
+              <a:t>Thank you for Listening</a:t>
+            </a:r>
+            <a:endParaRPr lang="zh-TW" altLang="en-US" sz="5400" dirty="0">
+              <a:latin typeface="Bradley Hand ITC" panose="03070402050302030203" pitchFamily="66" charset="0"/>
+            </a:endParaRPr>
+          </a:p>
+        </p:txBody>
+      </p:sp>
+    </p:spTree>
+    <p:extLst>
+      <p:ext uri="{BB962C8B-B14F-4D97-AF65-F5344CB8AC3E}">
+        <p14:creationId xmlns:p14="http://schemas.microsoft.com/office/powerpoint/2010/main" val="2152344801"/>
+      </p:ext>
+    </p:extLst>
+  </p:cSld>
+  <p:clrMapOvr>
+    <a:masterClrMapping/>
+  </p:clrMapOvr>
+  <mc:AlternateContent xmlns:mc="http://schemas.openxmlformats.org/markup-compatibility/2006">
+    <mc:Choice xmlns:p14="http://schemas.microsoft.com/office/powerpoint/2010/main" Requires="p14">
+      <p:transition spd="slow" p14:dur="1200">
+        <p14:prism/>
+      </p:transition>
+    </mc:Choice>
+    <mc:Fallback>
+      <p:transition spd="slow">
+        <p:fade/>
+      </p:transition>
+    </mc:Fallback>
+  </mc:AlternateContent>
 </p:sld>
 </file>
 
 <file path=ppt/theme/theme1.xml><?xml version="1.0" encoding="utf-8"?>
-<a:theme xmlns:a="http://schemas.openxmlformats.org/drawingml/2006/main" xmlns:r="http://schemas.openxmlformats.org/officeDocument/2006/relationships" name="Simple Dark">
+<a:theme xmlns:a="http://schemas.openxmlformats.org/drawingml/2006/main" name="Simple Dark">
   <a:themeElements>
     <a:clrScheme name="Simple Dark">
       <a:dk1>
@@ -7886,11 +8205,13 @@
       </a:bgFillStyleLst>
     </a:fmtScheme>
   </a:themeElements>
+  <a:objectDefaults/>
+  <a:extraClrSchemeLst/>
 </a:theme>
 </file>
 
 <file path=ppt/theme/theme2.xml><?xml version="1.0" encoding="utf-8"?>
-<a:theme xmlns:a="http://schemas.openxmlformats.org/drawingml/2006/main" xmlns:r="http://schemas.openxmlformats.org/officeDocument/2006/relationships">
+<a:theme xmlns:a="http://schemas.openxmlformats.org/drawingml/2006/main">
   <a:themeElements>
     <a:clrScheme name="Default">
       <a:dk1>
@@ -8165,5 +8486,7 @@
       </a:bgFillStyleLst>
     </a:fmtScheme>
   </a:themeElements>
+  <a:objectDefaults/>
+  <a:extraClrSchemeLst/>
 </a:theme>
 </file>